--- a/slides/00_Introducao a NoSQL e Redis.pptx
+++ b/slides/00_Introducao a NoSQL e Redis.pptx
@@ -5,10 +5,10 @@
     <p:sldMasterId id="2147484241" r:id="rId4"/>
   </p:sldMasterIdLst>
   <p:notesMasterIdLst>
-    <p:notesMasterId r:id="rId58"/>
+    <p:notesMasterId r:id="rId76"/>
   </p:notesMasterIdLst>
   <p:handoutMasterIdLst>
-    <p:handoutMasterId r:id="rId59"/>
+    <p:handoutMasterId r:id="rId77"/>
   </p:handoutMasterIdLst>
   <p:sldIdLst>
     <p:sldId id="281" r:id="rId5"/>
@@ -62,13 +62,31 @@
     <p:sldId id="344" r:id="rId53"/>
     <p:sldId id="328" r:id="rId54"/>
     <p:sldId id="296" r:id="rId55"/>
-    <p:sldId id="291" r:id="rId56"/>
-    <p:sldId id="329" r:id="rId57"/>
+    <p:sldId id="359" r:id="rId56"/>
+    <p:sldId id="291" r:id="rId57"/>
+    <p:sldId id="352" r:id="rId58"/>
+    <p:sldId id="353" r:id="rId59"/>
+    <p:sldId id="354" r:id="rId60"/>
+    <p:sldId id="355" r:id="rId61"/>
+    <p:sldId id="356" r:id="rId62"/>
+    <p:sldId id="357" r:id="rId63"/>
+    <p:sldId id="360" r:id="rId64"/>
+    <p:sldId id="358" r:id="rId65"/>
+    <p:sldId id="361" r:id="rId66"/>
+    <p:sldId id="362" r:id="rId67"/>
+    <p:sldId id="363" r:id="rId68"/>
+    <p:sldId id="364" r:id="rId69"/>
+    <p:sldId id="367" r:id="rId70"/>
+    <p:sldId id="368" r:id="rId71"/>
+    <p:sldId id="371" r:id="rId72"/>
+    <p:sldId id="370" r:id="rId73"/>
+    <p:sldId id="369" r:id="rId74"/>
+    <p:sldId id="329" r:id="rId75"/>
   </p:sldIdLst>
   <p:sldSz cx="9144000" cy="5143500" type="screen16x9"/>
   <p:notesSz cx="7010400" cy="9296400"/>
   <p:custDataLst>
-    <p:tags r:id="rId60"/>
+    <p:tags r:id="rId78"/>
   </p:custDataLst>
   <p:defaultTextStyle>
     <a:defPPr>
@@ -197,7 +215,7 @@
   </p:defaultTextStyle>
   <p:extLst>
     <p:ext uri="{EFAFB233-063F-42B5-8137-9DF3F51BA10A}">
-      <p15:sldGuideLst xmlns:p15="http://schemas.microsoft.com/office/powerpoint/2012/main" xmlns="">
+      <p15:sldGuideLst xmlns:p15="http://schemas.microsoft.com/office/powerpoint/2012/main">
         <p15:guide id="1" orient="horz" pos="3072">
           <p15:clr>
             <a:srgbClr val="A4A3A4"/>
@@ -213,16 +231,36 @@
             <a:srgbClr val="A4A3A4"/>
           </p15:clr>
         </p15:guide>
+        <p15:guide id="4" orient="horz" pos="3154">
+          <p15:clr>
+            <a:srgbClr val="A4A3A4"/>
+          </p15:clr>
+        </p15:guide>
+        <p15:guide id="5" pos="174">
+          <p15:clr>
+            <a:srgbClr val="A4A3A4"/>
+          </p15:clr>
+        </p15:guide>
       </p15:sldGuideLst>
     </p:ext>
     <p:ext uri="{2D200454-40CA-4A62-9FC3-DE9A4176ACB9}">
-      <p15:notesGuideLst xmlns:p15="http://schemas.microsoft.com/office/powerpoint/2012/main" xmlns="">
+      <p15:notesGuideLst xmlns:p15="http://schemas.microsoft.com/office/powerpoint/2012/main">
         <p15:guide id="1" orient="horz" pos="2928">
           <p15:clr>
             <a:srgbClr val="A4A3A4"/>
           </p15:clr>
         </p15:guide>
         <p15:guide id="2" pos="2208">
+          <p15:clr>
+            <a:srgbClr val="A4A3A4"/>
+          </p15:clr>
+        </p15:guide>
+        <p15:guide id="3" orient="horz" pos="2640">
+          <p15:clr>
+            <a:srgbClr val="A4A3A4"/>
+          </p15:clr>
+        </p15:guide>
+        <p15:guide id="4" pos="4128">
           <p15:clr>
             <a:srgbClr val="A4A3A4"/>
           </p15:clr>
@@ -5452,7 +5490,7 @@
                   <a:schemeClr val="bg1"/>
                 </a:buClr>
               </a:pPr>
-              <a:t>5/26/2017</a:t>
+              <a:t>5/30/2017</a:t>
             </a:fld>
             <a:endParaRPr lang="en-US" sz="900" dirty="0" smtClean="0">
               <a:solidFill>
@@ -5526,7 +5564,7 @@
                   <a:schemeClr val="bg1"/>
                 </a:buClr>
               </a:pPr>
-              <a:t>5/26/2017</a:t>
+              <a:t>5/30/2017</a:t>
             </a:fld>
             <a:endParaRPr lang="en-US" sz="900" dirty="0" smtClean="0">
               <a:solidFill>
@@ -6206,7 +6244,7 @@
   </p:txStyles>
   <p:extLst mod="1">
     <p:ext uri="{27BBF7A9-308A-43DC-89C8-2F10F3537804}">
-      <p15:sldGuideLst xmlns:p15="http://schemas.microsoft.com/office/powerpoint/2012/main" xmlns="">
+      <p15:sldGuideLst xmlns:p15="http://schemas.microsoft.com/office/powerpoint/2012/main">
         <p15:guide id="1" orient="horz" pos="3084" userDrawn="1">
           <p15:clr>
             <a:srgbClr val="F26B43"/>
@@ -6286,7 +6324,11 @@
           <a:p>
             <a:r>
               <a:rPr lang="pt-BR" dirty="0" smtClean="0"/>
-              <a:t>Hands On de Redis – Dia 1</a:t>
+              <a:t>Hands On de Redis </a:t>
+            </a:r>
+            <a:r>
+              <a:rPr lang="pt-BR" dirty="0" smtClean="0"/>
+              <a:t>B3</a:t>
             </a:r>
             <a:endParaRPr lang="en-US" dirty="0"/>
           </a:p>
@@ -25126,13 +25168,6 @@
               </a:rPr>
               <a:t>Record, 2010</a:t>
             </a:r>
-            <a:endParaRPr lang="en-US" sz="1000" i="1" dirty="0">
-              <a:solidFill>
-                <a:schemeClr val="tx2">
-                  <a:lumMod val="75000"/>
-                </a:schemeClr>
-              </a:solidFill>
-            </a:endParaRPr>
           </a:p>
         </p:txBody>
       </p:sp>
@@ -25749,11 +25784,15 @@
             </a:r>
             <a:r>
               <a:rPr lang="en-US" dirty="0" smtClean="0"/>
-              <a:t> do </a:t>
+              <a:t> </a:t>
+            </a:r>
+            <a:r>
+              <a:rPr lang="en-US" dirty="0" smtClean="0"/>
+              <a:t>da </a:t>
             </a:r>
             <a:r>
               <a:rPr lang="en-US" dirty="0" err="1" smtClean="0"/>
-              <a:t>dia</a:t>
+              <a:t>seção</a:t>
             </a:r>
             <a:endParaRPr lang="en-US" dirty="0"/>
           </a:p>
@@ -26513,20 +26552,12 @@
                 <a:rPr lang="pt-BR" sz="1000" dirty="0" smtClean="0"/>
                 <a:t>Grande movimentação </a:t>
               </a:r>
-              <a:r>
-                <a:rPr lang="pt-BR" sz="1000" dirty="0" smtClean="0"/>
-                <a:t/>
-              </a:r>
               <a:br>
                 <a:rPr lang="pt-BR" sz="1000" dirty="0" smtClean="0"/>
               </a:br>
               <a:r>
                 <a:rPr lang="pt-BR" sz="1000" dirty="0" smtClean="0"/>
-                <a:t>de </a:t>
-              </a:r>
-              <a:r>
-                <a:rPr lang="pt-BR" sz="1000" dirty="0" smtClean="0"/>
-                <a:t>dados</a:t>
+                <a:t>de dados</a:t>
               </a:r>
               <a:endParaRPr lang="en-US" sz="1000" dirty="0" smtClean="0"/>
             </a:p>
@@ -29331,11 +29362,15 @@
             </a:r>
             <a:r>
               <a:rPr lang="en-US" dirty="0" smtClean="0"/>
-              <a:t> do </a:t>
+              <a:t> </a:t>
+            </a:r>
+            <a:r>
+              <a:rPr lang="en-US" dirty="0" smtClean="0"/>
+              <a:t>da </a:t>
             </a:r>
             <a:r>
               <a:rPr lang="en-US" dirty="0" err="1" smtClean="0"/>
-              <a:t>dia</a:t>
+              <a:t>seção</a:t>
             </a:r>
             <a:endParaRPr lang="en-US" dirty="0"/>
           </a:p>
@@ -29483,16 +29518,35 @@
           <a:p>
             <a:pPr lvl="1"/>
             <a:r>
+              <a:rPr lang="pt-BR" dirty="0" smtClean="0">
+                <a:hlinkClick r:id="rId7" action="ppaction://hlinksldjump"/>
+              </a:rPr>
+              <a:t>Introdução </a:t>
+            </a:r>
+            <a:r>
+              <a:rPr lang="pt-BR" dirty="0">
+                <a:hlinkClick r:id="rId7" action="ppaction://hlinksldjump"/>
+              </a:rPr>
+              <a:t>ao </a:t>
+            </a:r>
+            <a:r>
+              <a:rPr lang="pt-BR" dirty="0" smtClean="0">
+                <a:hlinkClick r:id="rId7" action="ppaction://hlinksldjump"/>
+              </a:rPr>
+              <a:t>Redis</a:t>
+            </a:r>
+            <a:endParaRPr lang="pt-BR" dirty="0" smtClean="0"/>
+          </a:p>
+          <a:p>
+            <a:pPr lvl="2"/>
+            <a:r>
               <a:rPr lang="pt-BR" dirty="0" smtClean="0"/>
-              <a:t>Introdução </a:t>
-            </a:r>
-            <a:r>
-              <a:rPr lang="pt-BR" dirty="0"/>
-              <a:t>ao Redis</a:t>
-            </a:r>
-          </a:p>
-          <a:p>
-            <a:pPr lvl="1"/>
+              <a:t>Identificação de casos de uso</a:t>
+            </a:r>
+            <a:endParaRPr lang="pt-BR" dirty="0"/>
+          </a:p>
+          <a:p>
+            <a:pPr lvl="2"/>
             <a:r>
               <a:rPr lang="pt-BR" dirty="0" smtClean="0"/>
               <a:t>Exemplos de aplicações </a:t>
@@ -29505,23 +29559,30 @@
           <a:p>
             <a:pPr lvl="1"/>
             <a:r>
+              <a:rPr lang="pt-BR" dirty="0" smtClean="0">
+                <a:hlinkClick r:id="rId8" action="ppaction://hlinksldjump"/>
+              </a:rPr>
+              <a:t>Instalação </a:t>
+            </a:r>
+            <a:r>
+              <a:rPr lang="pt-BR" dirty="0">
+                <a:hlinkClick r:id="rId8" action="ppaction://hlinksldjump"/>
+              </a:rPr>
+              <a:t>do </a:t>
+            </a:r>
+            <a:r>
+              <a:rPr lang="pt-BR" dirty="0" smtClean="0">
+                <a:hlinkClick r:id="rId8" action="ppaction://hlinksldjump"/>
+              </a:rPr>
+              <a:t>Redis</a:t>
+            </a:r>
+            <a:endParaRPr lang="pt-BR" dirty="0" smtClean="0"/>
+          </a:p>
+          <a:p>
+            <a:pPr lvl="2"/>
+            <a:r>
               <a:rPr lang="pt-BR" dirty="0" smtClean="0"/>
-              <a:t>Instalação </a:t>
-            </a:r>
-            <a:r>
-              <a:rPr lang="pt-BR" dirty="0"/>
-              <a:t>do </a:t>
-            </a:r>
-            <a:r>
-              <a:rPr lang="pt-BR" dirty="0" smtClean="0"/>
-              <a:t>Redis</a:t>
-            </a:r>
-          </a:p>
-          <a:p>
-            <a:pPr lvl="2"/>
-            <a:r>
-              <a:rPr lang="pt-BR" dirty="0" smtClean="0"/>
-              <a:t>Requisitos de sistema</a:t>
+              <a:t>Plataformas disponíveis e suportadas</a:t>
             </a:r>
           </a:p>
           <a:p>
@@ -29535,7 +29596,7 @@
             <a:pPr lvl="2"/>
             <a:r>
               <a:rPr lang="pt-BR" dirty="0" smtClean="0"/>
-              <a:t>Instalação via Pivotal App Suite</a:t>
+              <a:t>Instalação no Windows</a:t>
             </a:r>
             <a:endParaRPr lang="pt-BR" dirty="0"/>
           </a:p>
@@ -32225,19 +32286,8 @@
                           <a:latin typeface="Courier New" panose="02070309020205020404" pitchFamily="49" charset="0"/>
                           <a:cs typeface="Courier New" panose="02070309020205020404" pitchFamily="49" charset="0"/>
                         </a:rPr>
-                        <a:t>nome </a:t>
+                        <a:t>nome =“Marcos”,</a:t>
                       </a:r>
-                      <a:r>
-                        <a:rPr lang="pt-BR" sz="1400" dirty="0" smtClean="0">
-                          <a:latin typeface="Courier New" panose="02070309020205020404" pitchFamily="49" charset="0"/>
-                          <a:cs typeface="Courier New" panose="02070309020205020404" pitchFamily="49" charset="0"/>
-                        </a:rPr>
-                        <a:t>=“Marcos”,</a:t>
-                      </a:r>
-                      <a:endParaRPr lang="pt-BR" sz="1400" dirty="0" smtClean="0">
-                        <a:latin typeface="Courier New" panose="02070309020205020404" pitchFamily="49" charset="0"/>
-                        <a:cs typeface="Courier New" panose="02070309020205020404" pitchFamily="49" charset="0"/>
-                      </a:endParaRPr>
                     </a:p>
                     <a:p>
                       <a:pPr algn="l"/>
@@ -32397,21 +32447,7 @@
                           <a:latin typeface="Courier New" panose="02070309020205020404" pitchFamily="49" charset="0"/>
                           <a:cs typeface="Courier New" panose="02070309020205020404" pitchFamily="49" charset="0"/>
                         </a:rPr>
-                        <a:t>nome </a:t>
-                      </a:r>
-                      <a:r>
-                        <a:rPr lang="pt-BR" sz="1400" dirty="0" smtClean="0">
-                          <a:latin typeface="Courier New" panose="02070309020205020404" pitchFamily="49" charset="0"/>
-                          <a:cs typeface="Courier New" panose="02070309020205020404" pitchFamily="49" charset="0"/>
-                        </a:rPr>
-                        <a:t>=“Paulo”, </a:t>
-                      </a:r>
-                      <a:r>
-                        <a:rPr lang="pt-BR" sz="1400" dirty="0" smtClean="0">
-                          <a:latin typeface="Courier New" panose="02070309020205020404" pitchFamily="49" charset="0"/>
-                          <a:cs typeface="Courier New" panose="02070309020205020404" pitchFamily="49" charset="0"/>
-                        </a:rPr>
-                        <a:t>t1236:</a:t>
+                        <a:t>nome =“Paulo”, t1236:</a:t>
                       </a:r>
                       <a:r>
                         <a:rPr lang="es-ES" sz="1400" b="0" dirty="0" smtClean="0">
@@ -32980,19 +33016,8 @@
                           <a:latin typeface="Courier New" panose="02070309020205020404" pitchFamily="49" charset="0"/>
                           <a:cs typeface="Courier New" panose="02070309020205020404" pitchFamily="49" charset="0"/>
                         </a:rPr>
-                        <a:t>nome </a:t>
+                        <a:t>nome =“Marcos”,</a:t>
                       </a:r>
-                      <a:r>
-                        <a:rPr lang="pt-BR" sz="1400" dirty="0" smtClean="0">
-                          <a:latin typeface="Courier New" panose="02070309020205020404" pitchFamily="49" charset="0"/>
-                          <a:cs typeface="Courier New" panose="02070309020205020404" pitchFamily="49" charset="0"/>
-                        </a:rPr>
-                        <a:t>=“Marcos”,</a:t>
-                      </a:r>
-                      <a:endParaRPr lang="pt-BR" sz="1400" dirty="0" smtClean="0">
-                        <a:latin typeface="Courier New" panose="02070309020205020404" pitchFamily="49" charset="0"/>
-                        <a:cs typeface="Courier New" panose="02070309020205020404" pitchFamily="49" charset="0"/>
-                      </a:endParaRPr>
                     </a:p>
                     <a:p>
                       <a:pPr algn="l"/>
@@ -33194,21 +33219,7 @@
                           <a:latin typeface="Courier New" panose="02070309020205020404" pitchFamily="49" charset="0"/>
                           <a:cs typeface="Courier New" panose="02070309020205020404" pitchFamily="49" charset="0"/>
                         </a:rPr>
-                        <a:t>nome </a:t>
-                      </a:r>
-                      <a:r>
-                        <a:rPr lang="pt-BR" sz="1400" dirty="0" smtClean="0">
-                          <a:latin typeface="Courier New" panose="02070309020205020404" pitchFamily="49" charset="0"/>
-                          <a:cs typeface="Courier New" panose="02070309020205020404" pitchFamily="49" charset="0"/>
-                        </a:rPr>
-                        <a:t>=“Paulo”, </a:t>
-                      </a:r>
-                      <a:r>
-                        <a:rPr lang="pt-BR" sz="1400" dirty="0" smtClean="0">
-                          <a:latin typeface="Courier New" panose="02070309020205020404" pitchFamily="49" charset="0"/>
-                          <a:cs typeface="Courier New" panose="02070309020205020404" pitchFamily="49" charset="0"/>
-                        </a:rPr>
-                        <a:t>t1236:</a:t>
+                        <a:t>nome =“Paulo”, t1236:</a:t>
                       </a:r>
                       <a:r>
                         <a:rPr lang="es-ES" sz="1400" b="0" dirty="0" smtClean="0">
@@ -35159,7 +35170,6 @@
               <a:rPr lang="pt-BR" sz="1200" dirty="0"/>
               <a:t>.</a:t>
             </a:r>
-            <a:endParaRPr lang="pt-BR" sz="1200" dirty="0"/>
           </a:p>
         </p:txBody>
       </p:sp>
@@ -35935,7 +35945,6 @@
               <a:rPr lang="pt-BR" sz="1200" dirty="0"/>
               <a:t>BigTable, Cassandra, HBase, Accumulo.</a:t>
             </a:r>
-            <a:endParaRPr lang="pt-BR" sz="1200" dirty="0"/>
           </a:p>
         </p:txBody>
       </p:sp>
@@ -36370,11 +36379,6 @@
               </a:rPr>
               <a:t>   [ </a:t>
             </a:r>
-            <a:endParaRPr lang="pt-BR" sz="1000" dirty="0" smtClean="0">
-              <a:solidFill>
-                <a:schemeClr val="tx1"/>
-              </a:solidFill>
-            </a:endParaRPr>
           </a:p>
           <a:p>
             <a:r>
@@ -36464,15 +36468,7 @@
                   <a:schemeClr val="tx1"/>
                 </a:solidFill>
               </a:rPr>
-              <a:t>      </a:t>
-            </a:r>
-            <a:r>
-              <a:rPr lang="pt-BR" sz="1000" dirty="0" smtClean="0">
-                <a:solidFill>
-                  <a:schemeClr val="tx1"/>
-                </a:solidFill>
-              </a:rPr>
-              <a:t> "</a:t>
+              <a:t>       "</a:t>
             </a:r>
             <a:r>
               <a:rPr lang="pt-BR" sz="1000" dirty="0">
@@ -36495,15 +36491,7 @@
                   <a:schemeClr val="tx1"/>
                 </a:solidFill>
               </a:rPr>
-              <a:t>	</a:t>
-            </a:r>
-            <a:r>
-              <a:rPr lang="pt-BR" sz="1000" dirty="0" smtClean="0">
-                <a:solidFill>
-                  <a:schemeClr val="tx1"/>
-                </a:solidFill>
-              </a:rPr>
-              <a:t>{ </a:t>
+              <a:t>	{ </a:t>
             </a:r>
             <a:r>
               <a:rPr lang="pt-BR" sz="1000" dirty="0">
@@ -36537,15 +36525,7 @@
                   <a:schemeClr val="tx1"/>
                 </a:solidFill>
               </a:rPr>
-              <a:t>                             </a:t>
-            </a:r>
-            <a:r>
-              <a:rPr lang="pt-BR" sz="1000" dirty="0" smtClean="0">
-                <a:solidFill>
-                  <a:schemeClr val="tx1"/>
-                </a:solidFill>
-              </a:rPr>
-              <a:t>“</a:t>
+              <a:t>                             “</a:t>
             </a:r>
             <a:r>
               <a:rPr lang="pt-BR" sz="1000" dirty="0">
@@ -36613,15 +36593,7 @@
                   <a:schemeClr val="tx1"/>
                 </a:solidFill>
               </a:rPr>
-              <a:t>	</a:t>
-            </a:r>
-            <a:r>
-              <a:rPr lang="pt-BR" sz="1000" dirty="0" smtClean="0">
-                <a:solidFill>
-                  <a:schemeClr val="tx1"/>
-                </a:solidFill>
-              </a:rPr>
-              <a:t>{ </a:t>
+              <a:t>	{ </a:t>
             </a:r>
             <a:r>
               <a:rPr lang="pt-BR" sz="1000" dirty="0">
@@ -36679,23 +36651,7 @@
                   <a:schemeClr val="tx1"/>
                 </a:solidFill>
               </a:rPr>
-              <a:t>DEP.” </a:t>
-            </a:r>
-            <a:r>
-              <a:rPr lang="pt-BR" sz="1000" dirty="0" smtClean="0">
-                <a:solidFill>
-                  <a:schemeClr val="tx1"/>
-                </a:solidFill>
-              </a:rPr>
-              <a:t> </a:t>
-            </a:r>
-            <a:r>
-              <a:rPr lang="pt-BR" sz="1000" dirty="0" smtClean="0">
-                <a:solidFill>
-                  <a:schemeClr val="tx1"/>
-                </a:solidFill>
-              </a:rPr>
-              <a:t>	   "</a:t>
+              <a:t>DEP.”  	   "</a:t>
             </a:r>
             <a:r>
               <a:rPr lang="pt-BR" sz="1000" dirty="0">
@@ -36765,21 +36721,8 @@
                   <a:schemeClr val="tx1"/>
                 </a:solidFill>
               </a:rPr>
-              <a:t>  </a:t>
-            </a:r>
-            <a:r>
-              <a:rPr lang="pt-BR" sz="1000" dirty="0" smtClean="0">
-                <a:solidFill>
-                  <a:schemeClr val="tx1"/>
-                </a:solidFill>
-              </a:rPr>
-              <a:t>]</a:t>
-            </a:r>
-            <a:endParaRPr lang="pt-BR" sz="1000" dirty="0" smtClean="0">
-              <a:solidFill>
-                <a:schemeClr val="tx1"/>
-              </a:solidFill>
-            </a:endParaRPr>
+              <a:t>  ]</a:t>
+            </a:r>
           </a:p>
           <a:p>
             <a:r>
@@ -40873,7 +40816,6 @@
               <a:rPr lang="pt-BR" dirty="0"/>
               <a:t>Identificar a principal motivação para o emprego de sistemas NoSQL</a:t>
             </a:r>
-            <a:endParaRPr lang="pt-BR" dirty="0"/>
           </a:p>
           <a:p>
             <a:endParaRPr lang="pt-BR" dirty="0"/>
@@ -41079,40 +41021,23 @@
         </p:nvSpPr>
         <p:spPr/>
         <p:txBody>
-          <a:bodyPr/>
+          <a:bodyPr>
+            <a:normAutofit/>
+          </a:bodyPr>
           <a:lstStyle/>
           <a:p>
             <a:r>
-              <a:rPr lang="en-US" dirty="0" smtClean="0"/>
-              <a:t>Content two column</a:t>
+              <a:rPr lang="pt-BR" dirty="0" smtClean="0"/>
+              <a:t>Introdução ao Redis</a:t>
             </a:r>
             <a:endParaRPr lang="en-US" dirty="0"/>
-          </a:p>
-        </p:txBody>
-      </p:sp>
-      <p:sp>
-        <p:nvSpPr>
-          <p:cNvPr id="5" name="Content Placeholder 4"/>
-          <p:cNvSpPr>
-            <a:spLocks noGrp="1"/>
-          </p:cNvSpPr>
-          <p:nvPr>
-            <p:ph sz="quarter" idx="10"/>
-          </p:nvPr>
-        </p:nvSpPr>
-        <p:spPr/>
-        <p:txBody>
-          <a:bodyPr/>
-          <a:lstStyle/>
-          <a:p>
-            <a:endParaRPr lang="en-US"/>
           </a:p>
         </p:txBody>
       </p:sp>
     </p:spTree>
     <p:extLst>
       <p:ext uri="{BB962C8B-B14F-4D97-AF65-F5344CB8AC3E}">
-        <p14:creationId xmlns:p14="http://schemas.microsoft.com/office/powerpoint/2010/main" val="3815520794"/>
+        <p14:creationId xmlns:p14="http://schemas.microsoft.com/office/powerpoint/2010/main" val="911437086"/>
       </p:ext>
     </p:extLst>
   </p:cSld>
@@ -41149,10 +41074,138 @@
           <a:chExt cx="0" cy="0"/>
         </a:xfrm>
       </p:grpSpPr>
+      <p:sp>
+        <p:nvSpPr>
+          <p:cNvPr id="4" name="Title 3"/>
+          <p:cNvSpPr>
+            <a:spLocks noGrp="1"/>
+          </p:cNvSpPr>
+          <p:nvPr>
+            <p:ph type="title"/>
+          </p:nvPr>
+        </p:nvSpPr>
+        <p:spPr/>
+        <p:txBody>
+          <a:bodyPr/>
+          <a:lstStyle/>
+          <a:p>
+            <a:r>
+              <a:rPr lang="en-US" dirty="0" err="1" smtClean="0"/>
+              <a:t>Objetivos</a:t>
+            </a:r>
+            <a:r>
+              <a:rPr lang="en-US" dirty="0" smtClean="0"/>
+              <a:t> do </a:t>
+            </a:r>
+            <a:r>
+              <a:rPr lang="en-US" dirty="0" err="1" smtClean="0"/>
+              <a:t>tópico</a:t>
+            </a:r>
+            <a:endParaRPr lang="en-US" dirty="0"/>
+          </a:p>
+        </p:txBody>
+      </p:sp>
+      <p:sp>
+        <p:nvSpPr>
+          <p:cNvPr id="5" name="Content Placeholder 4"/>
+          <p:cNvSpPr>
+            <a:spLocks noGrp="1"/>
+          </p:cNvSpPr>
+          <p:nvPr>
+            <p:ph sz="quarter" idx="10"/>
+          </p:nvPr>
+        </p:nvSpPr>
+        <p:spPr/>
+        <p:txBody>
+          <a:bodyPr/>
+          <a:lstStyle/>
+          <a:p>
+            <a:pPr marL="228600" lvl="1" indent="-228600">
+              <a:spcBef>
+                <a:spcPts val="1200"/>
+              </a:spcBef>
+              <a:buFont typeface="Arial" pitchFamily="34" charset="0"/>
+              <a:buChar char="•"/>
+            </a:pPr>
+            <a:r>
+              <a:rPr lang="pt-BR" sz="1400" dirty="0">
+                <a:cs typeface="+mn-cs"/>
+              </a:rPr>
+              <a:t>Entender </a:t>
+            </a:r>
+            <a:r>
+              <a:rPr lang="pt-BR" sz="1400" dirty="0" smtClean="0">
+                <a:cs typeface="+mn-cs"/>
+              </a:rPr>
+              <a:t>o histórico e </a:t>
+            </a:r>
+            <a:r>
+              <a:rPr lang="pt-BR" sz="1400" dirty="0">
+                <a:cs typeface="+mn-cs"/>
+              </a:rPr>
+              <a:t>motivação para a implementação do Redis</a:t>
+            </a:r>
+          </a:p>
+          <a:p>
+            <a:pPr marL="228600" lvl="1" indent="-228600">
+              <a:spcBef>
+                <a:spcPts val="1200"/>
+              </a:spcBef>
+              <a:buFont typeface="Arial" pitchFamily="34" charset="0"/>
+              <a:buChar char="•"/>
+            </a:pPr>
+            <a:r>
+              <a:rPr lang="pt-BR" sz="1400" dirty="0" smtClean="0">
+                <a:cs typeface="+mn-cs"/>
+              </a:rPr>
+              <a:t>Identificar casos de uso</a:t>
+            </a:r>
+          </a:p>
+          <a:p>
+            <a:pPr marL="228600" lvl="1" indent="-228600">
+              <a:spcBef>
+                <a:spcPts val="1200"/>
+              </a:spcBef>
+              <a:buFont typeface="Arial" pitchFamily="34" charset="0"/>
+              <a:buChar char="•"/>
+            </a:pPr>
+            <a:r>
+              <a:rPr lang="pt-BR" sz="1400" dirty="0" smtClean="0">
+                <a:cs typeface="+mn-cs"/>
+              </a:rPr>
+              <a:t>Tipos </a:t>
+            </a:r>
+            <a:r>
+              <a:rPr lang="pt-BR" sz="1400" dirty="0">
+                <a:cs typeface="+mn-cs"/>
+              </a:rPr>
+              <a:t>de aplicações utilizando Redis</a:t>
+            </a:r>
+          </a:p>
+          <a:p>
+            <a:pPr marL="228600" lvl="1" indent="-228600">
+              <a:spcBef>
+                <a:spcPts val="1200"/>
+              </a:spcBef>
+              <a:buFont typeface="Arial" pitchFamily="34" charset="0"/>
+              <a:buChar char="•"/>
+            </a:pPr>
+            <a:r>
+              <a:rPr lang="pt-BR" sz="1400" dirty="0">
+                <a:cs typeface="+mn-cs"/>
+              </a:rPr>
+              <a:t>Modos de instalação e configuração do Redis</a:t>
+            </a:r>
+          </a:p>
+          <a:p>
+            <a:endParaRPr lang="en-US" dirty="0"/>
+          </a:p>
+        </p:txBody>
+      </p:sp>
     </p:spTree>
     <p:extLst>
       <p:ext uri="{BB962C8B-B14F-4D97-AF65-F5344CB8AC3E}">
-        <p14:creationId xmlns:p14="http://schemas.microsoft.com/office/powerpoint/2010/main" val="1257464912"/>
+        <p14:creationId xmlns:p14="http://schemas.microsoft.com/office/powerpoint/2010/main" val="3815520794"/>
       </p:ext>
     </p:extLst>
   </p:cSld>
@@ -41169,6 +41222,3627 @@
       </p:par>
     </p:tnLst>
   </p:timing>
+</p:sld>
+</file>
+
+<file path=ppt/slides/slide54.xml><?xml version="1.0" encoding="utf-8"?>
+<p:sld xmlns:a="http://schemas.openxmlformats.org/drawingml/2006/main" xmlns:r="http://schemas.openxmlformats.org/officeDocument/2006/relationships" xmlns:p="http://schemas.openxmlformats.org/presentationml/2006/main">
+  <p:cSld>
+    <p:spTree>
+      <p:nvGrpSpPr>
+        <p:cNvPr id="1" name=""/>
+        <p:cNvGrpSpPr/>
+        <p:nvPr/>
+      </p:nvGrpSpPr>
+      <p:grpSpPr>
+        <a:xfrm>
+          <a:off x="0" y="0"/>
+          <a:ext cx="0" cy="0"/>
+          <a:chOff x="0" y="0"/>
+          <a:chExt cx="0" cy="0"/>
+        </a:xfrm>
+      </p:grpSpPr>
+      <p:sp>
+        <p:nvSpPr>
+          <p:cNvPr id="2" name="Title 1"/>
+          <p:cNvSpPr>
+            <a:spLocks noGrp="1"/>
+          </p:cNvSpPr>
+          <p:nvPr>
+            <p:ph type="title"/>
+          </p:nvPr>
+        </p:nvSpPr>
+        <p:spPr/>
+        <p:txBody>
+          <a:bodyPr/>
+          <a:lstStyle/>
+          <a:p>
+            <a:r>
+              <a:rPr lang="en-US" dirty="0" smtClean="0"/>
+              <a:t>O </a:t>
+            </a:r>
+            <a:r>
+              <a:rPr lang="en-US" dirty="0" err="1" smtClean="0"/>
+              <a:t>que</a:t>
+            </a:r>
+            <a:r>
+              <a:rPr lang="en-US" dirty="0" smtClean="0"/>
+              <a:t> é o </a:t>
+            </a:r>
+            <a:r>
+              <a:rPr lang="en-US" dirty="0" err="1" smtClean="0"/>
+              <a:t>Redis</a:t>
+            </a:r>
+            <a:r>
+              <a:rPr lang="en-US" dirty="0" smtClean="0"/>
+              <a:t>?</a:t>
+            </a:r>
+            <a:endParaRPr lang="en-US" dirty="0"/>
+          </a:p>
+        </p:txBody>
+      </p:sp>
+      <p:sp>
+        <p:nvSpPr>
+          <p:cNvPr id="3" name="Content Placeholder 2"/>
+          <p:cNvSpPr>
+            <a:spLocks noGrp="1"/>
+          </p:cNvSpPr>
+          <p:nvPr>
+            <p:ph sz="quarter" idx="10"/>
+          </p:nvPr>
+        </p:nvSpPr>
+        <p:spPr/>
+        <p:txBody>
+          <a:bodyPr/>
+          <a:lstStyle/>
+          <a:p>
+            <a:pPr marL="285750" indent="-285750">
+              <a:buFont typeface="Arial" panose="020B0604020202020204" pitchFamily="34" charset="0"/>
+              <a:buChar char="•"/>
+            </a:pPr>
+            <a:r>
+              <a:rPr lang="en-US" b="1" dirty="0" err="1" smtClean="0"/>
+              <a:t>RE</a:t>
+            </a:r>
+            <a:r>
+              <a:rPr lang="en-US" dirty="0" err="1" smtClean="0"/>
+              <a:t>mote</a:t>
+            </a:r>
+            <a:r>
+              <a:rPr lang="en-US" dirty="0" smtClean="0"/>
+              <a:t> </a:t>
+            </a:r>
+            <a:r>
+              <a:rPr lang="en-US" b="1" dirty="0" err="1" smtClean="0"/>
+              <a:t>DI</a:t>
+            </a:r>
+            <a:r>
+              <a:rPr lang="en-US" dirty="0" err="1" smtClean="0"/>
+              <a:t>ctionary</a:t>
+            </a:r>
+            <a:r>
+              <a:rPr lang="en-US" dirty="0" smtClean="0"/>
+              <a:t> </a:t>
+            </a:r>
+            <a:r>
+              <a:rPr lang="en-US" b="1" dirty="0" smtClean="0"/>
+              <a:t>S</a:t>
+            </a:r>
+            <a:r>
+              <a:rPr lang="en-US" dirty="0" smtClean="0"/>
+              <a:t>erver</a:t>
+            </a:r>
+          </a:p>
+          <a:p>
+            <a:pPr marL="285750" indent="-285750">
+              <a:buFont typeface="Arial" panose="020B0604020202020204" pitchFamily="34" charset="0"/>
+              <a:buChar char="•"/>
+            </a:pPr>
+            <a:r>
+              <a:rPr lang="en-US" i="1" dirty="0" smtClean="0"/>
+              <a:t>“</a:t>
+            </a:r>
+            <a:r>
+              <a:rPr lang="en-US" i="1" dirty="0" err="1" smtClean="0"/>
+              <a:t>Redis</a:t>
+            </a:r>
+            <a:r>
+              <a:rPr lang="en-US" i="1" dirty="0" smtClean="0"/>
+              <a:t> é um </a:t>
+            </a:r>
+            <a:r>
+              <a:rPr lang="en-US" i="1" dirty="0" err="1" smtClean="0"/>
+              <a:t>repositório</a:t>
+            </a:r>
+            <a:r>
+              <a:rPr lang="en-US" i="1" dirty="0" smtClean="0"/>
+              <a:t> </a:t>
+            </a:r>
+            <a:r>
+              <a:rPr lang="en-US" i="1" dirty="0" err="1" smtClean="0"/>
+              <a:t>chave</a:t>
+            </a:r>
+            <a:r>
+              <a:rPr lang="en-US" i="1" dirty="0" smtClean="0"/>
+              <a:t>-valor, de </a:t>
+            </a:r>
+            <a:r>
+              <a:rPr lang="en-US" i="1" dirty="0" err="1" smtClean="0"/>
+              <a:t>código</a:t>
+            </a:r>
+            <a:r>
+              <a:rPr lang="en-US" i="1" dirty="0" smtClean="0"/>
+              <a:t> </a:t>
+            </a:r>
+            <a:r>
+              <a:rPr lang="en-US" i="1" dirty="0" err="1" smtClean="0"/>
+              <a:t>aberto</a:t>
+            </a:r>
+            <a:r>
+              <a:rPr lang="en-US" i="1" dirty="0" smtClean="0"/>
+              <a:t> e com </a:t>
+            </a:r>
+            <a:r>
+              <a:rPr lang="en-US" i="1" dirty="0" err="1" smtClean="0"/>
+              <a:t>licença</a:t>
+            </a:r>
+            <a:r>
+              <a:rPr lang="en-US" i="1" dirty="0" smtClean="0"/>
+              <a:t> BSD, </a:t>
+            </a:r>
+            <a:r>
+              <a:rPr lang="en-US" i="1" dirty="0" err="1" smtClean="0"/>
+              <a:t>utilizado</a:t>
+            </a:r>
+            <a:r>
+              <a:rPr lang="en-US" i="1" dirty="0" smtClean="0"/>
+              <a:t> </a:t>
+            </a:r>
+            <a:r>
+              <a:rPr lang="en-US" i="1" dirty="0" err="1" smtClean="0"/>
+              <a:t>como</a:t>
+            </a:r>
+            <a:r>
+              <a:rPr lang="en-US" i="1" dirty="0" smtClean="0"/>
+              <a:t> banco de dados, cache e message broker.” – redis.io</a:t>
+            </a:r>
+          </a:p>
+          <a:p>
+            <a:pPr marL="285750" indent="-285750">
+              <a:buFont typeface="Arial" panose="020B0604020202020204" pitchFamily="34" charset="0"/>
+              <a:buChar char="•"/>
+            </a:pPr>
+            <a:r>
+              <a:rPr lang="en-US" dirty="0" err="1" smtClean="0"/>
+              <a:t>Repositório</a:t>
+            </a:r>
+            <a:r>
+              <a:rPr lang="en-US" dirty="0" smtClean="0"/>
+              <a:t> de dados NoSQL </a:t>
+            </a:r>
+            <a:r>
+              <a:rPr lang="en-US" dirty="0" err="1" smtClean="0"/>
+              <a:t>em</a:t>
+            </a:r>
+            <a:r>
+              <a:rPr lang="en-US" dirty="0" smtClean="0"/>
+              <a:t> </a:t>
+            </a:r>
+            <a:r>
+              <a:rPr lang="en-US" dirty="0" err="1" smtClean="0"/>
+              <a:t>memória</a:t>
+            </a:r>
+            <a:r>
+              <a:rPr lang="en-US" dirty="0" smtClean="0"/>
+              <a:t> com </a:t>
+            </a:r>
+            <a:r>
+              <a:rPr lang="en-US" dirty="0" err="1" smtClean="0"/>
+              <a:t>persistência</a:t>
+            </a:r>
+            <a:endParaRPr lang="en-US" dirty="0" smtClean="0"/>
+          </a:p>
+          <a:p>
+            <a:pPr marL="285750" indent="-285750">
+              <a:buFont typeface="Arial" panose="020B0604020202020204" pitchFamily="34" charset="0"/>
+              <a:buChar char="•"/>
+            </a:pPr>
+            <a:r>
+              <a:rPr lang="en-US" dirty="0" err="1" smtClean="0"/>
+              <a:t>Bastante</a:t>
+            </a:r>
+            <a:r>
+              <a:rPr lang="en-US" dirty="0" smtClean="0"/>
+              <a:t> </a:t>
+            </a:r>
+            <a:r>
+              <a:rPr lang="en-US" dirty="0" err="1" smtClean="0"/>
+              <a:t>difundido</a:t>
+            </a:r>
+            <a:r>
+              <a:rPr lang="en-US" dirty="0" smtClean="0"/>
+              <a:t> e </a:t>
+            </a:r>
+            <a:r>
+              <a:rPr lang="en-US" dirty="0" err="1" smtClean="0"/>
+              <a:t>aceito</a:t>
+            </a:r>
+            <a:r>
+              <a:rPr lang="en-US" dirty="0" smtClean="0"/>
+              <a:t>, </a:t>
+            </a:r>
+            <a:r>
+              <a:rPr lang="en-US" dirty="0" err="1" smtClean="0"/>
+              <a:t>por</a:t>
+            </a:r>
+            <a:r>
+              <a:rPr lang="en-US" dirty="0" smtClean="0"/>
+              <a:t> </a:t>
+            </a:r>
+            <a:r>
+              <a:rPr lang="en-US" dirty="0" err="1" smtClean="0"/>
+              <a:t>exemplo</a:t>
+            </a:r>
+            <a:r>
+              <a:rPr lang="en-US" dirty="0" smtClean="0"/>
+              <a:t>: </a:t>
+            </a:r>
+            <a:r>
+              <a:rPr lang="en-US" dirty="0" err="1" smtClean="0"/>
+              <a:t>repositório</a:t>
+            </a:r>
+            <a:r>
+              <a:rPr lang="en-US" dirty="0" smtClean="0"/>
+              <a:t> </a:t>
+            </a:r>
+            <a:r>
+              <a:rPr lang="en-US" dirty="0" err="1" smtClean="0"/>
+              <a:t>chave</a:t>
+            </a:r>
+            <a:r>
+              <a:rPr lang="en-US" dirty="0" smtClean="0"/>
+              <a:t>-valor </a:t>
+            </a:r>
+            <a:r>
+              <a:rPr lang="en-US" dirty="0" err="1" smtClean="0"/>
+              <a:t>mais</a:t>
+            </a:r>
+            <a:r>
+              <a:rPr lang="en-US" dirty="0" smtClean="0"/>
+              <a:t> popular no </a:t>
+            </a:r>
+            <a:r>
+              <a:rPr lang="en-US" dirty="0" smtClean="0">
+                <a:hlinkClick r:id="rId2"/>
+              </a:rPr>
+              <a:t>DB-Engines.com</a:t>
+            </a:r>
+            <a:endParaRPr lang="en-US" dirty="0" smtClean="0"/>
+          </a:p>
+          <a:p>
+            <a:pPr marL="285750" indent="-285750">
+              <a:buFont typeface="Arial" panose="020B0604020202020204" pitchFamily="34" charset="0"/>
+              <a:buChar char="•"/>
+            </a:pPr>
+            <a:r>
+              <a:rPr lang="en-US" dirty="0" err="1" smtClean="0"/>
+              <a:t>Leve</a:t>
+            </a:r>
+            <a:r>
+              <a:rPr lang="en-US" dirty="0" smtClean="0"/>
+              <a:t> (&lt; 1 MB)</a:t>
+            </a:r>
+          </a:p>
+          <a:p>
+            <a:pPr marL="285750" indent="-285750">
+              <a:buFont typeface="Arial" panose="020B0604020202020204" pitchFamily="34" charset="0"/>
+              <a:buChar char="•"/>
+            </a:pPr>
+            <a:r>
+              <a:rPr lang="en-US" dirty="0" err="1" smtClean="0"/>
+              <a:t>Escrito</a:t>
+            </a:r>
+            <a:r>
+              <a:rPr lang="en-US" dirty="0" smtClean="0"/>
+              <a:t> </a:t>
+            </a:r>
+            <a:r>
+              <a:rPr lang="en-US" dirty="0" err="1" smtClean="0"/>
+              <a:t>em</a:t>
+            </a:r>
+            <a:r>
+              <a:rPr lang="en-US" dirty="0" smtClean="0"/>
+              <a:t> C</a:t>
+            </a:r>
+          </a:p>
+          <a:p>
+            <a:pPr marL="285750" indent="-285750">
+              <a:buFont typeface="Arial" panose="020B0604020202020204" pitchFamily="34" charset="0"/>
+              <a:buChar char="•"/>
+            </a:pPr>
+            <a:endParaRPr lang="en-US" dirty="0"/>
+          </a:p>
+        </p:txBody>
+      </p:sp>
+    </p:spTree>
+    <p:extLst>
+      <p:ext uri="{BB962C8B-B14F-4D97-AF65-F5344CB8AC3E}">
+        <p14:creationId xmlns:p14="http://schemas.microsoft.com/office/powerpoint/2010/main" val="2145750597"/>
+      </p:ext>
+    </p:extLst>
+  </p:cSld>
+  <p:clrMapOvr>
+    <a:masterClrMapping/>
+  </p:clrMapOvr>
+  <p:transition spd="med">
+    <p:wipe dir="r"/>
+  </p:transition>
+</p:sld>
+</file>
+
+<file path=ppt/slides/slide55.xml><?xml version="1.0" encoding="utf-8"?>
+<p:sld xmlns:a="http://schemas.openxmlformats.org/drawingml/2006/main" xmlns:r="http://schemas.openxmlformats.org/officeDocument/2006/relationships" xmlns:p="http://schemas.openxmlformats.org/presentationml/2006/main">
+  <p:cSld>
+    <p:spTree>
+      <p:nvGrpSpPr>
+        <p:cNvPr id="1" name=""/>
+        <p:cNvGrpSpPr/>
+        <p:nvPr/>
+      </p:nvGrpSpPr>
+      <p:grpSpPr>
+        <a:xfrm>
+          <a:off x="0" y="0"/>
+          <a:ext cx="0" cy="0"/>
+          <a:chOff x="0" y="0"/>
+          <a:chExt cx="0" cy="0"/>
+        </a:xfrm>
+      </p:grpSpPr>
+      <p:sp>
+        <p:nvSpPr>
+          <p:cNvPr id="2" name="Title 1"/>
+          <p:cNvSpPr>
+            <a:spLocks noGrp="1"/>
+          </p:cNvSpPr>
+          <p:nvPr>
+            <p:ph type="title"/>
+          </p:nvPr>
+        </p:nvSpPr>
+        <p:spPr/>
+        <p:txBody>
+          <a:bodyPr/>
+          <a:lstStyle/>
+          <a:p>
+            <a:r>
+              <a:rPr lang="en-US" dirty="0" err="1" smtClean="0"/>
+              <a:t>Quem</a:t>
+            </a:r>
+            <a:r>
+              <a:rPr lang="en-US" dirty="0" smtClean="0"/>
+              <a:t> </a:t>
+            </a:r>
+            <a:r>
+              <a:rPr lang="en-US" dirty="0" err="1" smtClean="0"/>
+              <a:t>usa</a:t>
+            </a:r>
+            <a:r>
+              <a:rPr lang="en-US" dirty="0" smtClean="0"/>
+              <a:t> o </a:t>
+            </a:r>
+            <a:r>
+              <a:rPr lang="en-US" dirty="0" err="1" smtClean="0"/>
+              <a:t>Redis</a:t>
+            </a:r>
+            <a:r>
+              <a:rPr lang="en-US" dirty="0" smtClean="0"/>
+              <a:t>?</a:t>
+            </a:r>
+            <a:endParaRPr lang="en-US" dirty="0"/>
+          </a:p>
+        </p:txBody>
+      </p:sp>
+      <p:pic>
+        <p:nvPicPr>
+          <p:cNvPr id="4" name="Picture 3"/>
+          <p:cNvPicPr>
+            <a:picLocks noChangeAspect="1"/>
+          </p:cNvPicPr>
+          <p:nvPr/>
+        </p:nvPicPr>
+        <p:blipFill>
+          <a:blip r:embed="rId2">
+            <a:clrChange>
+              <a:clrFrom>
+                <a:srgbClr val="FFFFFF"/>
+              </a:clrFrom>
+              <a:clrTo>
+                <a:srgbClr val="FFFFFF">
+                  <a:alpha val="0"/>
+                </a:srgbClr>
+              </a:clrTo>
+            </a:clrChange>
+            <a:extLst>
+              <a:ext uri="{28A0092B-C50C-407E-A947-70E740481C1C}">
+                <a14:useLocalDpi xmlns:a14="http://schemas.microsoft.com/office/drawing/2010/main" val="0"/>
+              </a:ext>
+            </a:extLst>
+          </a:blip>
+          <a:srcRect/>
+          <a:stretch>
+            <a:fillRect/>
+          </a:stretch>
+        </p:blipFill>
+        <p:spPr bwMode="auto">
+          <a:xfrm>
+            <a:off x="2511425" y="1168400"/>
+            <a:ext cx="627063" cy="431800"/>
+          </a:xfrm>
+          <a:prstGeom prst="rect">
+            <a:avLst/>
+          </a:prstGeom>
+          <a:noFill/>
+          <a:ln>
+            <a:noFill/>
+          </a:ln>
+          <a:extLst>
+            <a:ext uri="{909E8E84-426E-40DD-AFC4-6F175D3DCCD1}">
+              <a14:hiddenFill xmlns:a14="http://schemas.microsoft.com/office/drawing/2010/main">
+                <a:solidFill>
+                  <a:srgbClr val="FFFFFF"/>
+                </a:solidFill>
+              </a14:hiddenFill>
+            </a:ext>
+            <a:ext uri="{91240B29-F687-4F45-9708-019B960494DF}">
+              <a14:hiddenLine xmlns:a14="http://schemas.microsoft.com/office/drawing/2010/main" w="9525">
+                <a:solidFill>
+                  <a:srgbClr val="000000"/>
+                </a:solidFill>
+                <a:miter lim="800000"/>
+                <a:headEnd/>
+                <a:tailEnd/>
+              </a14:hiddenLine>
+            </a:ext>
+          </a:extLst>
+        </p:spPr>
+      </p:pic>
+      <p:pic>
+        <p:nvPicPr>
+          <p:cNvPr id="5" name="Picture 4"/>
+          <p:cNvPicPr>
+            <a:picLocks noChangeAspect="1"/>
+          </p:cNvPicPr>
+          <p:nvPr/>
+        </p:nvPicPr>
+        <p:blipFill>
+          <a:blip r:embed="rId3">
+            <a:clrChange>
+              <a:clrFrom>
+                <a:srgbClr val="FFFFFF"/>
+              </a:clrFrom>
+              <a:clrTo>
+                <a:srgbClr val="FFFFFF">
+                  <a:alpha val="0"/>
+                </a:srgbClr>
+              </a:clrTo>
+            </a:clrChange>
+            <a:extLst>
+              <a:ext uri="{28A0092B-C50C-407E-A947-70E740481C1C}">
+                <a14:useLocalDpi xmlns:a14="http://schemas.microsoft.com/office/drawing/2010/main" val="0"/>
+              </a:ext>
+            </a:extLst>
+          </a:blip>
+          <a:srcRect/>
+          <a:stretch>
+            <a:fillRect/>
+          </a:stretch>
+        </p:blipFill>
+        <p:spPr bwMode="auto">
+          <a:xfrm>
+            <a:off x="1060450" y="1463675"/>
+            <a:ext cx="1371600" cy="349250"/>
+          </a:xfrm>
+          <a:prstGeom prst="rect">
+            <a:avLst/>
+          </a:prstGeom>
+          <a:noFill/>
+          <a:ln>
+            <a:noFill/>
+          </a:ln>
+          <a:extLst>
+            <a:ext uri="{909E8E84-426E-40DD-AFC4-6F175D3DCCD1}">
+              <a14:hiddenFill xmlns:a14="http://schemas.microsoft.com/office/drawing/2010/main">
+                <a:solidFill>
+                  <a:srgbClr val="FFFFFF"/>
+                </a:solidFill>
+              </a14:hiddenFill>
+            </a:ext>
+            <a:ext uri="{91240B29-F687-4F45-9708-019B960494DF}">
+              <a14:hiddenLine xmlns:a14="http://schemas.microsoft.com/office/drawing/2010/main" w="9525">
+                <a:solidFill>
+                  <a:srgbClr val="000000"/>
+                </a:solidFill>
+                <a:miter lim="800000"/>
+                <a:headEnd/>
+                <a:tailEnd/>
+              </a14:hiddenLine>
+            </a:ext>
+          </a:extLst>
+        </p:spPr>
+      </p:pic>
+      <p:pic>
+        <p:nvPicPr>
+          <p:cNvPr id="6" name="Picture 5"/>
+          <p:cNvPicPr>
+            <a:picLocks noChangeAspect="1"/>
+          </p:cNvPicPr>
+          <p:nvPr/>
+        </p:nvPicPr>
+        <p:blipFill>
+          <a:blip r:embed="rId4">
+            <a:extLst>
+              <a:ext uri="{28A0092B-C50C-407E-A947-70E740481C1C}">
+                <a14:useLocalDpi xmlns:a14="http://schemas.microsoft.com/office/drawing/2010/main" val="0"/>
+              </a:ext>
+            </a:extLst>
+          </a:blip>
+          <a:srcRect/>
+          <a:stretch>
+            <a:fillRect/>
+          </a:stretch>
+        </p:blipFill>
+        <p:spPr bwMode="auto">
+          <a:xfrm>
+            <a:off x="2441575" y="1868488"/>
+            <a:ext cx="1765300" cy="498475"/>
+          </a:xfrm>
+          <a:prstGeom prst="rect">
+            <a:avLst/>
+          </a:prstGeom>
+          <a:noFill/>
+          <a:ln>
+            <a:noFill/>
+          </a:ln>
+          <a:extLst>
+            <a:ext uri="{909E8E84-426E-40DD-AFC4-6F175D3DCCD1}">
+              <a14:hiddenFill xmlns:a14="http://schemas.microsoft.com/office/drawing/2010/main">
+                <a:solidFill>
+                  <a:srgbClr val="FFFFFF"/>
+                </a:solidFill>
+              </a14:hiddenFill>
+            </a:ext>
+            <a:ext uri="{91240B29-F687-4F45-9708-019B960494DF}">
+              <a14:hiddenLine xmlns:a14="http://schemas.microsoft.com/office/drawing/2010/main" w="9525">
+                <a:solidFill>
+                  <a:srgbClr val="000000"/>
+                </a:solidFill>
+                <a:miter lim="800000"/>
+                <a:headEnd/>
+                <a:tailEnd/>
+              </a14:hiddenLine>
+            </a:ext>
+          </a:extLst>
+        </p:spPr>
+      </p:pic>
+      <p:pic>
+        <p:nvPicPr>
+          <p:cNvPr id="7" name="Picture 6"/>
+          <p:cNvPicPr>
+            <a:picLocks noChangeAspect="1"/>
+          </p:cNvPicPr>
+          <p:nvPr/>
+        </p:nvPicPr>
+        <p:blipFill>
+          <a:blip r:embed="rId5" cstate="print">
+            <a:extLst>
+              <a:ext uri="{28A0092B-C50C-407E-A947-70E740481C1C}">
+                <a14:useLocalDpi xmlns:a14="http://schemas.microsoft.com/office/drawing/2010/main" val="0"/>
+              </a:ext>
+            </a:extLst>
+          </a:blip>
+          <a:srcRect/>
+          <a:stretch>
+            <a:fillRect/>
+          </a:stretch>
+        </p:blipFill>
+        <p:spPr bwMode="auto">
+          <a:xfrm>
+            <a:off x="615950" y="2824163"/>
+            <a:ext cx="990600" cy="401637"/>
+          </a:xfrm>
+          <a:prstGeom prst="rect">
+            <a:avLst/>
+          </a:prstGeom>
+          <a:noFill/>
+          <a:ln>
+            <a:noFill/>
+          </a:ln>
+          <a:extLst>
+            <a:ext uri="{909E8E84-426E-40DD-AFC4-6F175D3DCCD1}">
+              <a14:hiddenFill xmlns:a14="http://schemas.microsoft.com/office/drawing/2010/main">
+                <a:solidFill>
+                  <a:srgbClr val="FFFFFF"/>
+                </a:solidFill>
+              </a14:hiddenFill>
+            </a:ext>
+            <a:ext uri="{91240B29-F687-4F45-9708-019B960494DF}">
+              <a14:hiddenLine xmlns:a14="http://schemas.microsoft.com/office/drawing/2010/main" w="9525">
+                <a:solidFill>
+                  <a:srgbClr val="000000"/>
+                </a:solidFill>
+                <a:miter lim="800000"/>
+                <a:headEnd/>
+                <a:tailEnd/>
+              </a14:hiddenLine>
+            </a:ext>
+          </a:extLst>
+        </p:spPr>
+      </p:pic>
+      <p:pic>
+        <p:nvPicPr>
+          <p:cNvPr id="8" name="Picture 7">
+            <a:hlinkClick r:id="rId6"/>
+          </p:cNvPr>
+          <p:cNvPicPr>
+            <a:picLocks noChangeAspect="1"/>
+          </p:cNvPicPr>
+          <p:nvPr/>
+        </p:nvPicPr>
+        <p:blipFill>
+          <a:blip r:embed="rId7">
+            <a:extLst>
+              <a:ext uri="{28A0092B-C50C-407E-A947-70E740481C1C}">
+                <a14:useLocalDpi xmlns:a14="http://schemas.microsoft.com/office/drawing/2010/main" val="0"/>
+              </a:ext>
+            </a:extLst>
+          </a:blip>
+          <a:srcRect/>
+          <a:stretch>
+            <a:fillRect/>
+          </a:stretch>
+        </p:blipFill>
+        <p:spPr bwMode="auto">
+          <a:xfrm>
+            <a:off x="874713" y="3225800"/>
+            <a:ext cx="1606550" cy="698500"/>
+          </a:xfrm>
+          <a:prstGeom prst="rect">
+            <a:avLst/>
+          </a:prstGeom>
+          <a:noFill/>
+          <a:ln>
+            <a:noFill/>
+          </a:ln>
+          <a:extLst>
+            <a:ext uri="{909E8E84-426E-40DD-AFC4-6F175D3DCCD1}">
+              <a14:hiddenFill xmlns:a14="http://schemas.microsoft.com/office/drawing/2010/main">
+                <a:solidFill>
+                  <a:srgbClr val="FFFFFF"/>
+                </a:solidFill>
+              </a14:hiddenFill>
+            </a:ext>
+            <a:ext uri="{91240B29-F687-4F45-9708-019B960494DF}">
+              <a14:hiddenLine xmlns:a14="http://schemas.microsoft.com/office/drawing/2010/main" w="9525">
+                <a:solidFill>
+                  <a:srgbClr val="000000"/>
+                </a:solidFill>
+                <a:miter lim="800000"/>
+                <a:headEnd/>
+                <a:tailEnd/>
+              </a14:hiddenLine>
+            </a:ext>
+          </a:extLst>
+        </p:spPr>
+      </p:pic>
+      <p:pic>
+        <p:nvPicPr>
+          <p:cNvPr id="9" name="Picture 8"/>
+          <p:cNvPicPr>
+            <a:picLocks noChangeAspect="1"/>
+          </p:cNvPicPr>
+          <p:nvPr/>
+        </p:nvPicPr>
+        <p:blipFill>
+          <a:blip r:embed="rId8">
+            <a:clrChange>
+              <a:clrFrom>
+                <a:srgbClr val="FFFFFF"/>
+              </a:clrFrom>
+              <a:clrTo>
+                <a:srgbClr val="FFFFFF">
+                  <a:alpha val="0"/>
+                </a:srgbClr>
+              </a:clrTo>
+            </a:clrChange>
+            <a:extLst>
+              <a:ext uri="{28A0092B-C50C-407E-A947-70E740481C1C}">
+                <a14:useLocalDpi xmlns:a14="http://schemas.microsoft.com/office/drawing/2010/main" val="0"/>
+              </a:ext>
+            </a:extLst>
+          </a:blip>
+          <a:srcRect/>
+          <a:stretch>
+            <a:fillRect/>
+          </a:stretch>
+        </p:blipFill>
+        <p:spPr bwMode="auto">
+          <a:xfrm>
+            <a:off x="650875" y="1898650"/>
+            <a:ext cx="920750" cy="801688"/>
+          </a:xfrm>
+          <a:prstGeom prst="rect">
+            <a:avLst/>
+          </a:prstGeom>
+          <a:noFill/>
+          <a:ln>
+            <a:noFill/>
+          </a:ln>
+          <a:extLst>
+            <a:ext uri="{909E8E84-426E-40DD-AFC4-6F175D3DCCD1}">
+              <a14:hiddenFill xmlns:a14="http://schemas.microsoft.com/office/drawing/2010/main">
+                <a:solidFill>
+                  <a:srgbClr val="FFFFFF"/>
+                </a:solidFill>
+              </a14:hiddenFill>
+            </a:ext>
+            <a:ext uri="{91240B29-F687-4F45-9708-019B960494DF}">
+              <a14:hiddenLine xmlns:a14="http://schemas.microsoft.com/office/drawing/2010/main" w="9525">
+                <a:solidFill>
+                  <a:srgbClr val="000000"/>
+                </a:solidFill>
+                <a:miter lim="800000"/>
+                <a:headEnd/>
+                <a:tailEnd/>
+              </a14:hiddenLine>
+            </a:ext>
+          </a:extLst>
+        </p:spPr>
+      </p:pic>
+      <p:pic>
+        <p:nvPicPr>
+          <p:cNvPr id="10" name="Picture 9"/>
+          <p:cNvPicPr>
+            <a:picLocks noChangeAspect="1"/>
+          </p:cNvPicPr>
+          <p:nvPr/>
+        </p:nvPicPr>
+        <p:blipFill>
+          <a:blip r:embed="rId9">
+            <a:extLst>
+              <a:ext uri="{28A0092B-C50C-407E-A947-70E740481C1C}">
+                <a14:useLocalDpi xmlns:a14="http://schemas.microsoft.com/office/drawing/2010/main" val="0"/>
+              </a:ext>
+            </a:extLst>
+          </a:blip>
+          <a:srcRect/>
+          <a:stretch>
+            <a:fillRect/>
+          </a:stretch>
+        </p:blipFill>
+        <p:spPr bwMode="auto">
+          <a:xfrm>
+            <a:off x="7332663" y="2133600"/>
+            <a:ext cx="1238250" cy="412750"/>
+          </a:xfrm>
+          <a:prstGeom prst="rect">
+            <a:avLst/>
+          </a:prstGeom>
+          <a:noFill/>
+          <a:ln>
+            <a:noFill/>
+          </a:ln>
+          <a:extLst>
+            <a:ext uri="{909E8E84-426E-40DD-AFC4-6F175D3DCCD1}">
+              <a14:hiddenFill xmlns:a14="http://schemas.microsoft.com/office/drawing/2010/main">
+                <a:solidFill>
+                  <a:srgbClr val="FFFFFF"/>
+                </a:solidFill>
+              </a14:hiddenFill>
+            </a:ext>
+            <a:ext uri="{91240B29-F687-4F45-9708-019B960494DF}">
+              <a14:hiddenLine xmlns:a14="http://schemas.microsoft.com/office/drawing/2010/main" w="9525">
+                <a:solidFill>
+                  <a:srgbClr val="000000"/>
+                </a:solidFill>
+                <a:miter lim="800000"/>
+                <a:headEnd/>
+                <a:tailEnd/>
+              </a14:hiddenLine>
+            </a:ext>
+          </a:extLst>
+        </p:spPr>
+      </p:pic>
+      <p:pic>
+        <p:nvPicPr>
+          <p:cNvPr id="11" name="Picture 2"/>
+          <p:cNvPicPr>
+            <a:picLocks noChangeAspect="1" noChangeArrowheads="1"/>
+          </p:cNvPicPr>
+          <p:nvPr/>
+        </p:nvPicPr>
+        <p:blipFill>
+          <a:blip r:embed="rId10">
+            <a:extLst>
+              <a:ext uri="{28A0092B-C50C-407E-A947-70E740481C1C}">
+                <a14:useLocalDpi xmlns:a14="http://schemas.microsoft.com/office/drawing/2010/main" val="0"/>
+              </a:ext>
+            </a:extLst>
+          </a:blip>
+          <a:srcRect/>
+          <a:stretch>
+            <a:fillRect/>
+          </a:stretch>
+        </p:blipFill>
+        <p:spPr bwMode="auto">
+          <a:xfrm>
+            <a:off x="2733675" y="3233738"/>
+            <a:ext cx="2671763" cy="458787"/>
+          </a:xfrm>
+          <a:prstGeom prst="rect">
+            <a:avLst/>
+          </a:prstGeom>
+          <a:noFill/>
+          <a:ln>
+            <a:noFill/>
+          </a:ln>
+          <a:extLst>
+            <a:ext uri="{909E8E84-426E-40DD-AFC4-6F175D3DCCD1}">
+              <a14:hiddenFill xmlns:a14="http://schemas.microsoft.com/office/drawing/2010/main">
+                <a:solidFill>
+                  <a:schemeClr val="accent1"/>
+                </a:solidFill>
+              </a14:hiddenFill>
+            </a:ext>
+            <a:ext uri="{91240B29-F687-4F45-9708-019B960494DF}">
+              <a14:hiddenLine xmlns:a14="http://schemas.microsoft.com/office/drawing/2010/main" w="9525">
+                <a:solidFill>
+                  <a:schemeClr val="tx1"/>
+                </a:solidFill>
+                <a:miter lim="800000"/>
+                <a:headEnd/>
+                <a:tailEnd/>
+              </a14:hiddenLine>
+            </a:ext>
+          </a:extLst>
+        </p:spPr>
+      </p:pic>
+      <p:pic>
+        <p:nvPicPr>
+          <p:cNvPr id="12" name="Picture 11"/>
+          <p:cNvPicPr>
+            <a:picLocks noChangeAspect="1"/>
+          </p:cNvPicPr>
+          <p:nvPr/>
+        </p:nvPicPr>
+        <p:blipFill>
+          <a:blip r:embed="rId11">
+            <a:extLst>
+              <a:ext uri="{28A0092B-C50C-407E-A947-70E740481C1C}">
+                <a14:useLocalDpi xmlns:a14="http://schemas.microsoft.com/office/drawing/2010/main" val="0"/>
+              </a:ext>
+            </a:extLst>
+          </a:blip>
+          <a:srcRect/>
+          <a:stretch>
+            <a:fillRect/>
+          </a:stretch>
+        </p:blipFill>
+        <p:spPr bwMode="auto">
+          <a:xfrm>
+            <a:off x="6303963" y="1255713"/>
+            <a:ext cx="733425" cy="738187"/>
+          </a:xfrm>
+          <a:prstGeom prst="rect">
+            <a:avLst/>
+          </a:prstGeom>
+          <a:noFill/>
+          <a:ln>
+            <a:noFill/>
+          </a:ln>
+          <a:extLst>
+            <a:ext uri="{909E8E84-426E-40DD-AFC4-6F175D3DCCD1}">
+              <a14:hiddenFill xmlns:a14="http://schemas.microsoft.com/office/drawing/2010/main">
+                <a:solidFill>
+                  <a:srgbClr val="FFFFFF"/>
+                </a:solidFill>
+              </a14:hiddenFill>
+            </a:ext>
+            <a:ext uri="{91240B29-F687-4F45-9708-019B960494DF}">
+              <a14:hiddenLine xmlns:a14="http://schemas.microsoft.com/office/drawing/2010/main" w="9525">
+                <a:solidFill>
+                  <a:srgbClr val="000000"/>
+                </a:solidFill>
+                <a:miter lim="800000"/>
+                <a:headEnd/>
+                <a:tailEnd/>
+              </a14:hiddenLine>
+            </a:ext>
+          </a:extLst>
+        </p:spPr>
+      </p:pic>
+      <p:pic>
+        <p:nvPicPr>
+          <p:cNvPr id="13" name="Picture 12"/>
+          <p:cNvPicPr>
+            <a:picLocks noChangeAspect="1"/>
+          </p:cNvPicPr>
+          <p:nvPr/>
+        </p:nvPicPr>
+        <p:blipFill>
+          <a:blip r:embed="rId12">
+            <a:extLst>
+              <a:ext uri="{28A0092B-C50C-407E-A947-70E740481C1C}">
+                <a14:useLocalDpi xmlns:a14="http://schemas.microsoft.com/office/drawing/2010/main" val="0"/>
+              </a:ext>
+            </a:extLst>
+          </a:blip>
+          <a:srcRect/>
+          <a:stretch>
+            <a:fillRect/>
+          </a:stretch>
+        </p:blipFill>
+        <p:spPr bwMode="auto">
+          <a:xfrm>
+            <a:off x="3216275" y="1012825"/>
+            <a:ext cx="2511425" cy="684213"/>
+          </a:xfrm>
+          <a:prstGeom prst="rect">
+            <a:avLst/>
+          </a:prstGeom>
+          <a:noFill/>
+          <a:ln>
+            <a:noFill/>
+          </a:ln>
+          <a:extLst>
+            <a:ext uri="{909E8E84-426E-40DD-AFC4-6F175D3DCCD1}">
+              <a14:hiddenFill xmlns:a14="http://schemas.microsoft.com/office/drawing/2010/main">
+                <a:solidFill>
+                  <a:srgbClr val="FFFFFF"/>
+                </a:solidFill>
+              </a14:hiddenFill>
+            </a:ext>
+            <a:ext uri="{91240B29-F687-4F45-9708-019B960494DF}">
+              <a14:hiddenLine xmlns:a14="http://schemas.microsoft.com/office/drawing/2010/main" w="9525">
+                <a:solidFill>
+                  <a:srgbClr val="000000"/>
+                </a:solidFill>
+                <a:miter lim="800000"/>
+                <a:headEnd/>
+                <a:tailEnd/>
+              </a14:hiddenLine>
+            </a:ext>
+          </a:extLst>
+        </p:spPr>
+      </p:pic>
+      <p:pic>
+        <p:nvPicPr>
+          <p:cNvPr id="14" name="Picture 13"/>
+          <p:cNvPicPr>
+            <a:picLocks noChangeAspect="1"/>
+          </p:cNvPicPr>
+          <p:nvPr/>
+        </p:nvPicPr>
+        <p:blipFill>
+          <a:blip r:embed="rId13">
+            <a:extLst>
+              <a:ext uri="{28A0092B-C50C-407E-A947-70E740481C1C}">
+                <a14:useLocalDpi xmlns:a14="http://schemas.microsoft.com/office/drawing/2010/main" val="0"/>
+              </a:ext>
+            </a:extLst>
+          </a:blip>
+          <a:srcRect/>
+          <a:stretch>
+            <a:fillRect/>
+          </a:stretch>
+        </p:blipFill>
+        <p:spPr bwMode="auto">
+          <a:xfrm>
+            <a:off x="5657850" y="3284538"/>
+            <a:ext cx="1692275" cy="407987"/>
+          </a:xfrm>
+          <a:prstGeom prst="rect">
+            <a:avLst/>
+          </a:prstGeom>
+          <a:noFill/>
+          <a:ln>
+            <a:noFill/>
+          </a:ln>
+          <a:extLst>
+            <a:ext uri="{909E8E84-426E-40DD-AFC4-6F175D3DCCD1}">
+              <a14:hiddenFill xmlns:a14="http://schemas.microsoft.com/office/drawing/2010/main">
+                <a:solidFill>
+                  <a:srgbClr val="FFFFFF"/>
+                </a:solidFill>
+              </a14:hiddenFill>
+            </a:ext>
+            <a:ext uri="{91240B29-F687-4F45-9708-019B960494DF}">
+              <a14:hiddenLine xmlns:a14="http://schemas.microsoft.com/office/drawing/2010/main" w="9525">
+                <a:solidFill>
+                  <a:srgbClr val="000000"/>
+                </a:solidFill>
+                <a:miter lim="800000"/>
+                <a:headEnd/>
+                <a:tailEnd/>
+              </a14:hiddenLine>
+            </a:ext>
+          </a:extLst>
+        </p:spPr>
+      </p:pic>
+      <p:pic>
+        <p:nvPicPr>
+          <p:cNvPr id="15" name="Picture 14"/>
+          <p:cNvPicPr>
+            <a:picLocks noChangeAspect="1"/>
+          </p:cNvPicPr>
+          <p:nvPr/>
+        </p:nvPicPr>
+        <p:blipFill>
+          <a:blip r:embed="rId14">
+            <a:clrChange>
+              <a:clrFrom>
+                <a:srgbClr val="FFFFFF"/>
+              </a:clrFrom>
+              <a:clrTo>
+                <a:srgbClr val="FFFFFF">
+                  <a:alpha val="0"/>
+                </a:srgbClr>
+              </a:clrTo>
+            </a:clrChange>
+            <a:extLst>
+              <a:ext uri="{28A0092B-C50C-407E-A947-70E740481C1C}">
+                <a14:useLocalDpi xmlns:a14="http://schemas.microsoft.com/office/drawing/2010/main" val="0"/>
+              </a:ext>
+            </a:extLst>
+          </a:blip>
+          <a:srcRect/>
+          <a:stretch>
+            <a:fillRect/>
+          </a:stretch>
+        </p:blipFill>
+        <p:spPr bwMode="auto">
+          <a:xfrm>
+            <a:off x="5721350" y="3830638"/>
+            <a:ext cx="1870075" cy="460375"/>
+          </a:xfrm>
+          <a:prstGeom prst="rect">
+            <a:avLst/>
+          </a:prstGeom>
+          <a:noFill/>
+          <a:ln>
+            <a:noFill/>
+          </a:ln>
+          <a:extLst>
+            <a:ext uri="{909E8E84-426E-40DD-AFC4-6F175D3DCCD1}">
+              <a14:hiddenFill xmlns:a14="http://schemas.microsoft.com/office/drawing/2010/main">
+                <a:solidFill>
+                  <a:srgbClr val="FFFFFF"/>
+                </a:solidFill>
+              </a14:hiddenFill>
+            </a:ext>
+            <a:ext uri="{91240B29-F687-4F45-9708-019B960494DF}">
+              <a14:hiddenLine xmlns:a14="http://schemas.microsoft.com/office/drawing/2010/main" w="9525">
+                <a:solidFill>
+                  <a:srgbClr val="000000"/>
+                </a:solidFill>
+                <a:miter lim="800000"/>
+                <a:headEnd/>
+                <a:tailEnd/>
+              </a14:hiddenLine>
+            </a:ext>
+          </a:extLst>
+        </p:spPr>
+      </p:pic>
+      <p:pic>
+        <p:nvPicPr>
+          <p:cNvPr id="16" name="Picture 4" descr="bitly"/>
+          <p:cNvPicPr>
+            <a:picLocks noChangeAspect="1" noChangeArrowheads="1"/>
+          </p:cNvPicPr>
+          <p:nvPr/>
+        </p:nvPicPr>
+        <p:blipFill>
+          <a:blip r:embed="rId15">
+            <a:extLst>
+              <a:ext uri="{28A0092B-C50C-407E-A947-70E740481C1C}">
+                <a14:useLocalDpi xmlns:a14="http://schemas.microsoft.com/office/drawing/2010/main" val="0"/>
+              </a:ext>
+            </a:extLst>
+          </a:blip>
+          <a:srcRect/>
+          <a:stretch>
+            <a:fillRect/>
+          </a:stretch>
+        </p:blipFill>
+        <p:spPr bwMode="auto">
+          <a:xfrm>
+            <a:off x="4700588" y="2279650"/>
+            <a:ext cx="819150" cy="371475"/>
+          </a:xfrm>
+          <a:prstGeom prst="rect">
+            <a:avLst/>
+          </a:prstGeom>
+          <a:noFill/>
+          <a:ln>
+            <a:noFill/>
+          </a:ln>
+          <a:extLst>
+            <a:ext uri="{909E8E84-426E-40DD-AFC4-6F175D3DCCD1}">
+              <a14:hiddenFill xmlns:a14="http://schemas.microsoft.com/office/drawing/2010/main">
+                <a:solidFill>
+                  <a:srgbClr val="FFFFFF"/>
+                </a:solidFill>
+              </a14:hiddenFill>
+            </a:ext>
+            <a:ext uri="{91240B29-F687-4F45-9708-019B960494DF}">
+              <a14:hiddenLine xmlns:a14="http://schemas.microsoft.com/office/drawing/2010/main" w="9525">
+                <a:solidFill>
+                  <a:srgbClr val="000000"/>
+                </a:solidFill>
+                <a:miter lim="800000"/>
+                <a:headEnd/>
+                <a:tailEnd/>
+              </a14:hiddenLine>
+            </a:ext>
+          </a:extLst>
+        </p:spPr>
+      </p:pic>
+      <p:pic>
+        <p:nvPicPr>
+          <p:cNvPr id="17" name="Picture 16">
+            <a:hlinkClick r:id="rId16"/>
+          </p:cNvPr>
+          <p:cNvPicPr>
+            <a:picLocks noChangeAspect="1"/>
+          </p:cNvPicPr>
+          <p:nvPr/>
+        </p:nvPicPr>
+        <p:blipFill>
+          <a:blip r:embed="rId17">
+            <a:extLst>
+              <a:ext uri="{28A0092B-C50C-407E-A947-70E740481C1C}">
+                <a14:useLocalDpi xmlns:a14="http://schemas.microsoft.com/office/drawing/2010/main" val="0"/>
+              </a:ext>
+            </a:extLst>
+          </a:blip>
+          <a:srcRect/>
+          <a:stretch>
+            <a:fillRect/>
+          </a:stretch>
+        </p:blipFill>
+        <p:spPr bwMode="auto">
+          <a:xfrm>
+            <a:off x="1860550" y="2465388"/>
+            <a:ext cx="1754188" cy="633412"/>
+          </a:xfrm>
+          <a:prstGeom prst="rect">
+            <a:avLst/>
+          </a:prstGeom>
+          <a:noFill/>
+          <a:ln>
+            <a:noFill/>
+          </a:ln>
+          <a:extLst>
+            <a:ext uri="{909E8E84-426E-40DD-AFC4-6F175D3DCCD1}">
+              <a14:hiddenFill xmlns:a14="http://schemas.microsoft.com/office/drawing/2010/main">
+                <a:solidFill>
+                  <a:srgbClr val="FFFFFF"/>
+                </a:solidFill>
+              </a14:hiddenFill>
+            </a:ext>
+            <a:ext uri="{91240B29-F687-4F45-9708-019B960494DF}">
+              <a14:hiddenLine xmlns:a14="http://schemas.microsoft.com/office/drawing/2010/main" w="9525">
+                <a:solidFill>
+                  <a:srgbClr val="000000"/>
+                </a:solidFill>
+                <a:miter lim="800000"/>
+                <a:headEnd/>
+                <a:tailEnd/>
+              </a14:hiddenLine>
+            </a:ext>
+          </a:extLst>
+        </p:spPr>
+      </p:pic>
+      <p:pic>
+        <p:nvPicPr>
+          <p:cNvPr id="18" name="Picture 17">
+            <a:hlinkClick r:id="rId18"/>
+          </p:cNvPr>
+          <p:cNvPicPr>
+            <a:picLocks noChangeAspect="1"/>
+          </p:cNvPicPr>
+          <p:nvPr/>
+        </p:nvPicPr>
+        <p:blipFill>
+          <a:blip r:embed="rId19" cstate="print">
+            <a:extLst>
+              <a:ext uri="{28A0092B-C50C-407E-A947-70E740481C1C}">
+                <a14:useLocalDpi xmlns:a14="http://schemas.microsoft.com/office/drawing/2010/main" val="0"/>
+              </a:ext>
+            </a:extLst>
+          </a:blip>
+          <a:srcRect/>
+          <a:stretch>
+            <a:fillRect/>
+          </a:stretch>
+        </p:blipFill>
+        <p:spPr bwMode="auto">
+          <a:xfrm>
+            <a:off x="3740150" y="3821113"/>
+            <a:ext cx="1647825" cy="414337"/>
+          </a:xfrm>
+          <a:prstGeom prst="rect">
+            <a:avLst/>
+          </a:prstGeom>
+          <a:noFill/>
+          <a:ln>
+            <a:noFill/>
+          </a:ln>
+          <a:extLst>
+            <a:ext uri="{909E8E84-426E-40DD-AFC4-6F175D3DCCD1}">
+              <a14:hiddenFill xmlns:a14="http://schemas.microsoft.com/office/drawing/2010/main">
+                <a:solidFill>
+                  <a:srgbClr val="FFFFFF"/>
+                </a:solidFill>
+              </a14:hiddenFill>
+            </a:ext>
+            <a:ext uri="{91240B29-F687-4F45-9708-019B960494DF}">
+              <a14:hiddenLine xmlns:a14="http://schemas.microsoft.com/office/drawing/2010/main" w="9525">
+                <a:solidFill>
+                  <a:srgbClr val="000000"/>
+                </a:solidFill>
+                <a:miter lim="800000"/>
+                <a:headEnd/>
+                <a:tailEnd/>
+              </a14:hiddenLine>
+            </a:ext>
+          </a:extLst>
+        </p:spPr>
+      </p:pic>
+      <p:pic>
+        <p:nvPicPr>
+          <p:cNvPr id="19" name="Picture 18"/>
+          <p:cNvPicPr>
+            <a:picLocks noChangeAspect="1"/>
+          </p:cNvPicPr>
+          <p:nvPr/>
+        </p:nvPicPr>
+        <p:blipFill>
+          <a:blip r:embed="rId20" cstate="print">
+            <a:extLst>
+              <a:ext uri="{28A0092B-C50C-407E-A947-70E740481C1C}">
+                <a14:useLocalDpi xmlns:a14="http://schemas.microsoft.com/office/drawing/2010/main" val="0"/>
+              </a:ext>
+            </a:extLst>
+          </a:blip>
+          <a:srcRect/>
+          <a:stretch>
+            <a:fillRect/>
+          </a:stretch>
+        </p:blipFill>
+        <p:spPr bwMode="auto">
+          <a:xfrm>
+            <a:off x="7591425" y="1470025"/>
+            <a:ext cx="1185863" cy="485775"/>
+          </a:xfrm>
+          <a:prstGeom prst="rect">
+            <a:avLst/>
+          </a:prstGeom>
+          <a:noFill/>
+          <a:ln>
+            <a:noFill/>
+          </a:ln>
+          <a:extLst>
+            <a:ext uri="{909E8E84-426E-40DD-AFC4-6F175D3DCCD1}">
+              <a14:hiddenFill xmlns:a14="http://schemas.microsoft.com/office/drawing/2010/main">
+                <a:solidFill>
+                  <a:srgbClr val="FFFFFF"/>
+                </a:solidFill>
+              </a14:hiddenFill>
+            </a:ext>
+            <a:ext uri="{91240B29-F687-4F45-9708-019B960494DF}">
+              <a14:hiddenLine xmlns:a14="http://schemas.microsoft.com/office/drawing/2010/main" w="9525">
+                <a:solidFill>
+                  <a:srgbClr val="000000"/>
+                </a:solidFill>
+                <a:miter lim="800000"/>
+                <a:headEnd/>
+                <a:tailEnd/>
+              </a14:hiddenLine>
+            </a:ext>
+          </a:extLst>
+        </p:spPr>
+      </p:pic>
+      <p:pic>
+        <p:nvPicPr>
+          <p:cNvPr id="20" name="Picture 19"/>
+          <p:cNvPicPr>
+            <a:picLocks noChangeAspect="1"/>
+          </p:cNvPicPr>
+          <p:nvPr/>
+        </p:nvPicPr>
+        <p:blipFill>
+          <a:blip r:embed="rId21">
+            <a:extLst>
+              <a:ext uri="{28A0092B-C50C-407E-A947-70E740481C1C}">
+                <a14:useLocalDpi xmlns:a14="http://schemas.microsoft.com/office/drawing/2010/main" val="0"/>
+              </a:ext>
+            </a:extLst>
+          </a:blip>
+          <a:srcRect/>
+          <a:stretch>
+            <a:fillRect/>
+          </a:stretch>
+        </p:blipFill>
+        <p:spPr bwMode="auto">
+          <a:xfrm>
+            <a:off x="1935163" y="3903663"/>
+            <a:ext cx="1595437" cy="360362"/>
+          </a:xfrm>
+          <a:prstGeom prst="rect">
+            <a:avLst/>
+          </a:prstGeom>
+          <a:noFill/>
+          <a:ln>
+            <a:noFill/>
+          </a:ln>
+          <a:extLst>
+            <a:ext uri="{909E8E84-426E-40DD-AFC4-6F175D3DCCD1}">
+              <a14:hiddenFill xmlns:a14="http://schemas.microsoft.com/office/drawing/2010/main">
+                <a:solidFill>
+                  <a:srgbClr val="FFFFFF"/>
+                </a:solidFill>
+              </a14:hiddenFill>
+            </a:ext>
+            <a:ext uri="{91240B29-F687-4F45-9708-019B960494DF}">
+              <a14:hiddenLine xmlns:a14="http://schemas.microsoft.com/office/drawing/2010/main" w="9525">
+                <a:solidFill>
+                  <a:srgbClr val="000000"/>
+                </a:solidFill>
+                <a:miter lim="800000"/>
+                <a:headEnd/>
+                <a:tailEnd/>
+              </a14:hiddenLine>
+            </a:ext>
+          </a:extLst>
+        </p:spPr>
+      </p:pic>
+      <p:pic>
+        <p:nvPicPr>
+          <p:cNvPr id="21" name="Picture 20"/>
+          <p:cNvPicPr>
+            <a:picLocks noChangeAspect="1"/>
+          </p:cNvPicPr>
+          <p:nvPr/>
+        </p:nvPicPr>
+        <p:blipFill>
+          <a:blip r:embed="rId22">
+            <a:extLst>
+              <a:ext uri="{28A0092B-C50C-407E-A947-70E740481C1C}">
+                <a14:useLocalDpi xmlns:a14="http://schemas.microsoft.com/office/drawing/2010/main" val="0"/>
+              </a:ext>
+            </a:extLst>
+          </a:blip>
+          <a:srcRect/>
+          <a:stretch>
+            <a:fillRect/>
+          </a:stretch>
+        </p:blipFill>
+        <p:spPr bwMode="auto">
+          <a:xfrm>
+            <a:off x="4633913" y="1643063"/>
+            <a:ext cx="1093787" cy="433387"/>
+          </a:xfrm>
+          <a:prstGeom prst="rect">
+            <a:avLst/>
+          </a:prstGeom>
+          <a:noFill/>
+          <a:ln>
+            <a:noFill/>
+          </a:ln>
+          <a:extLst>
+            <a:ext uri="{909E8E84-426E-40DD-AFC4-6F175D3DCCD1}">
+              <a14:hiddenFill xmlns:a14="http://schemas.microsoft.com/office/drawing/2010/main">
+                <a:solidFill>
+                  <a:srgbClr val="FFFFFF"/>
+                </a:solidFill>
+              </a14:hiddenFill>
+            </a:ext>
+            <a:ext uri="{91240B29-F687-4F45-9708-019B960494DF}">
+              <a14:hiddenLine xmlns:a14="http://schemas.microsoft.com/office/drawing/2010/main" w="9525">
+                <a:solidFill>
+                  <a:srgbClr val="000000"/>
+                </a:solidFill>
+                <a:miter lim="800000"/>
+                <a:headEnd/>
+                <a:tailEnd/>
+              </a14:hiddenLine>
+            </a:ext>
+          </a:extLst>
+        </p:spPr>
+      </p:pic>
+      <p:pic>
+        <p:nvPicPr>
+          <p:cNvPr id="22" name="Picture 21">
+            <a:hlinkClick r:id="rId23"/>
+          </p:cNvPr>
+          <p:cNvPicPr>
+            <a:picLocks noChangeAspect="1"/>
+          </p:cNvPicPr>
+          <p:nvPr/>
+        </p:nvPicPr>
+        <p:blipFill>
+          <a:blip r:embed="rId24">
+            <a:extLst>
+              <a:ext uri="{28A0092B-C50C-407E-A947-70E740481C1C}">
+                <a14:useLocalDpi xmlns:a14="http://schemas.microsoft.com/office/drawing/2010/main" val="0"/>
+              </a:ext>
+            </a:extLst>
+          </a:blip>
+          <a:srcRect/>
+          <a:stretch>
+            <a:fillRect/>
+          </a:stretch>
+        </p:blipFill>
+        <p:spPr bwMode="auto">
+          <a:xfrm>
+            <a:off x="7132638" y="838200"/>
+            <a:ext cx="1663700" cy="557213"/>
+          </a:xfrm>
+          <a:prstGeom prst="rect">
+            <a:avLst/>
+          </a:prstGeom>
+          <a:noFill/>
+          <a:ln>
+            <a:noFill/>
+          </a:ln>
+          <a:extLst>
+            <a:ext uri="{909E8E84-426E-40DD-AFC4-6F175D3DCCD1}">
+              <a14:hiddenFill xmlns:a14="http://schemas.microsoft.com/office/drawing/2010/main">
+                <a:solidFill>
+                  <a:srgbClr val="FFFFFF"/>
+                </a:solidFill>
+              </a14:hiddenFill>
+            </a:ext>
+            <a:ext uri="{91240B29-F687-4F45-9708-019B960494DF}">
+              <a14:hiddenLine xmlns:a14="http://schemas.microsoft.com/office/drawing/2010/main" w="9525">
+                <a:solidFill>
+                  <a:srgbClr val="000000"/>
+                </a:solidFill>
+                <a:miter lim="800000"/>
+                <a:headEnd/>
+                <a:tailEnd/>
+              </a14:hiddenLine>
+            </a:ext>
+          </a:extLst>
+        </p:spPr>
+      </p:pic>
+      <p:pic>
+        <p:nvPicPr>
+          <p:cNvPr id="23" name="Picture 22"/>
+          <p:cNvPicPr>
+            <a:picLocks noChangeAspect="1"/>
+          </p:cNvPicPr>
+          <p:nvPr/>
+        </p:nvPicPr>
+        <p:blipFill>
+          <a:blip r:embed="rId25" cstate="print">
+            <a:extLst>
+              <a:ext uri="{28A0092B-C50C-407E-A947-70E740481C1C}">
+                <a14:useLocalDpi xmlns:a14="http://schemas.microsoft.com/office/drawing/2010/main" val="0"/>
+              </a:ext>
+            </a:extLst>
+          </a:blip>
+          <a:srcRect/>
+          <a:stretch>
+            <a:fillRect/>
+          </a:stretch>
+        </p:blipFill>
+        <p:spPr bwMode="auto">
+          <a:xfrm>
+            <a:off x="7864475" y="3698875"/>
+            <a:ext cx="1135063" cy="434975"/>
+          </a:xfrm>
+          <a:prstGeom prst="rect">
+            <a:avLst/>
+          </a:prstGeom>
+          <a:noFill/>
+          <a:ln>
+            <a:noFill/>
+          </a:ln>
+          <a:extLst>
+            <a:ext uri="{909E8E84-426E-40DD-AFC4-6F175D3DCCD1}">
+              <a14:hiddenFill xmlns:a14="http://schemas.microsoft.com/office/drawing/2010/main">
+                <a:solidFill>
+                  <a:srgbClr val="FFFFFF"/>
+                </a:solidFill>
+              </a14:hiddenFill>
+            </a:ext>
+            <a:ext uri="{91240B29-F687-4F45-9708-019B960494DF}">
+              <a14:hiddenLine xmlns:a14="http://schemas.microsoft.com/office/drawing/2010/main" w="9525">
+                <a:solidFill>
+                  <a:srgbClr val="000000"/>
+                </a:solidFill>
+                <a:miter lim="800000"/>
+                <a:headEnd/>
+                <a:tailEnd/>
+              </a14:hiddenLine>
+            </a:ext>
+          </a:extLst>
+        </p:spPr>
+      </p:pic>
+      <p:pic>
+        <p:nvPicPr>
+          <p:cNvPr id="24" name="Picture 25"/>
+          <p:cNvPicPr>
+            <a:picLocks noChangeAspect="1"/>
+          </p:cNvPicPr>
+          <p:nvPr/>
+        </p:nvPicPr>
+        <p:blipFill>
+          <a:blip r:embed="rId26">
+            <a:extLst>
+              <a:ext uri="{28A0092B-C50C-407E-A947-70E740481C1C}">
+                <a14:useLocalDpi xmlns:a14="http://schemas.microsoft.com/office/drawing/2010/main" val="0"/>
+              </a:ext>
+            </a:extLst>
+          </a:blip>
+          <a:srcRect/>
+          <a:stretch>
+            <a:fillRect/>
+          </a:stretch>
+        </p:blipFill>
+        <p:spPr bwMode="auto">
+          <a:xfrm>
+            <a:off x="3989388" y="2700338"/>
+            <a:ext cx="2068512" cy="476250"/>
+          </a:xfrm>
+          <a:prstGeom prst="rect">
+            <a:avLst/>
+          </a:prstGeom>
+          <a:noFill/>
+          <a:ln>
+            <a:noFill/>
+          </a:ln>
+          <a:extLst>
+            <a:ext uri="{909E8E84-426E-40DD-AFC4-6F175D3DCCD1}">
+              <a14:hiddenFill xmlns:a14="http://schemas.microsoft.com/office/drawing/2010/main">
+                <a:solidFill>
+                  <a:srgbClr val="FFFFFF"/>
+                </a:solidFill>
+              </a14:hiddenFill>
+            </a:ext>
+            <a:ext uri="{91240B29-F687-4F45-9708-019B960494DF}">
+              <a14:hiddenLine xmlns:a14="http://schemas.microsoft.com/office/drawing/2010/main" w="9525">
+                <a:solidFill>
+                  <a:srgbClr val="000000"/>
+                </a:solidFill>
+                <a:miter lim="800000"/>
+                <a:headEnd/>
+                <a:tailEnd/>
+              </a14:hiddenLine>
+            </a:ext>
+          </a:extLst>
+        </p:spPr>
+      </p:pic>
+      <p:pic>
+        <p:nvPicPr>
+          <p:cNvPr id="25" name="Picture 26">
+            <a:hlinkClick r:id="rId27"/>
+          </p:cNvPr>
+          <p:cNvPicPr>
+            <a:picLocks noChangeAspect="1"/>
+          </p:cNvPicPr>
+          <p:nvPr/>
+        </p:nvPicPr>
+        <p:blipFill>
+          <a:blip r:embed="rId28">
+            <a:extLst>
+              <a:ext uri="{28A0092B-C50C-407E-A947-70E740481C1C}">
+                <a14:useLocalDpi xmlns:a14="http://schemas.microsoft.com/office/drawing/2010/main" val="0"/>
+              </a:ext>
+            </a:extLst>
+          </a:blip>
+          <a:srcRect/>
+          <a:stretch>
+            <a:fillRect/>
+          </a:stretch>
+        </p:blipFill>
+        <p:spPr bwMode="auto">
+          <a:xfrm>
+            <a:off x="6108700" y="2687638"/>
+            <a:ext cx="1766888" cy="466725"/>
+          </a:xfrm>
+          <a:prstGeom prst="rect">
+            <a:avLst/>
+          </a:prstGeom>
+          <a:noFill/>
+          <a:ln>
+            <a:noFill/>
+          </a:ln>
+          <a:extLst>
+            <a:ext uri="{909E8E84-426E-40DD-AFC4-6F175D3DCCD1}">
+              <a14:hiddenFill xmlns:a14="http://schemas.microsoft.com/office/drawing/2010/main">
+                <a:solidFill>
+                  <a:srgbClr val="FFFFFF"/>
+                </a:solidFill>
+              </a14:hiddenFill>
+            </a:ext>
+            <a:ext uri="{91240B29-F687-4F45-9708-019B960494DF}">
+              <a14:hiddenLine xmlns:a14="http://schemas.microsoft.com/office/drawing/2010/main" w="9525">
+                <a:solidFill>
+                  <a:srgbClr val="000000"/>
+                </a:solidFill>
+                <a:miter lim="800000"/>
+                <a:headEnd/>
+                <a:tailEnd/>
+              </a14:hiddenLine>
+            </a:ext>
+          </a:extLst>
+        </p:spPr>
+      </p:pic>
+      <p:pic>
+        <p:nvPicPr>
+          <p:cNvPr id="26" name="Picture 27">
+            <a:hlinkClick r:id="rId29"/>
+          </p:cNvPr>
+          <p:cNvPicPr>
+            <a:picLocks noChangeAspect="1"/>
+          </p:cNvPicPr>
+          <p:nvPr/>
+        </p:nvPicPr>
+        <p:blipFill>
+          <a:blip r:embed="rId30">
+            <a:extLst>
+              <a:ext uri="{28A0092B-C50C-407E-A947-70E740481C1C}">
+                <a14:useLocalDpi xmlns:a14="http://schemas.microsoft.com/office/drawing/2010/main" val="0"/>
+              </a:ext>
+            </a:extLst>
+          </a:blip>
+          <a:srcRect/>
+          <a:stretch>
+            <a:fillRect/>
+          </a:stretch>
+        </p:blipFill>
+        <p:spPr bwMode="auto">
+          <a:xfrm>
+            <a:off x="449263" y="898525"/>
+            <a:ext cx="1647825" cy="549275"/>
+          </a:xfrm>
+          <a:prstGeom prst="rect">
+            <a:avLst/>
+          </a:prstGeom>
+          <a:noFill/>
+          <a:ln>
+            <a:noFill/>
+          </a:ln>
+          <a:extLst>
+            <a:ext uri="{909E8E84-426E-40DD-AFC4-6F175D3DCCD1}">
+              <a14:hiddenFill xmlns:a14="http://schemas.microsoft.com/office/drawing/2010/main">
+                <a:solidFill>
+                  <a:srgbClr val="FFFFFF"/>
+                </a:solidFill>
+              </a14:hiddenFill>
+            </a:ext>
+            <a:ext uri="{91240B29-F687-4F45-9708-019B960494DF}">
+              <a14:hiddenLine xmlns:a14="http://schemas.microsoft.com/office/drawing/2010/main" w="9525">
+                <a:solidFill>
+                  <a:srgbClr val="000000"/>
+                </a:solidFill>
+                <a:miter lim="800000"/>
+                <a:headEnd/>
+                <a:tailEnd/>
+              </a14:hiddenLine>
+            </a:ext>
+          </a:extLst>
+        </p:spPr>
+      </p:pic>
+      <p:pic>
+        <p:nvPicPr>
+          <p:cNvPr id="27" name="Picture 28">
+            <a:hlinkClick r:id="rId31"/>
+          </p:cNvPr>
+          <p:cNvPicPr>
+            <a:picLocks noChangeAspect="1"/>
+          </p:cNvPicPr>
+          <p:nvPr/>
+        </p:nvPicPr>
+        <p:blipFill>
+          <a:blip r:embed="rId32">
+            <a:extLst>
+              <a:ext uri="{28A0092B-C50C-407E-A947-70E740481C1C}">
+                <a14:useLocalDpi xmlns:a14="http://schemas.microsoft.com/office/drawing/2010/main" val="0"/>
+              </a:ext>
+            </a:extLst>
+          </a:blip>
+          <a:srcRect/>
+          <a:stretch>
+            <a:fillRect/>
+          </a:stretch>
+        </p:blipFill>
+        <p:spPr bwMode="auto">
+          <a:xfrm>
+            <a:off x="284163" y="3833813"/>
+            <a:ext cx="1477962" cy="436562"/>
+          </a:xfrm>
+          <a:prstGeom prst="rect">
+            <a:avLst/>
+          </a:prstGeom>
+          <a:noFill/>
+          <a:ln>
+            <a:noFill/>
+          </a:ln>
+          <a:extLst>
+            <a:ext uri="{909E8E84-426E-40DD-AFC4-6F175D3DCCD1}">
+              <a14:hiddenFill xmlns:a14="http://schemas.microsoft.com/office/drawing/2010/main">
+                <a:solidFill>
+                  <a:srgbClr val="FFFFFF"/>
+                </a:solidFill>
+              </a14:hiddenFill>
+            </a:ext>
+            <a:ext uri="{91240B29-F687-4F45-9708-019B960494DF}">
+              <a14:hiddenLine xmlns:a14="http://schemas.microsoft.com/office/drawing/2010/main" w="9525">
+                <a:solidFill>
+                  <a:srgbClr val="000000"/>
+                </a:solidFill>
+                <a:miter lim="800000"/>
+                <a:headEnd/>
+                <a:tailEnd/>
+              </a14:hiddenLine>
+            </a:ext>
+          </a:extLst>
+        </p:spPr>
+      </p:pic>
+      <p:pic>
+        <p:nvPicPr>
+          <p:cNvPr id="28" name="Picture 29">
+            <a:hlinkClick r:id="rId33"/>
+          </p:cNvPr>
+          <p:cNvPicPr>
+            <a:picLocks noChangeAspect="1"/>
+          </p:cNvPicPr>
+          <p:nvPr/>
+        </p:nvPicPr>
+        <p:blipFill>
+          <a:blip r:embed="rId34">
+            <a:clrChange>
+              <a:clrFrom>
+                <a:srgbClr val="FFFFFF"/>
+              </a:clrFrom>
+              <a:clrTo>
+                <a:srgbClr val="FFFFFF">
+                  <a:alpha val="0"/>
+                </a:srgbClr>
+              </a:clrTo>
+            </a:clrChange>
+            <a:extLst>
+              <a:ext uri="{28A0092B-C50C-407E-A947-70E740481C1C}">
+                <a14:useLocalDpi xmlns:a14="http://schemas.microsoft.com/office/drawing/2010/main" val="0"/>
+              </a:ext>
+            </a:extLst>
+          </a:blip>
+          <a:srcRect/>
+          <a:stretch>
+            <a:fillRect/>
+          </a:stretch>
+        </p:blipFill>
+        <p:spPr bwMode="auto">
+          <a:xfrm>
+            <a:off x="5797550" y="2133600"/>
+            <a:ext cx="1233488" cy="371475"/>
+          </a:xfrm>
+          <a:prstGeom prst="rect">
+            <a:avLst/>
+          </a:prstGeom>
+          <a:noFill/>
+          <a:ln>
+            <a:noFill/>
+          </a:ln>
+          <a:extLst>
+            <a:ext uri="{909E8E84-426E-40DD-AFC4-6F175D3DCCD1}">
+              <a14:hiddenFill xmlns:a14="http://schemas.microsoft.com/office/drawing/2010/main">
+                <a:solidFill>
+                  <a:srgbClr val="FFFFFF"/>
+                </a:solidFill>
+              </a14:hiddenFill>
+            </a:ext>
+            <a:ext uri="{91240B29-F687-4F45-9708-019B960494DF}">
+              <a14:hiddenLine xmlns:a14="http://schemas.microsoft.com/office/drawing/2010/main" w="9525">
+                <a:solidFill>
+                  <a:srgbClr val="000000"/>
+                </a:solidFill>
+                <a:miter lim="800000"/>
+                <a:headEnd/>
+                <a:tailEnd/>
+              </a14:hiddenLine>
+            </a:ext>
+          </a:extLst>
+        </p:spPr>
+      </p:pic>
+      <p:pic>
+        <p:nvPicPr>
+          <p:cNvPr id="29" name="Picture 30"/>
+          <p:cNvPicPr>
+            <a:picLocks noChangeAspect="1"/>
+          </p:cNvPicPr>
+          <p:nvPr/>
+        </p:nvPicPr>
+        <p:blipFill>
+          <a:blip r:embed="rId35">
+            <a:clrChange>
+              <a:clrFrom>
+                <a:srgbClr val="FFFFFF"/>
+              </a:clrFrom>
+              <a:clrTo>
+                <a:srgbClr val="FFFFFF">
+                  <a:alpha val="0"/>
+                </a:srgbClr>
+              </a:clrTo>
+            </a:clrChange>
+            <a:extLst>
+              <a:ext uri="{28A0092B-C50C-407E-A947-70E740481C1C}">
+                <a14:useLocalDpi xmlns:a14="http://schemas.microsoft.com/office/drawing/2010/main" val="0"/>
+              </a:ext>
+            </a:extLst>
+          </a:blip>
+          <a:srcRect/>
+          <a:stretch>
+            <a:fillRect/>
+          </a:stretch>
+        </p:blipFill>
+        <p:spPr bwMode="auto">
+          <a:xfrm>
+            <a:off x="7591425" y="3176588"/>
+            <a:ext cx="1274763" cy="354012"/>
+          </a:xfrm>
+          <a:prstGeom prst="rect">
+            <a:avLst/>
+          </a:prstGeom>
+          <a:noFill/>
+          <a:ln>
+            <a:noFill/>
+          </a:ln>
+          <a:extLst>
+            <a:ext uri="{909E8E84-426E-40DD-AFC4-6F175D3DCCD1}">
+              <a14:hiddenFill xmlns:a14="http://schemas.microsoft.com/office/drawing/2010/main">
+                <a:solidFill>
+                  <a:srgbClr val="FFFFFF"/>
+                </a:solidFill>
+              </a14:hiddenFill>
+            </a:ext>
+            <a:ext uri="{91240B29-F687-4F45-9708-019B960494DF}">
+              <a14:hiddenLine xmlns:a14="http://schemas.microsoft.com/office/drawing/2010/main" w="9525">
+                <a:solidFill>
+                  <a:srgbClr val="000000"/>
+                </a:solidFill>
+                <a:miter lim="800000"/>
+                <a:headEnd/>
+                <a:tailEnd/>
+              </a14:hiddenLine>
+            </a:ext>
+          </a:extLst>
+        </p:spPr>
+      </p:pic>
+      <p:pic>
+        <p:nvPicPr>
+          <p:cNvPr id="30" name="Picture 5"/>
+          <p:cNvPicPr>
+            <a:picLocks noChangeAspect="1" noChangeArrowheads="1"/>
+          </p:cNvPicPr>
+          <p:nvPr/>
+        </p:nvPicPr>
+        <p:blipFill>
+          <a:blip r:embed="rId36">
+            <a:extLst>
+              <a:ext uri="{28A0092B-C50C-407E-A947-70E740481C1C}">
+                <a14:useLocalDpi xmlns:a14="http://schemas.microsoft.com/office/drawing/2010/main" val="0"/>
+              </a:ext>
+            </a:extLst>
+          </a:blip>
+          <a:srcRect/>
+          <a:stretch>
+            <a:fillRect/>
+          </a:stretch>
+        </p:blipFill>
+        <p:spPr bwMode="auto">
+          <a:xfrm>
+            <a:off x="5727700" y="995363"/>
+            <a:ext cx="409575" cy="400050"/>
+          </a:xfrm>
+          <a:prstGeom prst="rect">
+            <a:avLst/>
+          </a:prstGeom>
+          <a:noFill/>
+          <a:ln>
+            <a:noFill/>
+          </a:ln>
+          <a:extLst>
+            <a:ext uri="{909E8E84-426E-40DD-AFC4-6F175D3DCCD1}">
+              <a14:hiddenFill xmlns:a14="http://schemas.microsoft.com/office/drawing/2010/main">
+                <a:solidFill>
+                  <a:schemeClr val="accent1"/>
+                </a:solidFill>
+              </a14:hiddenFill>
+            </a:ext>
+            <a:ext uri="{91240B29-F687-4F45-9708-019B960494DF}">
+              <a14:hiddenLine xmlns:a14="http://schemas.microsoft.com/office/drawing/2010/main" w="9525">
+                <a:solidFill>
+                  <a:schemeClr val="tx1"/>
+                </a:solidFill>
+                <a:miter lim="800000"/>
+                <a:headEnd/>
+                <a:tailEnd/>
+              </a14:hiddenLine>
+            </a:ext>
+          </a:extLst>
+        </p:spPr>
+      </p:pic>
+    </p:spTree>
+    <p:extLst>
+      <p:ext uri="{BB962C8B-B14F-4D97-AF65-F5344CB8AC3E}">
+        <p14:creationId xmlns:p14="http://schemas.microsoft.com/office/powerpoint/2010/main" val="2637597765"/>
+      </p:ext>
+    </p:extLst>
+  </p:cSld>
+  <p:clrMapOvr>
+    <a:masterClrMapping/>
+  </p:clrMapOvr>
+  <p:transition spd="med">
+    <p:wipe dir="r"/>
+  </p:transition>
+</p:sld>
+</file>
+
+<file path=ppt/slides/slide56.xml><?xml version="1.0" encoding="utf-8"?>
+<p:sld xmlns:a="http://schemas.openxmlformats.org/drawingml/2006/main" xmlns:r="http://schemas.openxmlformats.org/officeDocument/2006/relationships" xmlns:p="http://schemas.openxmlformats.org/presentationml/2006/main">
+  <p:cSld>
+    <p:spTree>
+      <p:nvGrpSpPr>
+        <p:cNvPr id="1" name=""/>
+        <p:cNvGrpSpPr/>
+        <p:nvPr/>
+      </p:nvGrpSpPr>
+      <p:grpSpPr>
+        <a:xfrm>
+          <a:off x="0" y="0"/>
+          <a:ext cx="0" cy="0"/>
+          <a:chOff x="0" y="0"/>
+          <a:chExt cx="0" cy="0"/>
+        </a:xfrm>
+      </p:grpSpPr>
+      <p:sp>
+        <p:nvSpPr>
+          <p:cNvPr id="2" name="Title 1"/>
+          <p:cNvSpPr>
+            <a:spLocks noGrp="1"/>
+          </p:cNvSpPr>
+          <p:nvPr>
+            <p:ph type="title"/>
+          </p:nvPr>
+        </p:nvSpPr>
+        <p:spPr/>
+        <p:txBody>
+          <a:bodyPr/>
+          <a:lstStyle/>
+          <a:p>
+            <a:r>
+              <a:rPr lang="en-US" dirty="0" err="1" smtClean="0"/>
+              <a:t>Por</a:t>
+            </a:r>
+            <a:r>
+              <a:rPr lang="en-US" dirty="0" smtClean="0"/>
+              <a:t> </a:t>
+            </a:r>
+            <a:r>
+              <a:rPr lang="en-US" dirty="0" err="1" smtClean="0"/>
+              <a:t>que</a:t>
+            </a:r>
+            <a:r>
+              <a:rPr lang="en-US" dirty="0" smtClean="0"/>
+              <a:t> </a:t>
+            </a:r>
+            <a:r>
+              <a:rPr lang="en-US" dirty="0" err="1" smtClean="0"/>
+              <a:t>usar</a:t>
+            </a:r>
+            <a:r>
+              <a:rPr lang="en-US" dirty="0" smtClean="0"/>
+              <a:t> </a:t>
+            </a:r>
+            <a:r>
+              <a:rPr lang="en-US" dirty="0" err="1" smtClean="0"/>
+              <a:t>Redis</a:t>
+            </a:r>
+            <a:r>
+              <a:rPr lang="en-US" dirty="0" smtClean="0"/>
+              <a:t>?</a:t>
+            </a:r>
+            <a:endParaRPr lang="en-US" dirty="0"/>
+          </a:p>
+        </p:txBody>
+      </p:sp>
+      <p:sp>
+        <p:nvSpPr>
+          <p:cNvPr id="3" name="Content Placeholder 2"/>
+          <p:cNvSpPr>
+            <a:spLocks noGrp="1"/>
+          </p:cNvSpPr>
+          <p:nvPr>
+            <p:ph sz="quarter" idx="10"/>
+          </p:nvPr>
+        </p:nvSpPr>
+        <p:spPr/>
+        <p:txBody>
+          <a:bodyPr/>
+          <a:lstStyle/>
+          <a:p>
+            <a:pPr marL="285750" indent="-285750">
+              <a:buFont typeface="Arial" panose="020B0604020202020204" pitchFamily="34" charset="0"/>
+              <a:buChar char="•"/>
+            </a:pPr>
+            <a:r>
+              <a:rPr lang="en-US" dirty="0" err="1" smtClean="0"/>
+              <a:t>Permite</a:t>
+            </a:r>
+            <a:r>
+              <a:rPr lang="en-US" dirty="0" smtClean="0"/>
+              <a:t> </a:t>
+            </a:r>
+            <a:r>
+              <a:rPr lang="en-US" dirty="0" err="1" smtClean="0"/>
+              <a:t>que</a:t>
+            </a:r>
+            <a:r>
+              <a:rPr lang="en-US" dirty="0" smtClean="0"/>
+              <a:t> o </a:t>
+            </a:r>
+            <a:r>
+              <a:rPr lang="en-US" dirty="0" err="1" smtClean="0"/>
+              <a:t>arquiteto</a:t>
+            </a:r>
+            <a:r>
+              <a:rPr lang="en-US" dirty="0" smtClean="0"/>
+              <a:t> </a:t>
+            </a:r>
+            <a:r>
+              <a:rPr lang="en-US" dirty="0" err="1" smtClean="0"/>
+              <a:t>escolha</a:t>
+            </a:r>
+            <a:r>
+              <a:rPr lang="en-US" dirty="0" smtClean="0"/>
+              <a:t> a </a:t>
+            </a:r>
+            <a:r>
+              <a:rPr lang="en-US" dirty="0" err="1" smtClean="0"/>
+              <a:t>arquitetura</a:t>
+            </a:r>
+            <a:r>
+              <a:rPr lang="en-US" dirty="0" smtClean="0"/>
+              <a:t> de dados </a:t>
+            </a:r>
+            <a:r>
+              <a:rPr lang="en-US" dirty="0" err="1" smtClean="0"/>
+              <a:t>que</a:t>
+            </a:r>
+            <a:r>
+              <a:rPr lang="en-US" dirty="0" smtClean="0"/>
+              <a:t> </a:t>
+            </a:r>
+            <a:r>
+              <a:rPr lang="en-US" dirty="0" err="1" smtClean="0"/>
+              <a:t>melhor</a:t>
+            </a:r>
+            <a:r>
+              <a:rPr lang="en-US" dirty="0" smtClean="0"/>
+              <a:t> server a </a:t>
+            </a:r>
+            <a:r>
+              <a:rPr lang="en-US" dirty="0" err="1" smtClean="0"/>
+              <a:t>aplicação</a:t>
+            </a:r>
+            <a:endParaRPr lang="en-US" dirty="0" smtClean="0"/>
+          </a:p>
+          <a:p>
+            <a:pPr marL="285750" indent="-285750">
+              <a:buFont typeface="Arial" panose="020B0604020202020204" pitchFamily="34" charset="0"/>
+              <a:buChar char="•"/>
+            </a:pPr>
+            <a:r>
+              <a:rPr lang="en-US" dirty="0" err="1" smtClean="0"/>
+              <a:t>Não</a:t>
+            </a:r>
+            <a:r>
+              <a:rPr lang="en-US" dirty="0" smtClean="0"/>
+              <a:t> </a:t>
+            </a:r>
+            <a:r>
+              <a:rPr lang="en-US" dirty="0" err="1" smtClean="0"/>
+              <a:t>existe</a:t>
+            </a:r>
+            <a:r>
+              <a:rPr lang="en-US" dirty="0" smtClean="0"/>
+              <a:t> a </a:t>
+            </a:r>
+            <a:r>
+              <a:rPr lang="en-US" dirty="0" err="1" smtClean="0"/>
+              <a:t>necessidade</a:t>
+            </a:r>
+            <a:r>
+              <a:rPr lang="en-US" dirty="0" smtClean="0"/>
+              <a:t> de </a:t>
+            </a:r>
+            <a:r>
+              <a:rPr lang="en-US" dirty="0" err="1" smtClean="0"/>
+              <a:t>adicionar</a:t>
+            </a:r>
+            <a:r>
+              <a:rPr lang="en-US" dirty="0" smtClean="0"/>
+              <a:t> </a:t>
+            </a:r>
+            <a:r>
+              <a:rPr lang="en-US" dirty="0" err="1" smtClean="0"/>
+              <a:t>uma</a:t>
+            </a:r>
+            <a:r>
+              <a:rPr lang="en-US" dirty="0" smtClean="0"/>
+              <a:t> </a:t>
+            </a:r>
+            <a:r>
+              <a:rPr lang="en-US" dirty="0" err="1" smtClean="0"/>
+              <a:t>camada</a:t>
+            </a:r>
+            <a:r>
+              <a:rPr lang="en-US" dirty="0" smtClean="0"/>
+              <a:t> com </a:t>
+            </a:r>
+            <a:r>
+              <a:rPr lang="en-US" dirty="0" err="1" smtClean="0"/>
+              <a:t>relacional</a:t>
+            </a:r>
+            <a:r>
+              <a:rPr lang="en-US" dirty="0" smtClean="0"/>
+              <a:t> </a:t>
+            </a:r>
+            <a:r>
+              <a:rPr lang="en-US" dirty="0" err="1" smtClean="0"/>
+              <a:t>complexa</a:t>
+            </a:r>
+            <a:r>
+              <a:rPr lang="en-US" dirty="0" smtClean="0"/>
+              <a:t> para </a:t>
+            </a:r>
+            <a:r>
+              <a:rPr lang="en-US" dirty="0" err="1" smtClean="0"/>
+              <a:t>armazenar</a:t>
+            </a:r>
+            <a:r>
+              <a:rPr lang="en-US" dirty="0" smtClean="0"/>
+              <a:t> </a:t>
+            </a:r>
+            <a:r>
+              <a:rPr lang="en-US" dirty="0" err="1" smtClean="0"/>
+              <a:t>os</a:t>
+            </a:r>
+            <a:r>
+              <a:rPr lang="en-US" dirty="0" smtClean="0"/>
+              <a:t> </a:t>
+            </a:r>
+            <a:r>
+              <a:rPr lang="en-US" dirty="0" err="1" smtClean="0"/>
+              <a:t>objetos</a:t>
+            </a:r>
+            <a:endParaRPr lang="en-US" dirty="0" smtClean="0"/>
+          </a:p>
+          <a:p>
+            <a:pPr marL="285750" indent="-285750">
+              <a:buFont typeface="Arial" panose="020B0604020202020204" pitchFamily="34" charset="0"/>
+              <a:buChar char="•"/>
+            </a:pPr>
+            <a:endParaRPr lang="en-US" dirty="0"/>
+          </a:p>
+          <a:p>
+            <a:pPr marL="285750" indent="-285750">
+              <a:buFont typeface="Arial" panose="020B0604020202020204" pitchFamily="34" charset="0"/>
+              <a:buChar char="•"/>
+            </a:pPr>
+            <a:r>
+              <a:rPr lang="en-US" dirty="0" smtClean="0"/>
+              <a:t>Suporte </a:t>
+            </a:r>
+            <a:r>
+              <a:rPr lang="en-US" dirty="0" err="1" smtClean="0"/>
+              <a:t>nativo</a:t>
+            </a:r>
+            <a:r>
+              <a:rPr lang="en-US" dirty="0" smtClean="0"/>
+              <a:t> a:</a:t>
+            </a:r>
+          </a:p>
+          <a:p>
+            <a:pPr marL="627062" lvl="1" indent="-285750">
+              <a:buFont typeface="Arial" panose="020B0604020202020204" pitchFamily="34" charset="0"/>
+              <a:buChar char="•"/>
+            </a:pPr>
+            <a:r>
+              <a:rPr lang="en-US" dirty="0" smtClean="0"/>
+              <a:t>Strings</a:t>
+            </a:r>
+          </a:p>
+          <a:p>
+            <a:pPr marL="627062" lvl="1" indent="-285750">
+              <a:buFont typeface="Arial" panose="020B0604020202020204" pitchFamily="34" charset="0"/>
+              <a:buChar char="•"/>
+            </a:pPr>
+            <a:r>
+              <a:rPr lang="en-US" dirty="0" smtClean="0"/>
+              <a:t>Hashes</a:t>
+            </a:r>
+          </a:p>
+          <a:p>
+            <a:pPr marL="627062" lvl="1" indent="-285750">
+              <a:buFont typeface="Arial" panose="020B0604020202020204" pitchFamily="34" charset="0"/>
+              <a:buChar char="•"/>
+            </a:pPr>
+            <a:r>
+              <a:rPr lang="en-US" dirty="0" smtClean="0"/>
+              <a:t>Lists</a:t>
+            </a:r>
+          </a:p>
+          <a:p>
+            <a:pPr marL="627062" lvl="1" indent="-285750">
+              <a:buFont typeface="Arial" panose="020B0604020202020204" pitchFamily="34" charset="0"/>
+              <a:buChar char="•"/>
+            </a:pPr>
+            <a:r>
+              <a:rPr lang="en-US" dirty="0" smtClean="0"/>
+              <a:t>Sets</a:t>
+            </a:r>
+          </a:p>
+          <a:p>
+            <a:pPr marL="627062" lvl="1" indent="-285750">
+              <a:buFont typeface="Arial" panose="020B0604020202020204" pitchFamily="34" charset="0"/>
+              <a:buChar char="•"/>
+            </a:pPr>
+            <a:r>
+              <a:rPr lang="en-US" dirty="0" smtClean="0"/>
+              <a:t>Sorted Sets</a:t>
+            </a:r>
+          </a:p>
+          <a:p>
+            <a:pPr marL="285750" indent="-285750">
+              <a:buFont typeface="Arial" panose="020B0604020202020204" pitchFamily="34" charset="0"/>
+              <a:buChar char="•"/>
+            </a:pPr>
+            <a:r>
+              <a:rPr lang="en-US" dirty="0" err="1" smtClean="0"/>
+              <a:t>Redis</a:t>
+            </a:r>
+            <a:r>
+              <a:rPr lang="en-US" dirty="0" smtClean="0"/>
+              <a:t> é RÁPIDO</a:t>
+            </a:r>
+          </a:p>
+          <a:p>
+            <a:pPr marL="627062" lvl="1" indent="-285750">
+              <a:buFont typeface="Arial" panose="020B0604020202020204" pitchFamily="34" charset="0"/>
+              <a:buChar char="•"/>
+            </a:pPr>
+            <a:r>
+              <a:rPr lang="en-US" dirty="0" smtClean="0"/>
+              <a:t>É ideal para </a:t>
+            </a:r>
+            <a:r>
+              <a:rPr lang="en-US" dirty="0" err="1" smtClean="0"/>
+              <a:t>aplicações</a:t>
+            </a:r>
+            <a:r>
+              <a:rPr lang="en-US" dirty="0" smtClean="0"/>
+              <a:t> </a:t>
+            </a:r>
+            <a:r>
+              <a:rPr lang="en-US" dirty="0" err="1" smtClean="0"/>
+              <a:t>que</a:t>
+            </a:r>
+            <a:r>
+              <a:rPr lang="en-US" dirty="0" smtClean="0"/>
+              <a:t> </a:t>
+            </a:r>
+            <a:r>
+              <a:rPr lang="en-US" dirty="0" err="1" smtClean="0"/>
+              <a:t>exigem</a:t>
+            </a:r>
+            <a:r>
+              <a:rPr lang="en-US" dirty="0" smtClean="0"/>
+              <a:t> </a:t>
+            </a:r>
+            <a:r>
+              <a:rPr lang="en-US" dirty="0" err="1" smtClean="0"/>
+              <a:t>baixa</a:t>
+            </a:r>
+            <a:r>
+              <a:rPr lang="en-US" dirty="0" smtClean="0"/>
+              <a:t> </a:t>
+            </a:r>
+            <a:r>
+              <a:rPr lang="en-US" dirty="0" err="1" smtClean="0"/>
+              <a:t>latência</a:t>
+            </a:r>
+            <a:endParaRPr lang="en-US" dirty="0"/>
+          </a:p>
+        </p:txBody>
+      </p:sp>
+    </p:spTree>
+    <p:extLst>
+      <p:ext uri="{BB962C8B-B14F-4D97-AF65-F5344CB8AC3E}">
+        <p14:creationId xmlns:p14="http://schemas.microsoft.com/office/powerpoint/2010/main" val="1373956760"/>
+      </p:ext>
+    </p:extLst>
+  </p:cSld>
+  <p:clrMapOvr>
+    <a:masterClrMapping/>
+  </p:clrMapOvr>
+  <p:transition spd="med">
+    <p:wipe dir="r"/>
+  </p:transition>
+</p:sld>
+</file>
+
+<file path=ppt/slides/slide57.xml><?xml version="1.0" encoding="utf-8"?>
+<p:sld xmlns:a="http://schemas.openxmlformats.org/drawingml/2006/main" xmlns:r="http://schemas.openxmlformats.org/officeDocument/2006/relationships" xmlns:p="http://schemas.openxmlformats.org/presentationml/2006/main">
+  <p:cSld>
+    <p:spTree>
+      <p:nvGrpSpPr>
+        <p:cNvPr id="1" name=""/>
+        <p:cNvGrpSpPr/>
+        <p:nvPr/>
+      </p:nvGrpSpPr>
+      <p:grpSpPr>
+        <a:xfrm>
+          <a:off x="0" y="0"/>
+          <a:ext cx="0" cy="0"/>
+          <a:chOff x="0" y="0"/>
+          <a:chExt cx="0" cy="0"/>
+        </a:xfrm>
+      </p:grpSpPr>
+      <p:sp>
+        <p:nvSpPr>
+          <p:cNvPr id="2" name="Title 1"/>
+          <p:cNvSpPr>
+            <a:spLocks noGrp="1"/>
+          </p:cNvSpPr>
+          <p:nvPr>
+            <p:ph type="title"/>
+          </p:nvPr>
+        </p:nvSpPr>
+        <p:spPr/>
+        <p:txBody>
+          <a:bodyPr/>
+          <a:lstStyle/>
+          <a:p>
+            <a:r>
+              <a:rPr lang="en-US" dirty="0" err="1" smtClean="0"/>
+              <a:t>Quando</a:t>
+            </a:r>
+            <a:r>
+              <a:rPr lang="en-US" dirty="0" smtClean="0"/>
+              <a:t> </a:t>
+            </a:r>
+            <a:r>
+              <a:rPr lang="en-US" dirty="0" err="1" smtClean="0"/>
+              <a:t>usar</a:t>
+            </a:r>
+            <a:r>
+              <a:rPr lang="en-US" dirty="0" smtClean="0"/>
+              <a:t> o </a:t>
+            </a:r>
+            <a:r>
+              <a:rPr lang="en-US" dirty="0" err="1" smtClean="0"/>
+              <a:t>Redis</a:t>
+            </a:r>
+            <a:r>
+              <a:rPr lang="en-US" dirty="0" smtClean="0"/>
+              <a:t>?</a:t>
+            </a:r>
+            <a:endParaRPr lang="en-US" dirty="0"/>
+          </a:p>
+        </p:txBody>
+      </p:sp>
+      <p:sp>
+        <p:nvSpPr>
+          <p:cNvPr id="3" name="Content Placeholder 2"/>
+          <p:cNvSpPr>
+            <a:spLocks noGrp="1"/>
+          </p:cNvSpPr>
+          <p:nvPr>
+            <p:ph sz="quarter" idx="10"/>
+          </p:nvPr>
+        </p:nvSpPr>
+        <p:spPr/>
+        <p:txBody>
+          <a:bodyPr/>
+          <a:lstStyle/>
+          <a:p>
+            <a:pPr marL="285750" indent="-285750">
+              <a:buFont typeface="Arial" panose="020B0604020202020204" pitchFamily="34" charset="0"/>
+              <a:buChar char="•"/>
+            </a:pPr>
+            <a:r>
+              <a:rPr lang="en-US" dirty="0" smtClean="0"/>
+              <a:t>Caching para </a:t>
+            </a:r>
+            <a:r>
+              <a:rPr lang="en-US" dirty="0" err="1" smtClean="0"/>
+              <a:t>reduzir</a:t>
+            </a:r>
+            <a:r>
+              <a:rPr lang="en-US" dirty="0" smtClean="0"/>
+              <a:t> tempo de </a:t>
+            </a:r>
+            <a:r>
+              <a:rPr lang="en-US" dirty="0" err="1" smtClean="0"/>
+              <a:t>carregamento</a:t>
+            </a:r>
+            <a:r>
+              <a:rPr lang="en-US" dirty="0" smtClean="0"/>
+              <a:t> de </a:t>
+            </a:r>
+            <a:r>
+              <a:rPr lang="en-US" dirty="0" err="1" smtClean="0"/>
+              <a:t>páginas</a:t>
+            </a:r>
+            <a:r>
+              <a:rPr lang="en-US" dirty="0" smtClean="0"/>
+              <a:t> Web</a:t>
+            </a:r>
+          </a:p>
+          <a:p>
+            <a:pPr marL="627062" lvl="1" indent="-285750">
+              <a:buFont typeface="Arial" panose="020B0604020202020204" pitchFamily="34" charset="0"/>
+              <a:buChar char="•"/>
+            </a:pPr>
+            <a:r>
+              <a:rPr lang="en-US" dirty="0" err="1" smtClean="0"/>
+              <a:t>Manter</a:t>
+            </a:r>
+            <a:r>
+              <a:rPr lang="en-US" dirty="0" smtClean="0"/>
+              <a:t> </a:t>
+            </a:r>
+            <a:r>
+              <a:rPr lang="en-US" dirty="0" err="1" smtClean="0"/>
+              <a:t>os</a:t>
+            </a:r>
+            <a:r>
+              <a:rPr lang="en-US" dirty="0" smtClean="0"/>
+              <a:t> “n” </a:t>
+            </a:r>
+            <a:r>
+              <a:rPr lang="en-US" dirty="0" err="1" smtClean="0"/>
+              <a:t>itens</a:t>
+            </a:r>
+            <a:r>
+              <a:rPr lang="en-US" dirty="0" smtClean="0"/>
+              <a:t> </a:t>
+            </a:r>
+            <a:r>
+              <a:rPr lang="en-US" dirty="0" err="1" smtClean="0"/>
+              <a:t>mais</a:t>
+            </a:r>
+            <a:r>
+              <a:rPr lang="en-US" dirty="0" smtClean="0"/>
+              <a:t> </a:t>
+            </a:r>
+            <a:r>
+              <a:rPr lang="en-US" dirty="0" err="1" smtClean="0"/>
+              <a:t>recentes</a:t>
+            </a:r>
+            <a:r>
+              <a:rPr lang="en-US" dirty="0" smtClean="0"/>
+              <a:t> no </a:t>
+            </a:r>
+            <a:r>
+              <a:rPr lang="en-US" dirty="0" err="1" smtClean="0"/>
+              <a:t>Redis</a:t>
+            </a:r>
+            <a:r>
+              <a:rPr lang="en-US" dirty="0" smtClean="0"/>
+              <a:t> para </a:t>
+            </a:r>
+            <a:r>
+              <a:rPr lang="en-US" dirty="0" err="1" smtClean="0"/>
+              <a:t>servir</a:t>
+            </a:r>
+            <a:r>
+              <a:rPr lang="en-US" dirty="0" smtClean="0"/>
+              <a:t> a </a:t>
+            </a:r>
+            <a:r>
+              <a:rPr lang="en-US" dirty="0" err="1" smtClean="0"/>
+              <a:t>página</a:t>
+            </a:r>
+            <a:endParaRPr lang="en-US" dirty="0" smtClean="0"/>
+          </a:p>
+          <a:p>
+            <a:pPr marL="627062" lvl="1" indent="-285750">
+              <a:buFont typeface="Arial" panose="020B0604020202020204" pitchFamily="34" charset="0"/>
+              <a:buChar char="•"/>
+            </a:pPr>
+            <a:r>
+              <a:rPr lang="en-US" dirty="0" err="1" smtClean="0"/>
+              <a:t>Gerenciar</a:t>
+            </a:r>
+            <a:r>
+              <a:rPr lang="en-US" dirty="0" smtClean="0"/>
+              <a:t> a </a:t>
+            </a:r>
+            <a:r>
+              <a:rPr lang="en-US" dirty="0" err="1" smtClean="0"/>
+              <a:t>remoção</a:t>
+            </a:r>
+            <a:r>
+              <a:rPr lang="en-US" dirty="0" smtClean="0"/>
+              <a:t> e </a:t>
+            </a:r>
+            <a:r>
+              <a:rPr lang="en-US" dirty="0" err="1" smtClean="0"/>
+              <a:t>filtragem</a:t>
+            </a:r>
+            <a:r>
+              <a:rPr lang="en-US" dirty="0" smtClean="0"/>
+              <a:t> dos </a:t>
+            </a:r>
+            <a:r>
+              <a:rPr lang="en-US" dirty="0" err="1" smtClean="0"/>
+              <a:t>itens</a:t>
+            </a:r>
+            <a:endParaRPr lang="en-US" dirty="0" smtClean="0"/>
+          </a:p>
+          <a:p>
+            <a:pPr marL="627062" lvl="1" indent="-285750">
+              <a:buFont typeface="Arial" panose="020B0604020202020204" pitchFamily="34" charset="0"/>
+              <a:buChar char="•"/>
+            </a:pPr>
+            <a:endParaRPr lang="en-US" dirty="0"/>
+          </a:p>
+          <a:p>
+            <a:pPr marL="285750" indent="-285750">
+              <a:buFont typeface="Arial" panose="020B0604020202020204" pitchFamily="34" charset="0"/>
+              <a:buChar char="•"/>
+            </a:pPr>
+            <a:r>
+              <a:rPr lang="en-US" dirty="0" smtClean="0"/>
+              <a:t>Rankings</a:t>
+            </a:r>
+          </a:p>
+          <a:p>
+            <a:pPr marL="627062" lvl="1" indent="-285750">
+              <a:buFont typeface="Arial" panose="020B0604020202020204" pitchFamily="34" charset="0"/>
+              <a:buChar char="•"/>
+            </a:pPr>
+            <a:r>
+              <a:rPr lang="en-US" dirty="0" err="1" smtClean="0"/>
+              <a:t>Mostrar</a:t>
+            </a:r>
+            <a:r>
+              <a:rPr lang="en-US" dirty="0" smtClean="0"/>
+              <a:t> </a:t>
+            </a:r>
+            <a:r>
+              <a:rPr lang="en-US" dirty="0" err="1" smtClean="0"/>
+              <a:t>os</a:t>
+            </a:r>
+            <a:r>
+              <a:rPr lang="en-US" dirty="0" smtClean="0"/>
+              <a:t> “n” scores </a:t>
+            </a:r>
+            <a:r>
+              <a:rPr lang="en-US" dirty="0" err="1" smtClean="0"/>
+              <a:t>mais</a:t>
+            </a:r>
+            <a:r>
+              <a:rPr lang="en-US" dirty="0" smtClean="0"/>
+              <a:t> altos</a:t>
+            </a:r>
+          </a:p>
+          <a:p>
+            <a:pPr marL="627062" lvl="1" indent="-285750">
+              <a:buFont typeface="Arial" panose="020B0604020202020204" pitchFamily="34" charset="0"/>
+              <a:buChar char="•"/>
+            </a:pPr>
+            <a:r>
+              <a:rPr lang="en-US" dirty="0" err="1" smtClean="0"/>
+              <a:t>Ordenação</a:t>
+            </a:r>
+            <a:r>
+              <a:rPr lang="en-US" dirty="0" smtClean="0"/>
+              <a:t> – </a:t>
+            </a:r>
+            <a:r>
+              <a:rPr lang="en-US" dirty="0" err="1" smtClean="0"/>
+              <a:t>por</a:t>
+            </a:r>
+            <a:r>
+              <a:rPr lang="en-US" dirty="0" smtClean="0"/>
+              <a:t> </a:t>
+            </a:r>
+            <a:r>
+              <a:rPr lang="en-US" dirty="0" err="1" smtClean="0"/>
+              <a:t>exemplo</a:t>
+            </a:r>
+            <a:r>
+              <a:rPr lang="en-US" dirty="0" smtClean="0"/>
+              <a:t>, </a:t>
+            </a:r>
+            <a:r>
+              <a:rPr lang="en-US" dirty="0" err="1" smtClean="0"/>
+              <a:t>por</a:t>
+            </a:r>
+            <a:r>
+              <a:rPr lang="en-US" dirty="0" smtClean="0"/>
+              <a:t> </a:t>
+            </a:r>
+            <a:r>
+              <a:rPr lang="en-US" dirty="0" err="1" smtClean="0"/>
+              <a:t>número</a:t>
+            </a:r>
+            <a:r>
+              <a:rPr lang="en-US" dirty="0" smtClean="0"/>
+              <a:t> de </a:t>
+            </a:r>
+            <a:r>
+              <a:rPr lang="en-US" dirty="0" err="1" smtClean="0"/>
+              <a:t>votos</a:t>
+            </a:r>
+            <a:r>
+              <a:rPr lang="en-US" dirty="0" smtClean="0"/>
+              <a:t> </a:t>
+            </a:r>
+            <a:r>
+              <a:rPr lang="en-US" dirty="0" err="1" smtClean="0"/>
+              <a:t>ou</a:t>
+            </a:r>
+            <a:r>
+              <a:rPr lang="en-US" dirty="0" smtClean="0"/>
+              <a:t> </a:t>
+            </a:r>
+            <a:r>
+              <a:rPr lang="en-US" dirty="0" err="1" smtClean="0"/>
+              <a:t>por</a:t>
+            </a:r>
+            <a:r>
+              <a:rPr lang="en-US" dirty="0" smtClean="0"/>
+              <a:t> tempo (</a:t>
+            </a:r>
+            <a:r>
+              <a:rPr lang="en-US" dirty="0" err="1" smtClean="0"/>
+              <a:t>utilizando</a:t>
+            </a:r>
+            <a:r>
+              <a:rPr lang="en-US" dirty="0" smtClean="0"/>
+              <a:t> </a:t>
+            </a:r>
+            <a:r>
+              <a:rPr lang="en-US" dirty="0" err="1" smtClean="0"/>
+              <a:t>expiração</a:t>
+            </a:r>
+            <a:r>
+              <a:rPr lang="en-US" dirty="0" smtClean="0"/>
+              <a:t>)</a:t>
+            </a:r>
+          </a:p>
+          <a:p>
+            <a:pPr marL="627062" lvl="1" indent="-285750">
+              <a:buFont typeface="Arial" panose="020B0604020202020204" pitchFamily="34" charset="0"/>
+              <a:buChar char="•"/>
+            </a:pPr>
+            <a:endParaRPr lang="en-US" dirty="0"/>
+          </a:p>
+          <a:p>
+            <a:pPr marL="285750" indent="-285750">
+              <a:buFont typeface="Arial" panose="020B0604020202020204" pitchFamily="34" charset="0"/>
+              <a:buChar char="•"/>
+            </a:pPr>
+            <a:r>
+              <a:rPr lang="en-US" dirty="0" err="1" smtClean="0"/>
+              <a:t>Contadores</a:t>
+            </a:r>
+            <a:endParaRPr lang="en-US" dirty="0" smtClean="0"/>
+          </a:p>
+          <a:p>
+            <a:pPr marL="627062" lvl="1" indent="-285750">
+              <a:buFont typeface="Arial" panose="020B0604020202020204" pitchFamily="34" charset="0"/>
+              <a:buChar char="•"/>
+            </a:pPr>
+            <a:r>
+              <a:rPr lang="en-US" dirty="0" err="1" smtClean="0"/>
+              <a:t>Manter</a:t>
+            </a:r>
+            <a:r>
+              <a:rPr lang="en-US" dirty="0" smtClean="0"/>
+              <a:t> </a:t>
+            </a:r>
+            <a:r>
+              <a:rPr lang="en-US" dirty="0" err="1" smtClean="0"/>
+              <a:t>contagem</a:t>
+            </a:r>
+            <a:r>
+              <a:rPr lang="en-US" dirty="0" smtClean="0"/>
+              <a:t> </a:t>
+            </a:r>
+            <a:r>
+              <a:rPr lang="en-US" dirty="0" err="1" smtClean="0"/>
+              <a:t>em</a:t>
+            </a:r>
+            <a:r>
+              <a:rPr lang="en-US" dirty="0" smtClean="0"/>
+              <a:t> real-time de </a:t>
+            </a:r>
+            <a:r>
+              <a:rPr lang="en-US" dirty="0" err="1" smtClean="0"/>
+              <a:t>métricas</a:t>
+            </a:r>
+            <a:r>
+              <a:rPr lang="en-US" dirty="0" smtClean="0"/>
+              <a:t> e </a:t>
+            </a:r>
+            <a:r>
+              <a:rPr lang="en-US" dirty="0" err="1" smtClean="0"/>
+              <a:t>estatísticas-chave</a:t>
+            </a:r>
+            <a:endParaRPr lang="en-US" dirty="0" smtClean="0"/>
+          </a:p>
+          <a:p>
+            <a:pPr marL="974725" lvl="2" indent="-285750">
+              <a:buFont typeface="Arial" panose="020B0604020202020204" pitchFamily="34" charset="0"/>
+              <a:buChar char="•"/>
+            </a:pPr>
+            <a:r>
+              <a:rPr lang="en-US" dirty="0" err="1" smtClean="0"/>
+              <a:t>Por</a:t>
+            </a:r>
+            <a:r>
+              <a:rPr lang="en-US" dirty="0" smtClean="0"/>
+              <a:t> </a:t>
+            </a:r>
+            <a:r>
+              <a:rPr lang="en-US" dirty="0" err="1" smtClean="0"/>
+              <a:t>exemplo</a:t>
+            </a:r>
+            <a:r>
+              <a:rPr lang="en-US" dirty="0" smtClean="0"/>
+              <a:t>: </a:t>
+            </a:r>
+            <a:r>
+              <a:rPr lang="en-US" dirty="0" err="1" smtClean="0"/>
+              <a:t>quantos</a:t>
+            </a:r>
+            <a:r>
+              <a:rPr lang="en-US" dirty="0" smtClean="0"/>
+              <a:t> </a:t>
+            </a:r>
+            <a:r>
+              <a:rPr lang="en-US" dirty="0" err="1" smtClean="0"/>
+              <a:t>usuários</a:t>
+            </a:r>
+            <a:r>
+              <a:rPr lang="en-US" dirty="0" smtClean="0"/>
+              <a:t> </a:t>
+            </a:r>
+            <a:r>
+              <a:rPr lang="en-US" dirty="0" err="1" smtClean="0"/>
+              <a:t>únicos</a:t>
+            </a:r>
+            <a:r>
+              <a:rPr lang="en-US" dirty="0" smtClean="0"/>
+              <a:t> </a:t>
+            </a:r>
+            <a:r>
+              <a:rPr lang="en-US" dirty="0" err="1" smtClean="0"/>
+              <a:t>visitaram</a:t>
+            </a:r>
+            <a:r>
+              <a:rPr lang="en-US" dirty="0" smtClean="0"/>
+              <a:t> </a:t>
+            </a:r>
+            <a:r>
+              <a:rPr lang="en-US" dirty="0" err="1" smtClean="0"/>
+              <a:t>uma</a:t>
+            </a:r>
+            <a:r>
+              <a:rPr lang="en-US" dirty="0" smtClean="0"/>
+              <a:t> </a:t>
+            </a:r>
+            <a:r>
+              <a:rPr lang="en-US" dirty="0" err="1" smtClean="0"/>
+              <a:t>determinada</a:t>
+            </a:r>
+            <a:r>
+              <a:rPr lang="en-US" dirty="0" smtClean="0"/>
+              <a:t> URL </a:t>
+            </a:r>
+            <a:r>
+              <a:rPr lang="en-US" dirty="0" err="1" smtClean="0"/>
+              <a:t>em</a:t>
+            </a:r>
+            <a:r>
+              <a:rPr lang="en-US" dirty="0" smtClean="0"/>
+              <a:t> um </a:t>
+            </a:r>
+            <a:r>
+              <a:rPr lang="en-US" dirty="0" err="1" smtClean="0"/>
+              <a:t>certo</a:t>
+            </a:r>
+            <a:r>
+              <a:rPr lang="en-US" dirty="0" smtClean="0"/>
+              <a:t> </a:t>
+            </a:r>
+            <a:r>
+              <a:rPr lang="en-US" dirty="0" err="1" smtClean="0"/>
+              <a:t>período</a:t>
+            </a:r>
+            <a:r>
+              <a:rPr lang="en-US" dirty="0" smtClean="0"/>
+              <a:t> de tempo?</a:t>
+            </a:r>
+            <a:endParaRPr lang="en-US" dirty="0"/>
+          </a:p>
+        </p:txBody>
+      </p:sp>
+    </p:spTree>
+    <p:extLst>
+      <p:ext uri="{BB962C8B-B14F-4D97-AF65-F5344CB8AC3E}">
+        <p14:creationId xmlns:p14="http://schemas.microsoft.com/office/powerpoint/2010/main" val="3074593170"/>
+      </p:ext>
+    </p:extLst>
+  </p:cSld>
+  <p:clrMapOvr>
+    <a:masterClrMapping/>
+  </p:clrMapOvr>
+  <p:transition spd="med">
+    <p:wipe dir="r"/>
+  </p:transition>
+</p:sld>
+</file>
+
+<file path=ppt/slides/slide58.xml><?xml version="1.0" encoding="utf-8"?>
+<p:sld xmlns:a="http://schemas.openxmlformats.org/drawingml/2006/main" xmlns:r="http://schemas.openxmlformats.org/officeDocument/2006/relationships" xmlns:p="http://schemas.openxmlformats.org/presentationml/2006/main">
+  <p:cSld>
+    <p:spTree>
+      <p:nvGrpSpPr>
+        <p:cNvPr id="1" name=""/>
+        <p:cNvGrpSpPr/>
+        <p:nvPr/>
+      </p:nvGrpSpPr>
+      <p:grpSpPr>
+        <a:xfrm>
+          <a:off x="0" y="0"/>
+          <a:ext cx="0" cy="0"/>
+          <a:chOff x="0" y="0"/>
+          <a:chExt cx="0" cy="0"/>
+        </a:xfrm>
+      </p:grpSpPr>
+      <p:sp>
+        <p:nvSpPr>
+          <p:cNvPr id="2" name="Title 1"/>
+          <p:cNvSpPr>
+            <a:spLocks noGrp="1"/>
+          </p:cNvSpPr>
+          <p:nvPr>
+            <p:ph type="title"/>
+          </p:nvPr>
+        </p:nvSpPr>
+        <p:spPr/>
+        <p:txBody>
+          <a:bodyPr/>
+          <a:lstStyle/>
+          <a:p>
+            <a:r>
+              <a:rPr lang="en-US" dirty="0" err="1" smtClean="0"/>
+              <a:t>Quando</a:t>
+            </a:r>
+            <a:r>
+              <a:rPr lang="en-US" dirty="0" smtClean="0"/>
+              <a:t> </a:t>
+            </a:r>
+            <a:r>
+              <a:rPr lang="en-US" dirty="0" err="1" smtClean="0"/>
+              <a:t>usar</a:t>
+            </a:r>
+            <a:r>
+              <a:rPr lang="en-US" dirty="0" smtClean="0"/>
+              <a:t> o </a:t>
+            </a:r>
+            <a:r>
+              <a:rPr lang="en-US" dirty="0" err="1" smtClean="0"/>
+              <a:t>Redis</a:t>
+            </a:r>
+            <a:r>
+              <a:rPr lang="en-US" dirty="0" smtClean="0"/>
+              <a:t>? (cont.)</a:t>
+            </a:r>
+            <a:endParaRPr lang="en-US" dirty="0"/>
+          </a:p>
+        </p:txBody>
+      </p:sp>
+      <p:sp>
+        <p:nvSpPr>
+          <p:cNvPr id="3" name="Content Placeholder 2"/>
+          <p:cNvSpPr>
+            <a:spLocks noGrp="1"/>
+          </p:cNvSpPr>
+          <p:nvPr>
+            <p:ph sz="quarter" idx="10"/>
+          </p:nvPr>
+        </p:nvSpPr>
+        <p:spPr/>
+        <p:txBody>
+          <a:bodyPr/>
+          <a:lstStyle/>
+          <a:p>
+            <a:pPr marL="285750" indent="-285750">
+              <a:buFont typeface="Arial" panose="020B0604020202020204" pitchFamily="34" charset="0"/>
+              <a:buChar char="•"/>
+            </a:pPr>
+            <a:r>
+              <a:rPr lang="en-US" dirty="0" err="1"/>
+              <a:t>Mensageria</a:t>
+            </a:r>
+            <a:r>
+              <a:rPr lang="en-US" dirty="0"/>
+              <a:t> Pub/Sub</a:t>
+            </a:r>
+          </a:p>
+          <a:p>
+            <a:pPr marL="627062" lvl="1" indent="-285750">
+              <a:buFont typeface="Arial" panose="020B0604020202020204" pitchFamily="34" charset="0"/>
+              <a:buChar char="•"/>
+            </a:pPr>
+            <a:r>
+              <a:rPr lang="en-US" dirty="0" err="1"/>
+              <a:t>Clientes</a:t>
+            </a:r>
+            <a:r>
+              <a:rPr lang="en-US" dirty="0"/>
+              <a:t> se </a:t>
+            </a:r>
+            <a:r>
+              <a:rPr lang="en-US" dirty="0" err="1"/>
+              <a:t>inscrevem</a:t>
+            </a:r>
+            <a:r>
+              <a:rPr lang="en-US" dirty="0"/>
+              <a:t> para </a:t>
+            </a:r>
+            <a:r>
+              <a:rPr lang="en-US" dirty="0" err="1"/>
+              <a:t>receber</a:t>
+            </a:r>
+            <a:r>
+              <a:rPr lang="en-US" dirty="0"/>
+              <a:t> </a:t>
+            </a:r>
+            <a:r>
+              <a:rPr lang="en-US" dirty="0" err="1"/>
+              <a:t>mensagens</a:t>
+            </a:r>
+            <a:r>
+              <a:rPr lang="en-US" dirty="0"/>
+              <a:t> </a:t>
+            </a:r>
+            <a:r>
+              <a:rPr lang="en-US" dirty="0" err="1"/>
+              <a:t>em</a:t>
+            </a:r>
+            <a:r>
+              <a:rPr lang="en-US" dirty="0"/>
+              <a:t> </a:t>
+            </a:r>
+            <a:r>
+              <a:rPr lang="en-US" i="1" dirty="0" err="1"/>
+              <a:t>tópicos</a:t>
+            </a:r>
+            <a:r>
+              <a:rPr lang="en-US" i="1" dirty="0"/>
+              <a:t> </a:t>
+            </a:r>
+            <a:r>
+              <a:rPr lang="en-US" dirty="0"/>
+              <a:t>de </a:t>
+            </a:r>
+            <a:r>
+              <a:rPr lang="en-US" dirty="0" err="1"/>
+              <a:t>interesse</a:t>
+            </a:r>
+            <a:endParaRPr lang="en-US" dirty="0"/>
+          </a:p>
+          <a:p>
+            <a:pPr marL="974725" lvl="2" indent="-285750">
+              <a:buFont typeface="Arial" panose="020B0604020202020204" pitchFamily="34" charset="0"/>
+              <a:buChar char="•"/>
+            </a:pPr>
+            <a:r>
+              <a:rPr lang="en-US" dirty="0" err="1"/>
+              <a:t>Por</a:t>
+            </a:r>
+            <a:r>
+              <a:rPr lang="en-US" dirty="0"/>
+              <a:t> </a:t>
+            </a:r>
+            <a:r>
+              <a:rPr lang="en-US" dirty="0" err="1"/>
+              <a:t>exemplo</a:t>
+            </a:r>
+            <a:r>
+              <a:rPr lang="en-US" dirty="0"/>
+              <a:t>: </a:t>
+            </a:r>
+            <a:r>
+              <a:rPr lang="en-US" dirty="0" err="1"/>
+              <a:t>publicar</a:t>
+            </a:r>
+            <a:r>
+              <a:rPr lang="en-US" dirty="0"/>
+              <a:t> </a:t>
+            </a:r>
+            <a:r>
+              <a:rPr lang="en-US" dirty="0" err="1"/>
+              <a:t>notificações</a:t>
+            </a:r>
+            <a:r>
+              <a:rPr lang="en-US" dirty="0"/>
+              <a:t> de </a:t>
+            </a:r>
+            <a:r>
+              <a:rPr lang="en-US" dirty="0" err="1"/>
+              <a:t>novos</a:t>
+            </a:r>
+            <a:r>
+              <a:rPr lang="en-US" dirty="0"/>
+              <a:t> </a:t>
+            </a:r>
+            <a:r>
+              <a:rPr lang="en-US" dirty="0" err="1"/>
+              <a:t>conteúdos</a:t>
+            </a:r>
+            <a:endParaRPr lang="en-US" dirty="0"/>
+          </a:p>
+          <a:p>
+            <a:pPr marL="285750" indent="-285750">
+              <a:buFont typeface="Arial" panose="020B0604020202020204" pitchFamily="34" charset="0"/>
+              <a:buChar char="•"/>
+            </a:pPr>
+            <a:endParaRPr lang="en-US" dirty="0" smtClean="0"/>
+          </a:p>
+          <a:p>
+            <a:pPr marL="285750" indent="-285750">
+              <a:buFont typeface="Arial" panose="020B0604020202020204" pitchFamily="34" charset="0"/>
+              <a:buChar char="•"/>
+            </a:pPr>
+            <a:r>
+              <a:rPr lang="en-US" dirty="0" smtClean="0"/>
+              <a:t>Caching de </a:t>
+            </a:r>
+            <a:r>
+              <a:rPr lang="en-US" dirty="0" err="1" smtClean="0"/>
+              <a:t>sessão</a:t>
+            </a:r>
+            <a:r>
+              <a:rPr lang="en-US" dirty="0" smtClean="0"/>
+              <a:t> HTTP</a:t>
+            </a:r>
+          </a:p>
+          <a:p>
+            <a:pPr marL="627062" lvl="1" indent="-285750">
+              <a:buFont typeface="Arial" panose="020B0604020202020204" pitchFamily="34" charset="0"/>
+              <a:buChar char="•"/>
+            </a:pPr>
+            <a:r>
+              <a:rPr lang="en-US" dirty="0" smtClean="0"/>
+              <a:t>Como </a:t>
+            </a:r>
+            <a:r>
+              <a:rPr lang="en-US" dirty="0" err="1" smtClean="0"/>
+              <a:t>substituto</a:t>
+            </a:r>
+            <a:r>
+              <a:rPr lang="en-US" dirty="0" smtClean="0"/>
+              <a:t> do </a:t>
+            </a:r>
+            <a:r>
+              <a:rPr lang="en-US" dirty="0" err="1" smtClean="0"/>
+              <a:t>memcached</a:t>
+            </a:r>
+            <a:endParaRPr lang="en-US" dirty="0" smtClean="0"/>
+          </a:p>
+          <a:p>
+            <a:pPr marL="627062" lvl="1" indent="-285750">
+              <a:buFont typeface="Arial" panose="020B0604020202020204" pitchFamily="34" charset="0"/>
+              <a:buChar char="•"/>
+            </a:pPr>
+            <a:r>
+              <a:rPr lang="en-US" dirty="0" err="1" smtClean="0"/>
+              <a:t>Especialmente</a:t>
+            </a:r>
+            <a:r>
+              <a:rPr lang="en-US" dirty="0" smtClean="0"/>
+              <a:t> </a:t>
+            </a:r>
+            <a:r>
+              <a:rPr lang="en-US" dirty="0" err="1" smtClean="0"/>
+              <a:t>útil</a:t>
+            </a:r>
+            <a:r>
+              <a:rPr lang="en-US" dirty="0" smtClean="0"/>
+              <a:t> </a:t>
+            </a:r>
+            <a:r>
+              <a:rPr lang="en-US" dirty="0" err="1" smtClean="0"/>
+              <a:t>em</a:t>
+            </a:r>
+            <a:r>
+              <a:rPr lang="en-US" dirty="0" smtClean="0"/>
+              <a:t> </a:t>
+            </a:r>
+            <a:r>
+              <a:rPr lang="en-US" dirty="0" err="1" smtClean="0"/>
+              <a:t>ambientes</a:t>
+            </a:r>
+            <a:r>
+              <a:rPr lang="en-US" dirty="0" smtClean="0"/>
+              <a:t> de cloud</a:t>
+            </a:r>
+          </a:p>
+          <a:p>
+            <a:pPr marL="627062" lvl="1" indent="-285750">
+              <a:buFont typeface="Arial" panose="020B0604020202020204" pitchFamily="34" charset="0"/>
+              <a:buChar char="•"/>
+            </a:pPr>
+            <a:endParaRPr lang="en-US" dirty="0"/>
+          </a:p>
+          <a:p>
+            <a:pPr marL="285750" indent="-285750">
+              <a:buFont typeface="Arial" panose="020B0604020202020204" pitchFamily="34" charset="0"/>
+              <a:buChar char="•"/>
+            </a:pPr>
+            <a:r>
+              <a:rPr lang="en-US" dirty="0" err="1" smtClean="0"/>
+              <a:t>Repositório</a:t>
+            </a:r>
+            <a:r>
+              <a:rPr lang="en-US" dirty="0" smtClean="0"/>
+              <a:t> de dados </a:t>
+            </a:r>
+            <a:r>
+              <a:rPr lang="en-US" dirty="0" err="1" smtClean="0"/>
+              <a:t>em</a:t>
+            </a:r>
+            <a:r>
+              <a:rPr lang="en-US" dirty="0" smtClean="0"/>
+              <a:t> </a:t>
+            </a:r>
+            <a:r>
+              <a:rPr lang="en-US" dirty="0" err="1" smtClean="0"/>
+              <a:t>memória</a:t>
+            </a:r>
+            <a:r>
+              <a:rPr lang="en-US" dirty="0" smtClean="0"/>
+              <a:t> de alto </a:t>
+            </a:r>
+            <a:r>
+              <a:rPr lang="en-US" dirty="0" err="1" smtClean="0"/>
+              <a:t>desempenho</a:t>
+            </a:r>
+            <a:endParaRPr lang="en-US" dirty="0" smtClean="0"/>
+          </a:p>
+          <a:p>
+            <a:pPr marL="627062" lvl="1" indent="-285750">
+              <a:buFont typeface="Arial" panose="020B0604020202020204" pitchFamily="34" charset="0"/>
+              <a:buChar char="•"/>
+            </a:pPr>
+            <a:r>
+              <a:rPr lang="en-US" dirty="0" err="1" smtClean="0"/>
+              <a:t>Quando</a:t>
+            </a:r>
+            <a:r>
+              <a:rPr lang="en-US" dirty="0" smtClean="0"/>
+              <a:t> </a:t>
+            </a:r>
+            <a:r>
+              <a:rPr lang="en-US" dirty="0" err="1" smtClean="0"/>
+              <a:t>velocidade</a:t>
+            </a:r>
+            <a:r>
+              <a:rPr lang="en-US" dirty="0" smtClean="0"/>
+              <a:t> e </a:t>
+            </a:r>
+            <a:r>
+              <a:rPr lang="en-US" dirty="0" err="1" smtClean="0"/>
+              <a:t>baixa</a:t>
+            </a:r>
+            <a:r>
+              <a:rPr lang="en-US" dirty="0" smtClean="0"/>
+              <a:t> </a:t>
+            </a:r>
+            <a:r>
+              <a:rPr lang="en-US" dirty="0" err="1" smtClean="0"/>
+              <a:t>latência</a:t>
+            </a:r>
+            <a:r>
+              <a:rPr lang="en-US" dirty="0" smtClean="0"/>
+              <a:t> </a:t>
+            </a:r>
+            <a:r>
+              <a:rPr lang="en-US" dirty="0" err="1" smtClean="0"/>
+              <a:t>são</a:t>
+            </a:r>
+            <a:r>
+              <a:rPr lang="en-US" dirty="0" smtClean="0"/>
+              <a:t> </a:t>
+            </a:r>
+            <a:r>
+              <a:rPr lang="en-US" dirty="0" err="1" smtClean="0"/>
+              <a:t>essenciais</a:t>
+            </a:r>
+            <a:endParaRPr lang="en-US" dirty="0"/>
+          </a:p>
+        </p:txBody>
+      </p:sp>
+      <p:pic>
+        <p:nvPicPr>
+          <p:cNvPr id="6" name="Picture 7" descr="CloudFoundryCorp vertical.svg"/>
+          <p:cNvPicPr>
+            <a:picLocks noChangeAspect="1" noChangeArrowheads="1"/>
+          </p:cNvPicPr>
+          <p:nvPr/>
+        </p:nvPicPr>
+        <p:blipFill>
+          <a:blip r:embed="rId2">
+            <a:extLst>
+              <a:ext uri="{28A0092B-C50C-407E-A947-70E740481C1C}">
+                <a14:useLocalDpi xmlns:a14="http://schemas.microsoft.com/office/drawing/2010/main" val="0"/>
+              </a:ext>
+            </a:extLst>
+          </a:blip>
+          <a:srcRect/>
+          <a:stretch>
+            <a:fillRect/>
+          </a:stretch>
+        </p:blipFill>
+        <p:spPr bwMode="auto">
+          <a:xfrm>
+            <a:off x="6630050" y="2327933"/>
+            <a:ext cx="1775119" cy="1067846"/>
+          </a:xfrm>
+          <a:prstGeom prst="rect">
+            <a:avLst/>
+          </a:prstGeom>
+          <a:noFill/>
+          <a:extLst>
+            <a:ext uri="{909E8E84-426E-40DD-AFC4-6F175D3DCCD1}">
+              <a14:hiddenFill xmlns:a14="http://schemas.microsoft.com/office/drawing/2010/main">
+                <a:solidFill>
+                  <a:srgbClr val="FFFFFF"/>
+                </a:solidFill>
+              </a14:hiddenFill>
+            </a:ext>
+          </a:extLst>
+        </p:spPr>
+      </p:pic>
+    </p:spTree>
+    <p:extLst>
+      <p:ext uri="{BB962C8B-B14F-4D97-AF65-F5344CB8AC3E}">
+        <p14:creationId xmlns:p14="http://schemas.microsoft.com/office/powerpoint/2010/main" val="2626778522"/>
+      </p:ext>
+    </p:extLst>
+  </p:cSld>
+  <p:clrMapOvr>
+    <a:masterClrMapping/>
+  </p:clrMapOvr>
+  <p:transition spd="med">
+    <p:wipe dir="r"/>
+  </p:transition>
+</p:sld>
+</file>
+
+<file path=ppt/slides/slide59.xml><?xml version="1.0" encoding="utf-8"?>
+<p:sld xmlns:a="http://schemas.openxmlformats.org/drawingml/2006/main" xmlns:r="http://schemas.openxmlformats.org/officeDocument/2006/relationships" xmlns:p="http://schemas.openxmlformats.org/presentationml/2006/main">
+  <p:cSld>
+    <p:spTree>
+      <p:nvGrpSpPr>
+        <p:cNvPr id="1" name=""/>
+        <p:cNvGrpSpPr/>
+        <p:nvPr/>
+      </p:nvGrpSpPr>
+      <p:grpSpPr>
+        <a:xfrm>
+          <a:off x="0" y="0"/>
+          <a:ext cx="0" cy="0"/>
+          <a:chOff x="0" y="0"/>
+          <a:chExt cx="0" cy="0"/>
+        </a:xfrm>
+      </p:grpSpPr>
+      <p:sp>
+        <p:nvSpPr>
+          <p:cNvPr id="2" name="Title 1"/>
+          <p:cNvSpPr>
+            <a:spLocks noGrp="1"/>
+          </p:cNvSpPr>
+          <p:nvPr>
+            <p:ph type="title"/>
+          </p:nvPr>
+        </p:nvSpPr>
+        <p:spPr/>
+        <p:txBody>
+          <a:bodyPr/>
+          <a:lstStyle/>
+          <a:p>
+            <a:r>
+              <a:rPr lang="en-US" dirty="0" err="1" smtClean="0"/>
+              <a:t>Sumário</a:t>
+            </a:r>
+            <a:endParaRPr lang="en-US" dirty="0"/>
+          </a:p>
+        </p:txBody>
+      </p:sp>
+      <p:sp>
+        <p:nvSpPr>
+          <p:cNvPr id="3" name="Content Placeholder 2"/>
+          <p:cNvSpPr>
+            <a:spLocks noGrp="1"/>
+          </p:cNvSpPr>
+          <p:nvPr>
+            <p:ph sz="quarter" idx="10"/>
+          </p:nvPr>
+        </p:nvSpPr>
+        <p:spPr/>
+        <p:txBody>
+          <a:bodyPr/>
+          <a:lstStyle/>
+          <a:p>
+            <a:pPr marL="285750" indent="-285750">
+              <a:buFont typeface="Arial" panose="020B0604020202020204" pitchFamily="34" charset="0"/>
+              <a:buChar char="•"/>
+            </a:pPr>
+            <a:r>
+              <a:rPr lang="en-US" dirty="0" smtClean="0"/>
+              <a:t>O </a:t>
+            </a:r>
+            <a:r>
+              <a:rPr lang="en-US" dirty="0" err="1" smtClean="0"/>
+              <a:t>Redis</a:t>
+            </a:r>
+            <a:r>
+              <a:rPr lang="en-US" dirty="0" smtClean="0"/>
+              <a:t> é um </a:t>
+            </a:r>
+            <a:r>
+              <a:rPr lang="en-US" dirty="0" err="1" smtClean="0"/>
+              <a:t>repositório</a:t>
+            </a:r>
+            <a:r>
+              <a:rPr lang="en-US" dirty="0" smtClean="0"/>
+              <a:t> de </a:t>
+            </a:r>
+            <a:r>
+              <a:rPr lang="en-US" dirty="0" err="1" smtClean="0"/>
+              <a:t>estruturas</a:t>
+            </a:r>
+            <a:r>
+              <a:rPr lang="en-US" dirty="0" smtClean="0"/>
+              <a:t> de dados NoSQL </a:t>
+            </a:r>
+            <a:r>
+              <a:rPr lang="en-US" dirty="0" err="1" smtClean="0"/>
+              <a:t>em</a:t>
+            </a:r>
+            <a:r>
+              <a:rPr lang="en-US" dirty="0" smtClean="0"/>
+              <a:t> </a:t>
+            </a:r>
+            <a:r>
+              <a:rPr lang="en-US" dirty="0" err="1" smtClean="0"/>
+              <a:t>memória</a:t>
+            </a:r>
+            <a:r>
+              <a:rPr lang="en-US" dirty="0" smtClean="0"/>
+              <a:t> com </a:t>
+            </a:r>
+            <a:r>
+              <a:rPr lang="en-US" dirty="0" err="1" smtClean="0"/>
+              <a:t>persistência</a:t>
+            </a:r>
+            <a:r>
+              <a:rPr lang="en-US" dirty="0" smtClean="0"/>
+              <a:t> de alto </a:t>
+            </a:r>
+            <a:r>
+              <a:rPr lang="en-US" dirty="0" err="1" smtClean="0"/>
+              <a:t>desempenho</a:t>
+            </a:r>
+            <a:endParaRPr lang="en-US" dirty="0" smtClean="0"/>
+          </a:p>
+          <a:p>
+            <a:pPr marL="285750" indent="-285750">
+              <a:buFont typeface="Arial" panose="020B0604020202020204" pitchFamily="34" charset="0"/>
+              <a:buChar char="•"/>
+            </a:pPr>
+            <a:r>
+              <a:rPr lang="en-US" dirty="0" err="1" smtClean="0"/>
+              <a:t>Suporta</a:t>
+            </a:r>
+            <a:r>
+              <a:rPr lang="en-US" dirty="0" smtClean="0"/>
+              <a:t> </a:t>
+            </a:r>
+            <a:r>
+              <a:rPr lang="en-US" dirty="0" err="1" smtClean="0"/>
+              <a:t>várias</a:t>
+            </a:r>
+            <a:r>
+              <a:rPr lang="en-US" dirty="0" smtClean="0"/>
+              <a:t> </a:t>
+            </a:r>
+            <a:r>
+              <a:rPr lang="en-US" dirty="0" err="1" smtClean="0"/>
+              <a:t>estruturas</a:t>
+            </a:r>
+            <a:r>
+              <a:rPr lang="en-US" dirty="0" smtClean="0"/>
+              <a:t> de dados, </a:t>
+            </a:r>
+            <a:r>
+              <a:rPr lang="en-US" dirty="0" err="1" smtClean="0"/>
+              <a:t>permitindo</a:t>
+            </a:r>
+            <a:r>
+              <a:rPr lang="en-US" dirty="0" smtClean="0"/>
+              <a:t> </a:t>
+            </a:r>
+            <a:r>
+              <a:rPr lang="en-US" dirty="0" err="1" smtClean="0"/>
+              <a:t>que</a:t>
+            </a:r>
+            <a:r>
+              <a:rPr lang="en-US" dirty="0" smtClean="0"/>
+              <a:t> o </a:t>
+            </a:r>
+            <a:r>
+              <a:rPr lang="en-US" dirty="0" err="1" smtClean="0"/>
+              <a:t>arquiteto</a:t>
+            </a:r>
+            <a:r>
+              <a:rPr lang="en-US" dirty="0" smtClean="0"/>
+              <a:t> </a:t>
+            </a:r>
+            <a:r>
+              <a:rPr lang="en-US" dirty="0" err="1" smtClean="0"/>
+              <a:t>selecione</a:t>
+            </a:r>
+            <a:r>
+              <a:rPr lang="en-US" dirty="0" smtClean="0"/>
+              <a:t> </a:t>
+            </a:r>
+            <a:r>
+              <a:rPr lang="en-US" dirty="0" err="1" smtClean="0"/>
+              <a:t>qual</a:t>
+            </a:r>
+            <a:r>
+              <a:rPr lang="en-US" dirty="0" smtClean="0"/>
+              <a:t> </a:t>
+            </a:r>
+            <a:r>
+              <a:rPr lang="en-US" dirty="0" err="1" smtClean="0"/>
+              <a:t>melhor</a:t>
+            </a:r>
+            <a:r>
+              <a:rPr lang="en-US" dirty="0" smtClean="0"/>
+              <a:t> serve a </a:t>
+            </a:r>
+            <a:r>
+              <a:rPr lang="en-US" dirty="0" err="1" smtClean="0"/>
+              <a:t>sua</a:t>
+            </a:r>
+            <a:r>
+              <a:rPr lang="en-US" dirty="0" smtClean="0"/>
+              <a:t> </a:t>
+            </a:r>
+            <a:r>
+              <a:rPr lang="en-US" dirty="0" err="1" smtClean="0"/>
+              <a:t>aplicação</a:t>
+            </a:r>
+            <a:endParaRPr lang="en-US" dirty="0" smtClean="0"/>
+          </a:p>
+          <a:p>
+            <a:pPr marL="285750" indent="-285750">
+              <a:buFont typeface="Arial" panose="020B0604020202020204" pitchFamily="34" charset="0"/>
+              <a:buChar char="•"/>
+            </a:pPr>
+            <a:r>
+              <a:rPr lang="en-US" dirty="0" smtClean="0"/>
+              <a:t>É </a:t>
+            </a:r>
+            <a:r>
+              <a:rPr lang="en-US" dirty="0" err="1" smtClean="0"/>
+              <a:t>frequentemente</a:t>
+            </a:r>
+            <a:r>
+              <a:rPr lang="en-US" dirty="0" smtClean="0"/>
+              <a:t> </a:t>
+            </a:r>
+            <a:r>
+              <a:rPr lang="en-US" dirty="0" err="1" smtClean="0"/>
+              <a:t>uma</a:t>
+            </a:r>
+            <a:r>
+              <a:rPr lang="en-US" dirty="0" smtClean="0"/>
+              <a:t> boa </a:t>
+            </a:r>
+            <a:r>
+              <a:rPr lang="en-US" dirty="0" err="1" smtClean="0"/>
+              <a:t>escolha</a:t>
+            </a:r>
+            <a:r>
+              <a:rPr lang="en-US" dirty="0" smtClean="0"/>
+              <a:t> para </a:t>
+            </a:r>
+            <a:r>
+              <a:rPr lang="en-US" dirty="0" err="1" smtClean="0"/>
+              <a:t>casos</a:t>
+            </a:r>
+            <a:r>
+              <a:rPr lang="en-US" dirty="0" smtClean="0"/>
+              <a:t> de </a:t>
+            </a:r>
+            <a:r>
+              <a:rPr lang="en-US" dirty="0" err="1" smtClean="0"/>
+              <a:t>uso</a:t>
+            </a:r>
+            <a:r>
+              <a:rPr lang="en-US" dirty="0" smtClean="0"/>
+              <a:t> </a:t>
+            </a:r>
+            <a:r>
+              <a:rPr lang="en-US" dirty="0" err="1" smtClean="0"/>
+              <a:t>que</a:t>
+            </a:r>
+            <a:r>
+              <a:rPr lang="en-US" dirty="0" smtClean="0"/>
+              <a:t> </a:t>
+            </a:r>
+            <a:r>
+              <a:rPr lang="en-US" dirty="0" err="1" smtClean="0"/>
+              <a:t>exigem</a:t>
+            </a:r>
+            <a:r>
+              <a:rPr lang="en-US" dirty="0" smtClean="0"/>
+              <a:t> </a:t>
+            </a:r>
+            <a:r>
+              <a:rPr lang="en-US" dirty="0" err="1" smtClean="0"/>
+              <a:t>baixa</a:t>
+            </a:r>
+            <a:r>
+              <a:rPr lang="en-US" dirty="0" smtClean="0"/>
+              <a:t> </a:t>
+            </a:r>
+            <a:r>
+              <a:rPr lang="en-US" dirty="0" err="1" smtClean="0"/>
+              <a:t>latência</a:t>
+            </a:r>
+            <a:endParaRPr lang="en-US" dirty="0"/>
+          </a:p>
+        </p:txBody>
+      </p:sp>
+    </p:spTree>
+    <p:extLst>
+      <p:ext uri="{BB962C8B-B14F-4D97-AF65-F5344CB8AC3E}">
+        <p14:creationId xmlns:p14="http://schemas.microsoft.com/office/powerpoint/2010/main" val="4183340094"/>
+      </p:ext>
+    </p:extLst>
+  </p:cSld>
+  <p:clrMapOvr>
+    <a:masterClrMapping/>
+  </p:clrMapOvr>
+  <p:transition spd="med">
+    <p:wipe dir="r"/>
+  </p:transition>
 </p:sld>
 </file>
 
@@ -41620,6 +45294,2409 @@
     <p:extLst>
       <p:ext uri="{BB962C8B-B14F-4D97-AF65-F5344CB8AC3E}">
         <p14:creationId xmlns:p14="http://schemas.microsoft.com/office/powerpoint/2010/main" val="345618724"/>
+      </p:ext>
+    </p:extLst>
+  </p:cSld>
+  <p:clrMapOvr>
+    <a:masterClrMapping/>
+  </p:clrMapOvr>
+  <p:transition spd="med">
+    <p:wipe dir="r"/>
+  </p:transition>
+  <p:timing>
+    <p:tnLst>
+      <p:par>
+        <p:cTn id="1" dur="indefinite" restart="never" nodeType="tmRoot"/>
+      </p:par>
+    </p:tnLst>
+  </p:timing>
+</p:sld>
+</file>
+
+<file path=ppt/slides/slide60.xml><?xml version="1.0" encoding="utf-8"?>
+<p:sld xmlns:a="http://schemas.openxmlformats.org/drawingml/2006/main" xmlns:r="http://schemas.openxmlformats.org/officeDocument/2006/relationships" xmlns:p="http://schemas.openxmlformats.org/presentationml/2006/main">
+  <p:cSld>
+    <p:spTree>
+      <p:nvGrpSpPr>
+        <p:cNvPr id="1" name=""/>
+        <p:cNvGrpSpPr/>
+        <p:nvPr/>
+      </p:nvGrpSpPr>
+      <p:grpSpPr>
+        <a:xfrm>
+          <a:off x="0" y="0"/>
+          <a:ext cx="0" cy="0"/>
+          <a:chOff x="0" y="0"/>
+          <a:chExt cx="0" cy="0"/>
+        </a:xfrm>
+      </p:grpSpPr>
+      <p:sp>
+        <p:nvSpPr>
+          <p:cNvPr id="4" name="Title 3"/>
+          <p:cNvSpPr>
+            <a:spLocks noGrp="1"/>
+          </p:cNvSpPr>
+          <p:nvPr>
+            <p:ph type="title"/>
+          </p:nvPr>
+        </p:nvSpPr>
+        <p:spPr/>
+        <p:txBody>
+          <a:bodyPr>
+            <a:normAutofit/>
+          </a:bodyPr>
+          <a:lstStyle/>
+          <a:p>
+            <a:r>
+              <a:rPr lang="pt-BR" dirty="0" smtClean="0"/>
+              <a:t>Instalação do Redis</a:t>
+            </a:r>
+            <a:endParaRPr lang="en-US" dirty="0"/>
+          </a:p>
+        </p:txBody>
+      </p:sp>
+    </p:spTree>
+    <p:extLst>
+      <p:ext uri="{BB962C8B-B14F-4D97-AF65-F5344CB8AC3E}">
+        <p14:creationId xmlns:p14="http://schemas.microsoft.com/office/powerpoint/2010/main" val="1326852196"/>
+      </p:ext>
+    </p:extLst>
+  </p:cSld>
+  <p:clrMapOvr>
+    <a:masterClrMapping/>
+  </p:clrMapOvr>
+  <p:transition spd="med">
+    <p:wipe dir="r"/>
+  </p:transition>
+  <p:timing>
+    <p:tnLst>
+      <p:par>
+        <p:cTn id="1" dur="indefinite" restart="never" nodeType="tmRoot"/>
+      </p:par>
+    </p:tnLst>
+  </p:timing>
+</p:sld>
+</file>
+
+<file path=ppt/slides/slide61.xml><?xml version="1.0" encoding="utf-8"?>
+<p:sld xmlns:a="http://schemas.openxmlformats.org/drawingml/2006/main" xmlns:r="http://schemas.openxmlformats.org/officeDocument/2006/relationships" xmlns:p="http://schemas.openxmlformats.org/presentationml/2006/main">
+  <p:cSld>
+    <p:spTree>
+      <p:nvGrpSpPr>
+        <p:cNvPr id="1" name=""/>
+        <p:cNvGrpSpPr/>
+        <p:nvPr/>
+      </p:nvGrpSpPr>
+      <p:grpSpPr>
+        <a:xfrm>
+          <a:off x="0" y="0"/>
+          <a:ext cx="0" cy="0"/>
+          <a:chOff x="0" y="0"/>
+          <a:chExt cx="0" cy="0"/>
+        </a:xfrm>
+      </p:grpSpPr>
+      <p:sp>
+        <p:nvSpPr>
+          <p:cNvPr id="2" name="Title 1"/>
+          <p:cNvSpPr>
+            <a:spLocks noGrp="1"/>
+          </p:cNvSpPr>
+          <p:nvPr>
+            <p:ph type="title"/>
+          </p:nvPr>
+        </p:nvSpPr>
+        <p:spPr/>
+        <p:txBody>
+          <a:bodyPr/>
+          <a:lstStyle/>
+          <a:p>
+            <a:r>
+              <a:rPr lang="en-US" dirty="0" err="1" smtClean="0"/>
+              <a:t>Objetivos</a:t>
+            </a:r>
+            <a:r>
+              <a:rPr lang="en-US" dirty="0" smtClean="0"/>
+              <a:t> do </a:t>
+            </a:r>
+            <a:r>
+              <a:rPr lang="en-US" dirty="0" err="1" smtClean="0"/>
+              <a:t>tópico</a:t>
+            </a:r>
+            <a:endParaRPr lang="en-US" dirty="0"/>
+          </a:p>
+        </p:txBody>
+      </p:sp>
+      <p:sp>
+        <p:nvSpPr>
+          <p:cNvPr id="3" name="Content Placeholder 2"/>
+          <p:cNvSpPr>
+            <a:spLocks noGrp="1"/>
+          </p:cNvSpPr>
+          <p:nvPr>
+            <p:ph sz="quarter" idx="10"/>
+          </p:nvPr>
+        </p:nvSpPr>
+        <p:spPr/>
+        <p:txBody>
+          <a:bodyPr/>
+          <a:lstStyle/>
+          <a:p>
+            <a:pPr marL="285750" indent="-285750">
+              <a:buFont typeface="Arial" panose="020B0604020202020204" pitchFamily="34" charset="0"/>
+              <a:buChar char="•"/>
+            </a:pPr>
+            <a:r>
+              <a:rPr lang="en-US" dirty="0" smtClean="0"/>
+              <a:t>Como </a:t>
+            </a:r>
+            <a:r>
+              <a:rPr lang="en-US" dirty="0" err="1" smtClean="0"/>
+              <a:t>instalar</a:t>
+            </a:r>
+            <a:r>
+              <a:rPr lang="en-US" dirty="0" smtClean="0"/>
+              <a:t> o </a:t>
+            </a:r>
+            <a:r>
+              <a:rPr lang="en-US" dirty="0" err="1" smtClean="0"/>
+              <a:t>Redis</a:t>
+            </a:r>
+            <a:r>
+              <a:rPr lang="en-US" dirty="0" smtClean="0"/>
+              <a:t> </a:t>
+            </a:r>
+            <a:r>
+              <a:rPr lang="en-US" dirty="0" err="1" smtClean="0"/>
+              <a:t>em</a:t>
+            </a:r>
+            <a:r>
+              <a:rPr lang="en-US" dirty="0" smtClean="0"/>
+              <a:t> </a:t>
+            </a:r>
+            <a:r>
+              <a:rPr lang="en-US" dirty="0" err="1" smtClean="0"/>
+              <a:t>diferentes</a:t>
+            </a:r>
+            <a:r>
+              <a:rPr lang="en-US" dirty="0" smtClean="0"/>
+              <a:t> </a:t>
+            </a:r>
+            <a:r>
+              <a:rPr lang="en-US" dirty="0" err="1" smtClean="0"/>
+              <a:t>plataformas</a:t>
+            </a:r>
+            <a:endParaRPr lang="en-US" dirty="0" smtClean="0"/>
+          </a:p>
+          <a:p>
+            <a:pPr marL="285750" indent="-285750">
+              <a:buFont typeface="Arial" panose="020B0604020202020204" pitchFamily="34" charset="0"/>
+              <a:buChar char="•"/>
+            </a:pPr>
+            <a:r>
+              <a:rPr lang="en-US" dirty="0" err="1" smtClean="0"/>
+              <a:t>Configuração</a:t>
+            </a:r>
+            <a:r>
+              <a:rPr lang="en-US" dirty="0" smtClean="0"/>
+              <a:t> do </a:t>
+            </a:r>
+            <a:r>
+              <a:rPr lang="en-US" dirty="0" err="1" smtClean="0"/>
+              <a:t>Redis</a:t>
+            </a:r>
+            <a:endParaRPr lang="en-US" dirty="0" smtClean="0"/>
+          </a:p>
+          <a:p>
+            <a:pPr marL="285750" indent="-285750">
+              <a:buFont typeface="Arial" panose="020B0604020202020204" pitchFamily="34" charset="0"/>
+              <a:buChar char="•"/>
+            </a:pPr>
+            <a:r>
+              <a:rPr lang="en-US" dirty="0" err="1" smtClean="0"/>
+              <a:t>Laboratório</a:t>
+            </a:r>
+            <a:r>
+              <a:rPr lang="en-US" dirty="0" smtClean="0"/>
+              <a:t> de </a:t>
+            </a:r>
+            <a:r>
+              <a:rPr lang="en-US" dirty="0" err="1" smtClean="0"/>
+              <a:t>instalação</a:t>
+            </a:r>
+            <a:endParaRPr lang="en-US" dirty="0"/>
+          </a:p>
+        </p:txBody>
+      </p:sp>
+    </p:spTree>
+    <p:extLst>
+      <p:ext uri="{BB962C8B-B14F-4D97-AF65-F5344CB8AC3E}">
+        <p14:creationId xmlns:p14="http://schemas.microsoft.com/office/powerpoint/2010/main" val="2596771936"/>
+      </p:ext>
+    </p:extLst>
+  </p:cSld>
+  <p:clrMapOvr>
+    <a:masterClrMapping/>
+  </p:clrMapOvr>
+  <p:transition spd="med">
+    <p:wipe dir="r"/>
+  </p:transition>
+</p:sld>
+</file>
+
+<file path=ppt/slides/slide62.xml><?xml version="1.0" encoding="utf-8"?>
+<p:sld xmlns:a="http://schemas.openxmlformats.org/drawingml/2006/main" xmlns:r="http://schemas.openxmlformats.org/officeDocument/2006/relationships" xmlns:p="http://schemas.openxmlformats.org/presentationml/2006/main">
+  <p:cSld>
+    <p:spTree>
+      <p:nvGrpSpPr>
+        <p:cNvPr id="1" name=""/>
+        <p:cNvGrpSpPr/>
+        <p:nvPr/>
+      </p:nvGrpSpPr>
+      <p:grpSpPr>
+        <a:xfrm>
+          <a:off x="0" y="0"/>
+          <a:ext cx="0" cy="0"/>
+          <a:chOff x="0" y="0"/>
+          <a:chExt cx="0" cy="0"/>
+        </a:xfrm>
+      </p:grpSpPr>
+      <p:sp>
+        <p:nvSpPr>
+          <p:cNvPr id="2" name="Title 1"/>
+          <p:cNvSpPr>
+            <a:spLocks noGrp="1"/>
+          </p:cNvSpPr>
+          <p:nvPr>
+            <p:ph type="title"/>
+          </p:nvPr>
+        </p:nvSpPr>
+        <p:spPr/>
+        <p:txBody>
+          <a:bodyPr/>
+          <a:lstStyle/>
+          <a:p>
+            <a:r>
+              <a:rPr lang="en-US" dirty="0" err="1" smtClean="0"/>
+              <a:t>Plataformas</a:t>
+            </a:r>
+            <a:endParaRPr lang="en-US" dirty="0"/>
+          </a:p>
+        </p:txBody>
+      </p:sp>
+      <p:sp>
+        <p:nvSpPr>
+          <p:cNvPr id="3" name="Content Placeholder 2"/>
+          <p:cNvSpPr>
+            <a:spLocks noGrp="1"/>
+          </p:cNvSpPr>
+          <p:nvPr>
+            <p:ph sz="quarter" idx="10"/>
+          </p:nvPr>
+        </p:nvSpPr>
+        <p:spPr/>
+        <p:txBody>
+          <a:bodyPr/>
+          <a:lstStyle/>
+          <a:p>
+            <a:pPr marL="285750" indent="-285750">
+              <a:buFont typeface="Arial" panose="020B0604020202020204" pitchFamily="34" charset="0"/>
+              <a:buChar char="•"/>
+            </a:pPr>
+            <a:r>
+              <a:rPr lang="en-US" dirty="0" err="1" smtClean="0"/>
+              <a:t>Suportadas</a:t>
+            </a:r>
+            <a:r>
+              <a:rPr lang="en-US" dirty="0" smtClean="0"/>
+              <a:t> (pela Pivotal)</a:t>
+            </a:r>
+            <a:endParaRPr lang="en-US" dirty="0"/>
+          </a:p>
+          <a:p>
+            <a:pPr marL="627062" lvl="1" indent="-285750">
+              <a:buFont typeface="Arial" panose="020B0604020202020204" pitchFamily="34" charset="0"/>
+              <a:buChar char="•"/>
+            </a:pPr>
+            <a:r>
+              <a:rPr lang="en-US" dirty="0" smtClean="0"/>
+              <a:t>Linux</a:t>
+            </a:r>
+          </a:p>
+          <a:p>
+            <a:pPr marL="627062" lvl="1" indent="-285750">
+              <a:buFont typeface="Arial" panose="020B0604020202020204" pitchFamily="34" charset="0"/>
+              <a:buChar char="•"/>
+            </a:pPr>
+            <a:r>
+              <a:rPr lang="en-US" dirty="0" smtClean="0"/>
+              <a:t>Mac OS</a:t>
+            </a:r>
+          </a:p>
+          <a:p>
+            <a:pPr marL="627062" lvl="1" indent="-285750">
+              <a:buFont typeface="Arial" panose="020B0604020202020204" pitchFamily="34" charset="0"/>
+              <a:buChar char="•"/>
+            </a:pPr>
+            <a:endParaRPr lang="en-US" dirty="0"/>
+          </a:p>
+          <a:p>
+            <a:pPr marL="285750" indent="-285750">
+              <a:buFont typeface="Arial" panose="020B0604020202020204" pitchFamily="34" charset="0"/>
+              <a:buChar char="•"/>
+            </a:pPr>
+            <a:r>
+              <a:rPr lang="en-US" dirty="0" err="1" smtClean="0"/>
+              <a:t>Disponível</a:t>
+            </a:r>
+            <a:r>
+              <a:rPr lang="en-US" dirty="0" smtClean="0"/>
+              <a:t>, </a:t>
+            </a:r>
+            <a:r>
+              <a:rPr lang="en-US" dirty="0" err="1" smtClean="0"/>
+              <a:t>porém</a:t>
+            </a:r>
+            <a:r>
+              <a:rPr lang="en-US" dirty="0" smtClean="0"/>
+              <a:t> </a:t>
+            </a:r>
+            <a:r>
+              <a:rPr lang="en-US" dirty="0" err="1" smtClean="0"/>
+              <a:t>sem</a:t>
+            </a:r>
+            <a:r>
+              <a:rPr lang="en-US" dirty="0" smtClean="0"/>
+              <a:t> </a:t>
+            </a:r>
+            <a:r>
+              <a:rPr lang="en-US" dirty="0" err="1" smtClean="0"/>
+              <a:t>suporte</a:t>
+            </a:r>
+            <a:r>
+              <a:rPr lang="en-US" dirty="0" smtClean="0"/>
+              <a:t>:</a:t>
+            </a:r>
+          </a:p>
+          <a:p>
+            <a:pPr marL="627062" lvl="1" indent="-285750">
+              <a:buFont typeface="Arial" panose="020B0604020202020204" pitchFamily="34" charset="0"/>
+              <a:buChar char="•"/>
+            </a:pPr>
+            <a:r>
+              <a:rPr lang="en-US" dirty="0" smtClean="0"/>
+              <a:t>ARM (</a:t>
+            </a:r>
+            <a:r>
+              <a:rPr lang="en-US" dirty="0" err="1" smtClean="0"/>
+              <a:t>Redis</a:t>
+            </a:r>
+            <a:r>
+              <a:rPr lang="en-US" dirty="0" smtClean="0"/>
+              <a:t> 4.0+)</a:t>
+            </a:r>
+          </a:p>
+          <a:p>
+            <a:pPr marL="627062" lvl="1" indent="-285750">
+              <a:buFont typeface="Arial" panose="020B0604020202020204" pitchFamily="34" charset="0"/>
+              <a:buChar char="•"/>
+            </a:pPr>
+            <a:r>
+              <a:rPr lang="en-US" dirty="0" smtClean="0"/>
+              <a:t>Raspberry Pi (</a:t>
+            </a:r>
+            <a:r>
+              <a:rPr lang="en-US" dirty="0" err="1" smtClean="0"/>
+              <a:t>Redis</a:t>
+            </a:r>
+            <a:r>
+              <a:rPr lang="en-US" dirty="0" smtClean="0"/>
+              <a:t> 4.0+)</a:t>
+            </a:r>
+          </a:p>
+          <a:p>
+            <a:pPr marL="627062" lvl="1" indent="-285750">
+              <a:buFont typeface="Arial" panose="020B0604020202020204" pitchFamily="34" charset="0"/>
+              <a:buChar char="•"/>
+            </a:pPr>
+            <a:r>
+              <a:rPr lang="en-US" dirty="0" smtClean="0"/>
+              <a:t>Windows 64-bit (</a:t>
+            </a:r>
+            <a:r>
+              <a:rPr lang="en-US" dirty="0" smtClean="0">
+                <a:hlinkClick r:id="rId2"/>
+              </a:rPr>
+              <a:t>Microsoft Open Tech Group</a:t>
+            </a:r>
+            <a:r>
+              <a:rPr lang="en-US" dirty="0" smtClean="0"/>
+              <a:t>)</a:t>
+            </a:r>
+            <a:endParaRPr lang="en-US" dirty="0"/>
+          </a:p>
+        </p:txBody>
+      </p:sp>
+    </p:spTree>
+    <p:extLst>
+      <p:ext uri="{BB962C8B-B14F-4D97-AF65-F5344CB8AC3E}">
+        <p14:creationId xmlns:p14="http://schemas.microsoft.com/office/powerpoint/2010/main" val="1377297077"/>
+      </p:ext>
+    </p:extLst>
+  </p:cSld>
+  <p:clrMapOvr>
+    <a:masterClrMapping/>
+  </p:clrMapOvr>
+  <p:transition spd="med">
+    <p:wipe dir="r"/>
+  </p:transition>
+</p:sld>
+</file>
+
+<file path=ppt/slides/slide63.xml><?xml version="1.0" encoding="utf-8"?>
+<p:sld xmlns:a="http://schemas.openxmlformats.org/drawingml/2006/main" xmlns:r="http://schemas.openxmlformats.org/officeDocument/2006/relationships" xmlns:p="http://schemas.openxmlformats.org/presentationml/2006/main">
+  <p:cSld>
+    <p:spTree>
+      <p:nvGrpSpPr>
+        <p:cNvPr id="1" name=""/>
+        <p:cNvGrpSpPr/>
+        <p:nvPr/>
+      </p:nvGrpSpPr>
+      <p:grpSpPr>
+        <a:xfrm>
+          <a:off x="0" y="0"/>
+          <a:ext cx="0" cy="0"/>
+          <a:chOff x="0" y="0"/>
+          <a:chExt cx="0" cy="0"/>
+        </a:xfrm>
+      </p:grpSpPr>
+      <p:sp>
+        <p:nvSpPr>
+          <p:cNvPr id="2" name="Title 1"/>
+          <p:cNvSpPr>
+            <a:spLocks noGrp="1"/>
+          </p:cNvSpPr>
+          <p:nvPr>
+            <p:ph type="title"/>
+          </p:nvPr>
+        </p:nvSpPr>
+        <p:spPr/>
+        <p:txBody>
+          <a:bodyPr/>
+          <a:lstStyle/>
+          <a:p>
+            <a:r>
+              <a:rPr lang="en-US" dirty="0" err="1" smtClean="0"/>
+              <a:t>Instalação</a:t>
+            </a:r>
+            <a:r>
+              <a:rPr lang="en-US" dirty="0" smtClean="0"/>
+              <a:t> do </a:t>
+            </a:r>
+            <a:r>
+              <a:rPr lang="en-US" dirty="0" err="1" smtClean="0"/>
+              <a:t>Redis</a:t>
+            </a:r>
+            <a:endParaRPr lang="en-US" dirty="0"/>
+          </a:p>
+        </p:txBody>
+      </p:sp>
+      <p:sp>
+        <p:nvSpPr>
+          <p:cNvPr id="3" name="Content Placeholder 2"/>
+          <p:cNvSpPr>
+            <a:spLocks noGrp="1"/>
+          </p:cNvSpPr>
+          <p:nvPr>
+            <p:ph sz="quarter" idx="10"/>
+          </p:nvPr>
+        </p:nvSpPr>
+        <p:spPr/>
+        <p:txBody>
+          <a:bodyPr/>
+          <a:lstStyle/>
+          <a:p>
+            <a:pPr marL="285750" indent="-285750">
+              <a:buFont typeface="Arial" panose="020B0604020202020204" pitchFamily="34" charset="0"/>
+              <a:buChar char="•"/>
+            </a:pPr>
+            <a:endParaRPr lang="en-US" dirty="0" smtClean="0"/>
+          </a:p>
+          <a:p>
+            <a:pPr marL="285750" indent="-285750">
+              <a:buFont typeface="Arial" panose="020B0604020202020204" pitchFamily="34" charset="0"/>
+              <a:buChar char="•"/>
+            </a:pPr>
+            <a:r>
+              <a:rPr lang="en-US" dirty="0" err="1" smtClean="0"/>
+              <a:t>Compilando</a:t>
+            </a:r>
+            <a:r>
+              <a:rPr lang="en-US" dirty="0" smtClean="0"/>
+              <a:t> e </a:t>
+            </a:r>
+            <a:r>
+              <a:rPr lang="en-US" dirty="0" err="1" smtClean="0"/>
+              <a:t>instalando</a:t>
+            </a:r>
+            <a:r>
+              <a:rPr lang="en-US" dirty="0" smtClean="0"/>
+              <a:t> do </a:t>
+            </a:r>
+            <a:r>
+              <a:rPr lang="en-US" dirty="0" err="1" smtClean="0"/>
+              <a:t>código-fonte</a:t>
+            </a:r>
+            <a:r>
+              <a:rPr lang="en-US" dirty="0" smtClean="0"/>
+              <a:t> (</a:t>
+            </a:r>
+            <a:r>
+              <a:rPr lang="en-US" dirty="0" err="1" smtClean="0"/>
+              <a:t>versão</a:t>
+            </a:r>
+            <a:r>
+              <a:rPr lang="en-US" dirty="0" smtClean="0"/>
+              <a:t> 3.x)</a:t>
+            </a:r>
+          </a:p>
+          <a:p>
+            <a:pPr marL="627062" lvl="1" indent="-285750">
+              <a:buFont typeface="Arial" panose="020B0604020202020204" pitchFamily="34" charset="0"/>
+              <a:buChar char="•"/>
+            </a:pPr>
+            <a:r>
+              <a:rPr lang="en-US" dirty="0" smtClean="0">
+                <a:hlinkClick r:id="rId2"/>
+              </a:rPr>
+              <a:t>http://redis.io/download</a:t>
+            </a:r>
+            <a:endParaRPr lang="en-US" dirty="0" smtClean="0"/>
+          </a:p>
+          <a:p>
+            <a:pPr marL="627062" lvl="1" indent="-285750">
+              <a:buFont typeface="Arial" panose="020B0604020202020204" pitchFamily="34" charset="0"/>
+              <a:buChar char="•"/>
+            </a:pPr>
+            <a:endParaRPr lang="en-US" dirty="0" smtClean="0"/>
+          </a:p>
+          <a:p>
+            <a:pPr marL="627062" lvl="1" indent="-285750">
+              <a:buFont typeface="Arial" panose="020B0604020202020204" pitchFamily="34" charset="0"/>
+              <a:buChar char="•"/>
+            </a:pPr>
+            <a:endParaRPr lang="en-US" dirty="0" smtClean="0"/>
+          </a:p>
+          <a:p>
+            <a:pPr marL="285750" indent="-285750">
+              <a:buFont typeface="Arial" panose="020B0604020202020204" pitchFamily="34" charset="0"/>
+              <a:buChar char="•"/>
+            </a:pPr>
+            <a:endParaRPr lang="en-US" dirty="0" smtClean="0"/>
+          </a:p>
+          <a:p>
+            <a:pPr marL="285750" indent="-285750">
+              <a:buFont typeface="Arial" panose="020B0604020202020204" pitchFamily="34" charset="0"/>
+              <a:buChar char="•"/>
+            </a:pPr>
+            <a:r>
+              <a:rPr lang="en-US" dirty="0" err="1" smtClean="0"/>
+              <a:t>Instalando</a:t>
+            </a:r>
+            <a:r>
+              <a:rPr lang="en-US" dirty="0" smtClean="0"/>
+              <a:t> </a:t>
+            </a:r>
+            <a:r>
+              <a:rPr lang="en-US" dirty="0" err="1" smtClean="0"/>
+              <a:t>os</a:t>
+            </a:r>
+            <a:r>
+              <a:rPr lang="en-US" dirty="0" smtClean="0"/>
+              <a:t> </a:t>
+            </a:r>
+            <a:r>
+              <a:rPr lang="en-US" dirty="0" err="1" smtClean="0"/>
+              <a:t>binários</a:t>
+            </a:r>
+            <a:r>
+              <a:rPr lang="en-US" dirty="0" smtClean="0"/>
+              <a:t> no Windows</a:t>
+            </a:r>
+          </a:p>
+          <a:p>
+            <a:pPr marL="627062" lvl="1" indent="-285750">
+              <a:buFont typeface="Arial" panose="020B0604020202020204" pitchFamily="34" charset="0"/>
+              <a:buChar char="•"/>
+            </a:pPr>
+            <a:r>
+              <a:rPr lang="en-US" dirty="0">
+                <a:hlinkClick r:id="rId3"/>
+              </a:rPr>
+              <a:t>https://</a:t>
+            </a:r>
+            <a:r>
+              <a:rPr lang="en-US" dirty="0" smtClean="0">
+                <a:hlinkClick r:id="rId3"/>
+              </a:rPr>
+              <a:t>github.com/MSOpenTech/redis4</a:t>
+            </a:r>
+            <a:endParaRPr lang="en-US" dirty="0" smtClean="0"/>
+          </a:p>
+          <a:p>
+            <a:pPr lvl="1"/>
+            <a:endParaRPr lang="en-US" dirty="0"/>
+          </a:p>
+        </p:txBody>
+      </p:sp>
+    </p:spTree>
+    <p:extLst>
+      <p:ext uri="{BB962C8B-B14F-4D97-AF65-F5344CB8AC3E}">
+        <p14:creationId xmlns:p14="http://schemas.microsoft.com/office/powerpoint/2010/main" val="3016973037"/>
+      </p:ext>
+    </p:extLst>
+  </p:cSld>
+  <p:clrMapOvr>
+    <a:masterClrMapping/>
+  </p:clrMapOvr>
+  <p:transition spd="med">
+    <p:wipe dir="r"/>
+  </p:transition>
+</p:sld>
+</file>
+
+<file path=ppt/slides/slide64.xml><?xml version="1.0" encoding="utf-8"?>
+<p:sld xmlns:a="http://schemas.openxmlformats.org/drawingml/2006/main" xmlns:r="http://schemas.openxmlformats.org/officeDocument/2006/relationships" xmlns:p="http://schemas.openxmlformats.org/presentationml/2006/main">
+  <p:cSld>
+    <p:spTree>
+      <p:nvGrpSpPr>
+        <p:cNvPr id="1" name=""/>
+        <p:cNvGrpSpPr/>
+        <p:nvPr/>
+      </p:nvGrpSpPr>
+      <p:grpSpPr>
+        <a:xfrm>
+          <a:off x="0" y="0"/>
+          <a:ext cx="0" cy="0"/>
+          <a:chOff x="0" y="0"/>
+          <a:chExt cx="0" cy="0"/>
+        </a:xfrm>
+      </p:grpSpPr>
+      <p:sp>
+        <p:nvSpPr>
+          <p:cNvPr id="2" name="Title 1"/>
+          <p:cNvSpPr>
+            <a:spLocks noGrp="1"/>
+          </p:cNvSpPr>
+          <p:nvPr>
+            <p:ph type="title"/>
+          </p:nvPr>
+        </p:nvSpPr>
+        <p:spPr/>
+        <p:txBody>
+          <a:bodyPr/>
+          <a:lstStyle/>
+          <a:p>
+            <a:r>
+              <a:rPr lang="en-US" dirty="0" err="1" smtClean="0"/>
+              <a:t>Instalando</a:t>
+            </a:r>
+            <a:r>
+              <a:rPr lang="en-US" dirty="0" smtClean="0"/>
+              <a:t> do </a:t>
+            </a:r>
+            <a:r>
+              <a:rPr lang="en-US" dirty="0" err="1" smtClean="0"/>
+              <a:t>código-fonte</a:t>
+            </a:r>
+            <a:endParaRPr lang="en-US" dirty="0"/>
+          </a:p>
+        </p:txBody>
+      </p:sp>
+      <p:sp>
+        <p:nvSpPr>
+          <p:cNvPr id="3" name="Content Placeholder 2"/>
+          <p:cNvSpPr>
+            <a:spLocks noGrp="1"/>
+          </p:cNvSpPr>
+          <p:nvPr>
+            <p:ph sz="quarter" idx="10"/>
+          </p:nvPr>
+        </p:nvSpPr>
+        <p:spPr/>
+        <p:txBody>
+          <a:bodyPr/>
+          <a:lstStyle/>
+          <a:p>
+            <a:pPr marL="285750" lvl="1" indent="-285750">
+              <a:spcBef>
+                <a:spcPts val="1200"/>
+              </a:spcBef>
+              <a:buFont typeface="+mj-lt"/>
+              <a:buAutoNum type="arabicPeriod"/>
+            </a:pPr>
+            <a:r>
+              <a:rPr lang="en-US" sz="1400" dirty="0" smtClean="0"/>
+              <a:t>Download da </a:t>
+            </a:r>
+            <a:r>
+              <a:rPr lang="en-US" sz="1400" dirty="0" err="1" smtClean="0"/>
+              <a:t>última</a:t>
+            </a:r>
+            <a:r>
+              <a:rPr lang="en-US" sz="1400" dirty="0" smtClean="0"/>
+              <a:t> </a:t>
+            </a:r>
+            <a:r>
+              <a:rPr lang="en-US" sz="1400" dirty="0" err="1" smtClean="0"/>
+              <a:t>versão</a:t>
+            </a:r>
+            <a:r>
+              <a:rPr lang="en-US" sz="1400" dirty="0" smtClean="0"/>
+              <a:t> </a:t>
+            </a:r>
+            <a:r>
+              <a:rPr lang="en-US" sz="1400" dirty="0" err="1" smtClean="0"/>
+              <a:t>estável</a:t>
+            </a:r>
+            <a:r>
+              <a:rPr lang="en-US" sz="1400" dirty="0" smtClean="0"/>
+              <a:t> </a:t>
+            </a:r>
+            <a:r>
+              <a:rPr lang="en-US" sz="1400" dirty="0" err="1" smtClean="0"/>
+              <a:t>em</a:t>
+            </a:r>
+            <a:r>
+              <a:rPr lang="en-US" sz="1400" dirty="0" smtClean="0"/>
+              <a:t> </a:t>
+            </a:r>
+            <a:r>
+              <a:rPr lang="en-US" sz="1400" dirty="0">
+                <a:hlinkClick r:id="rId2"/>
+              </a:rPr>
+              <a:t>http://</a:t>
+            </a:r>
+            <a:r>
+              <a:rPr lang="en-US" sz="1400" dirty="0" smtClean="0">
+                <a:hlinkClick r:id="rId2"/>
+              </a:rPr>
+              <a:t>redis.io/download</a:t>
+            </a:r>
+            <a:endParaRPr lang="en-US" sz="1400" dirty="0" smtClean="0"/>
+          </a:p>
+          <a:p>
+            <a:pPr marL="285750" lvl="1" indent="-285750">
+              <a:spcBef>
+                <a:spcPts val="1200"/>
+              </a:spcBef>
+              <a:buFont typeface="+mj-lt"/>
+              <a:buAutoNum type="arabicPeriod"/>
+            </a:pPr>
+            <a:endParaRPr lang="en-US" sz="1400" dirty="0" smtClean="0"/>
+          </a:p>
+          <a:p>
+            <a:pPr marL="285750" lvl="1" indent="-285750">
+              <a:spcBef>
+                <a:spcPts val="1200"/>
+              </a:spcBef>
+              <a:buFont typeface="+mj-lt"/>
+              <a:buAutoNum type="arabicPeriod"/>
+            </a:pPr>
+            <a:r>
+              <a:rPr lang="en-US" sz="1400" dirty="0" err="1" smtClean="0"/>
+              <a:t>Extrair</a:t>
+            </a:r>
+            <a:endParaRPr lang="en-US" sz="1400" dirty="0" smtClean="0"/>
+          </a:p>
+          <a:p>
+            <a:pPr marL="285750" lvl="1" indent="-285750">
+              <a:spcBef>
+                <a:spcPts val="1200"/>
+              </a:spcBef>
+              <a:buFont typeface="+mj-lt"/>
+              <a:buAutoNum type="arabicPeriod"/>
+            </a:pPr>
+            <a:endParaRPr lang="en-US" sz="1400" dirty="0"/>
+          </a:p>
+          <a:p>
+            <a:pPr marL="285750" lvl="1" indent="-285750">
+              <a:spcBef>
+                <a:spcPts val="1200"/>
+              </a:spcBef>
+              <a:buFont typeface="+mj-lt"/>
+              <a:buAutoNum type="arabicPeriod"/>
+            </a:pPr>
+            <a:r>
+              <a:rPr lang="en-US" sz="1400" dirty="0" smtClean="0"/>
+              <a:t>Make</a:t>
+            </a:r>
+          </a:p>
+          <a:p>
+            <a:pPr marL="285750" lvl="1" indent="-285750">
+              <a:spcBef>
+                <a:spcPts val="1200"/>
+              </a:spcBef>
+              <a:buFont typeface="+mj-lt"/>
+              <a:buAutoNum type="arabicPeriod"/>
+            </a:pPr>
+            <a:endParaRPr lang="en-US" sz="1400" dirty="0" smtClean="0"/>
+          </a:p>
+          <a:p>
+            <a:pPr marL="285750" lvl="1" indent="-285750">
+              <a:spcBef>
+                <a:spcPts val="1200"/>
+              </a:spcBef>
+              <a:buFont typeface="+mj-lt"/>
+              <a:buAutoNum type="arabicPeriod"/>
+            </a:pPr>
+            <a:endParaRPr lang="en-US" sz="1400" dirty="0" smtClean="0"/>
+          </a:p>
+          <a:p>
+            <a:pPr marL="285750" lvl="1" indent="-285750">
+              <a:spcBef>
+                <a:spcPts val="1200"/>
+              </a:spcBef>
+              <a:buFont typeface="+mj-lt"/>
+              <a:buAutoNum type="arabicPeriod"/>
+            </a:pPr>
+            <a:r>
+              <a:rPr lang="en-US" sz="1400" dirty="0" smtClean="0"/>
+              <a:t>Test</a:t>
+            </a:r>
+          </a:p>
+          <a:p>
+            <a:pPr marL="285750" indent="-285750">
+              <a:buFont typeface="Arial" panose="020B0604020202020204" pitchFamily="34" charset="0"/>
+              <a:buChar char="•"/>
+            </a:pPr>
+            <a:endParaRPr lang="en-US" dirty="0"/>
+          </a:p>
+        </p:txBody>
+      </p:sp>
+      <p:sp>
+        <p:nvSpPr>
+          <p:cNvPr id="4" name="TextBox 3"/>
+          <p:cNvSpPr txBox="1"/>
+          <p:nvPr/>
+        </p:nvSpPr>
+        <p:spPr>
+          <a:xfrm>
+            <a:off x="1451610" y="1697771"/>
+            <a:ext cx="6736139" cy="307777"/>
+          </a:xfrm>
+          <a:prstGeom prst="rect">
+            <a:avLst/>
+          </a:prstGeom>
+          <a:solidFill>
+            <a:schemeClr val="bg2"/>
+          </a:solidFill>
+        </p:spPr>
+        <p:txBody>
+          <a:bodyPr wrap="none" rtlCol="0">
+            <a:spAutoFit/>
+          </a:bodyPr>
+          <a:lstStyle/>
+          <a:p>
+            <a:pPr>
+              <a:spcBef>
+                <a:spcPts val="0"/>
+              </a:spcBef>
+              <a:spcAft>
+                <a:spcPts val="0"/>
+              </a:spcAft>
+              <a:buClr>
+                <a:schemeClr val="bg1"/>
+              </a:buClr>
+            </a:pPr>
+            <a:r>
+              <a:rPr lang="en-US" sz="1400" dirty="0" smtClean="0">
+                <a:solidFill>
+                  <a:schemeClr val="tx2"/>
+                </a:solidFill>
+                <a:latin typeface="Courier New" panose="02070309020205020404" pitchFamily="49" charset="0"/>
+                <a:cs typeface="Courier New" panose="02070309020205020404" pitchFamily="49" charset="0"/>
+              </a:rPr>
+              <a:t>curl –O http</a:t>
+            </a:r>
+            <a:r>
+              <a:rPr lang="en-US" sz="1400" dirty="0">
+                <a:solidFill>
+                  <a:schemeClr val="tx2"/>
+                </a:solidFill>
+                <a:latin typeface="Courier New" panose="02070309020205020404" pitchFamily="49" charset="0"/>
+                <a:cs typeface="Courier New" panose="02070309020205020404" pitchFamily="49" charset="0"/>
+              </a:rPr>
+              <a:t>://download.redis.io/releases/redis-3.2.9.tar.gz</a:t>
+            </a:r>
+            <a:endParaRPr lang="en-US" sz="1400" dirty="0" smtClean="0">
+              <a:solidFill>
+                <a:schemeClr val="tx2"/>
+              </a:solidFill>
+              <a:latin typeface="Courier New" panose="02070309020205020404" pitchFamily="49" charset="0"/>
+              <a:cs typeface="Courier New" panose="02070309020205020404" pitchFamily="49" charset="0"/>
+            </a:endParaRPr>
+          </a:p>
+        </p:txBody>
+      </p:sp>
+      <p:sp>
+        <p:nvSpPr>
+          <p:cNvPr id="5" name="TextBox 4"/>
+          <p:cNvSpPr txBox="1"/>
+          <p:nvPr/>
+        </p:nvSpPr>
+        <p:spPr>
+          <a:xfrm>
+            <a:off x="1451610" y="2341661"/>
+            <a:ext cx="6736139" cy="307777"/>
+          </a:xfrm>
+          <a:prstGeom prst="rect">
+            <a:avLst/>
+          </a:prstGeom>
+          <a:solidFill>
+            <a:schemeClr val="bg2"/>
+          </a:solidFill>
+        </p:spPr>
+        <p:txBody>
+          <a:bodyPr wrap="square" rtlCol="0">
+            <a:spAutoFit/>
+          </a:bodyPr>
+          <a:lstStyle/>
+          <a:p>
+            <a:pPr>
+              <a:spcBef>
+                <a:spcPts val="0"/>
+              </a:spcBef>
+              <a:spcAft>
+                <a:spcPts val="0"/>
+              </a:spcAft>
+              <a:buClr>
+                <a:schemeClr val="bg1"/>
+              </a:buClr>
+            </a:pPr>
+            <a:r>
+              <a:rPr lang="en-US" sz="1400" dirty="0" smtClean="0">
+                <a:solidFill>
+                  <a:schemeClr val="tx2"/>
+                </a:solidFill>
+                <a:latin typeface="Courier New" panose="02070309020205020404" pitchFamily="49" charset="0"/>
+                <a:cs typeface="Courier New" panose="02070309020205020404" pitchFamily="49" charset="0"/>
+              </a:rPr>
+              <a:t>tar –</a:t>
+            </a:r>
+            <a:r>
+              <a:rPr lang="en-US" sz="1400" dirty="0" err="1" smtClean="0">
+                <a:solidFill>
+                  <a:schemeClr val="tx2"/>
+                </a:solidFill>
+                <a:latin typeface="Courier New" panose="02070309020205020404" pitchFamily="49" charset="0"/>
+                <a:cs typeface="Courier New" panose="02070309020205020404" pitchFamily="49" charset="0"/>
+              </a:rPr>
+              <a:t>xvzf</a:t>
+            </a:r>
+            <a:r>
+              <a:rPr lang="en-US" sz="1400" dirty="0" smtClean="0">
+                <a:solidFill>
+                  <a:schemeClr val="tx2"/>
+                </a:solidFill>
+                <a:latin typeface="Courier New" panose="02070309020205020404" pitchFamily="49" charset="0"/>
+                <a:cs typeface="Courier New" panose="02070309020205020404" pitchFamily="49" charset="0"/>
+              </a:rPr>
+              <a:t> redis-3.2.9.tar.gz</a:t>
+            </a:r>
+          </a:p>
+        </p:txBody>
+      </p:sp>
+      <p:sp>
+        <p:nvSpPr>
+          <p:cNvPr id="6" name="TextBox 5"/>
+          <p:cNvSpPr txBox="1"/>
+          <p:nvPr/>
+        </p:nvSpPr>
+        <p:spPr>
+          <a:xfrm>
+            <a:off x="1451610" y="3065561"/>
+            <a:ext cx="6736139" cy="523220"/>
+          </a:xfrm>
+          <a:prstGeom prst="rect">
+            <a:avLst/>
+          </a:prstGeom>
+          <a:solidFill>
+            <a:schemeClr val="bg2"/>
+          </a:solidFill>
+        </p:spPr>
+        <p:txBody>
+          <a:bodyPr wrap="square" rtlCol="0">
+            <a:spAutoFit/>
+          </a:bodyPr>
+          <a:lstStyle/>
+          <a:p>
+            <a:pPr>
+              <a:spcBef>
+                <a:spcPts val="0"/>
+              </a:spcBef>
+              <a:spcAft>
+                <a:spcPts val="0"/>
+              </a:spcAft>
+              <a:buClr>
+                <a:schemeClr val="bg1"/>
+              </a:buClr>
+            </a:pPr>
+            <a:r>
+              <a:rPr lang="en-US" sz="1400" dirty="0">
+                <a:solidFill>
+                  <a:schemeClr val="tx2"/>
+                </a:solidFill>
+                <a:latin typeface="Courier New" panose="02070309020205020404" pitchFamily="49" charset="0"/>
+                <a:cs typeface="Courier New" panose="02070309020205020404" pitchFamily="49" charset="0"/>
+              </a:rPr>
+              <a:t>c</a:t>
+            </a:r>
+            <a:r>
+              <a:rPr lang="en-US" sz="1400" dirty="0" smtClean="0">
+                <a:solidFill>
+                  <a:schemeClr val="tx2"/>
+                </a:solidFill>
+                <a:latin typeface="Courier New" panose="02070309020205020404" pitchFamily="49" charset="0"/>
+                <a:cs typeface="Courier New" panose="02070309020205020404" pitchFamily="49" charset="0"/>
+              </a:rPr>
+              <a:t>d redis-3.2.9</a:t>
+            </a:r>
+          </a:p>
+          <a:p>
+            <a:pPr>
+              <a:spcBef>
+                <a:spcPts val="0"/>
+              </a:spcBef>
+              <a:spcAft>
+                <a:spcPts val="0"/>
+              </a:spcAft>
+              <a:buClr>
+                <a:schemeClr val="bg1"/>
+              </a:buClr>
+            </a:pPr>
+            <a:r>
+              <a:rPr lang="en-US" sz="1400" dirty="0" smtClean="0">
+                <a:solidFill>
+                  <a:schemeClr val="tx2"/>
+                </a:solidFill>
+                <a:latin typeface="Courier New" panose="02070309020205020404" pitchFamily="49" charset="0"/>
+                <a:cs typeface="Courier New" panose="02070309020205020404" pitchFamily="49" charset="0"/>
+              </a:rPr>
+              <a:t>make</a:t>
+            </a:r>
+          </a:p>
+        </p:txBody>
+      </p:sp>
+      <p:sp>
+        <p:nvSpPr>
+          <p:cNvPr id="7" name="TextBox 6"/>
+          <p:cNvSpPr txBox="1"/>
+          <p:nvPr/>
+        </p:nvSpPr>
+        <p:spPr>
+          <a:xfrm>
+            <a:off x="1451610" y="4063781"/>
+            <a:ext cx="6736139" cy="307777"/>
+          </a:xfrm>
+          <a:prstGeom prst="rect">
+            <a:avLst/>
+          </a:prstGeom>
+          <a:solidFill>
+            <a:schemeClr val="bg2"/>
+          </a:solidFill>
+        </p:spPr>
+        <p:txBody>
+          <a:bodyPr wrap="square" rtlCol="0">
+            <a:spAutoFit/>
+          </a:bodyPr>
+          <a:lstStyle/>
+          <a:p>
+            <a:pPr>
+              <a:spcBef>
+                <a:spcPts val="0"/>
+              </a:spcBef>
+              <a:spcAft>
+                <a:spcPts val="0"/>
+              </a:spcAft>
+              <a:buClr>
+                <a:schemeClr val="bg1"/>
+              </a:buClr>
+            </a:pPr>
+            <a:r>
+              <a:rPr lang="en-US" sz="1400" dirty="0" smtClean="0">
+                <a:solidFill>
+                  <a:schemeClr val="tx2"/>
+                </a:solidFill>
+                <a:latin typeface="Courier New" panose="02070309020205020404" pitchFamily="49" charset="0"/>
+                <a:cs typeface="Courier New" panose="02070309020205020404" pitchFamily="49" charset="0"/>
+              </a:rPr>
+              <a:t>make test</a:t>
+            </a:r>
+          </a:p>
+        </p:txBody>
+      </p:sp>
+    </p:spTree>
+    <p:extLst>
+      <p:ext uri="{BB962C8B-B14F-4D97-AF65-F5344CB8AC3E}">
+        <p14:creationId xmlns:p14="http://schemas.microsoft.com/office/powerpoint/2010/main" val="2399595561"/>
+      </p:ext>
+    </p:extLst>
+  </p:cSld>
+  <p:clrMapOvr>
+    <a:masterClrMapping/>
+  </p:clrMapOvr>
+  <p:transition spd="med">
+    <p:wipe dir="r"/>
+  </p:transition>
+</p:sld>
+</file>
+
+<file path=ppt/slides/slide65.xml><?xml version="1.0" encoding="utf-8"?>
+<p:sld xmlns:a="http://schemas.openxmlformats.org/drawingml/2006/main" xmlns:r="http://schemas.openxmlformats.org/officeDocument/2006/relationships" xmlns:p="http://schemas.openxmlformats.org/presentationml/2006/main">
+  <p:cSld>
+    <p:spTree>
+      <p:nvGrpSpPr>
+        <p:cNvPr id="1" name=""/>
+        <p:cNvGrpSpPr/>
+        <p:nvPr/>
+      </p:nvGrpSpPr>
+      <p:grpSpPr>
+        <a:xfrm>
+          <a:off x="0" y="0"/>
+          <a:ext cx="0" cy="0"/>
+          <a:chOff x="0" y="0"/>
+          <a:chExt cx="0" cy="0"/>
+        </a:xfrm>
+      </p:grpSpPr>
+      <p:sp>
+        <p:nvSpPr>
+          <p:cNvPr id="2" name="Title 1"/>
+          <p:cNvSpPr>
+            <a:spLocks noGrp="1"/>
+          </p:cNvSpPr>
+          <p:nvPr>
+            <p:ph type="title"/>
+          </p:nvPr>
+        </p:nvSpPr>
+        <p:spPr/>
+        <p:txBody>
+          <a:bodyPr/>
+          <a:lstStyle/>
+          <a:p>
+            <a:r>
+              <a:rPr lang="en-US" dirty="0" err="1" smtClean="0"/>
+              <a:t>Instalando</a:t>
+            </a:r>
+            <a:r>
+              <a:rPr lang="en-US" dirty="0" smtClean="0"/>
+              <a:t> do </a:t>
+            </a:r>
+            <a:r>
+              <a:rPr lang="en-US" dirty="0" err="1" smtClean="0"/>
+              <a:t>código-fonte</a:t>
+            </a:r>
+            <a:endParaRPr lang="en-US" dirty="0"/>
+          </a:p>
+        </p:txBody>
+      </p:sp>
+      <p:sp>
+        <p:nvSpPr>
+          <p:cNvPr id="3" name="Content Placeholder 2"/>
+          <p:cNvSpPr>
+            <a:spLocks noGrp="1"/>
+          </p:cNvSpPr>
+          <p:nvPr>
+            <p:ph sz="quarter" idx="10"/>
+          </p:nvPr>
+        </p:nvSpPr>
+        <p:spPr/>
+        <p:txBody>
+          <a:bodyPr/>
+          <a:lstStyle/>
+          <a:p>
+            <a:pPr marL="285750" lvl="1" indent="-285750">
+              <a:spcBef>
+                <a:spcPts val="1200"/>
+              </a:spcBef>
+              <a:buFont typeface="Arial" pitchFamily="34" charset="0"/>
+              <a:buChar char="•"/>
+            </a:pPr>
+            <a:r>
+              <a:rPr lang="en-US" sz="1400" dirty="0" err="1"/>
+              <a:t>Executar</a:t>
+            </a:r>
+            <a:r>
+              <a:rPr lang="en-US" sz="1400" dirty="0"/>
+              <a:t> </a:t>
+            </a:r>
+            <a:r>
+              <a:rPr lang="en-US" sz="1400" dirty="0" err="1">
+                <a:latin typeface="Courier" pitchFamily="49" charset="0"/>
+              </a:rPr>
+              <a:t>src</a:t>
+            </a:r>
+            <a:r>
+              <a:rPr lang="en-US" sz="1400" dirty="0">
+                <a:latin typeface="Courier" pitchFamily="49" charset="0"/>
+              </a:rPr>
+              <a:t>/</a:t>
+            </a:r>
+            <a:r>
+              <a:rPr lang="en-US" sz="1400" dirty="0" err="1">
+                <a:latin typeface="Courier" pitchFamily="49" charset="0"/>
+              </a:rPr>
+              <a:t>redis</a:t>
+            </a:r>
+            <a:r>
+              <a:rPr lang="en-US" sz="1400" dirty="0">
+                <a:latin typeface="Courier" pitchFamily="49" charset="0"/>
+              </a:rPr>
+              <a:t>-server</a:t>
+            </a:r>
+            <a:endParaRPr lang="en-US" sz="1400" dirty="0"/>
+          </a:p>
+          <a:p>
+            <a:pPr marL="285750" indent="-285750">
+              <a:buFont typeface="Arial" panose="020B0604020202020204" pitchFamily="34" charset="0"/>
+              <a:buChar char="•"/>
+            </a:pPr>
+            <a:endParaRPr lang="en-US" dirty="0"/>
+          </a:p>
+        </p:txBody>
+      </p:sp>
+      <p:pic>
+        <p:nvPicPr>
+          <p:cNvPr id="1026" name="Picture 2"/>
+          <p:cNvPicPr>
+            <a:picLocks noChangeAspect="1" noChangeArrowheads="1"/>
+          </p:cNvPicPr>
+          <p:nvPr/>
+        </p:nvPicPr>
+        <p:blipFill>
+          <a:blip r:embed="rId2">
+            <a:extLst>
+              <a:ext uri="{28A0092B-C50C-407E-A947-70E740481C1C}">
+                <a14:useLocalDpi xmlns:a14="http://schemas.microsoft.com/office/drawing/2010/main" val="0"/>
+              </a:ext>
+            </a:extLst>
+          </a:blip>
+          <a:srcRect/>
+          <a:stretch>
+            <a:fillRect/>
+          </a:stretch>
+        </p:blipFill>
+        <p:spPr bwMode="auto">
+          <a:xfrm>
+            <a:off x="463550" y="1644650"/>
+            <a:ext cx="8216900" cy="2997200"/>
+          </a:xfrm>
+          <a:prstGeom prst="rect">
+            <a:avLst/>
+          </a:prstGeom>
+          <a:noFill/>
+          <a:ln>
+            <a:noFill/>
+          </a:ln>
+          <a:extLst>
+            <a:ext uri="{909E8E84-426E-40DD-AFC4-6F175D3DCCD1}">
+              <a14:hiddenFill xmlns:a14="http://schemas.microsoft.com/office/drawing/2010/main">
+                <a:solidFill>
+                  <a:schemeClr val="accent1"/>
+                </a:solidFill>
+              </a14:hiddenFill>
+            </a:ext>
+            <a:ext uri="{91240B29-F687-4F45-9708-019B960494DF}">
+              <a14:hiddenLine xmlns:a14="http://schemas.microsoft.com/office/drawing/2010/main" w="9525">
+                <a:solidFill>
+                  <a:schemeClr val="tx1"/>
+                </a:solidFill>
+                <a:miter lim="800000"/>
+                <a:headEnd/>
+                <a:tailEnd/>
+              </a14:hiddenLine>
+            </a:ext>
+          </a:extLst>
+        </p:spPr>
+      </p:pic>
+    </p:spTree>
+    <p:extLst>
+      <p:ext uri="{BB962C8B-B14F-4D97-AF65-F5344CB8AC3E}">
+        <p14:creationId xmlns:p14="http://schemas.microsoft.com/office/powerpoint/2010/main" val="2791972212"/>
+      </p:ext>
+    </p:extLst>
+  </p:cSld>
+  <p:clrMapOvr>
+    <a:masterClrMapping/>
+  </p:clrMapOvr>
+  <p:transition spd="med">
+    <p:wipe dir="r"/>
+  </p:transition>
+</p:sld>
+</file>
+
+<file path=ppt/slides/slide66.xml><?xml version="1.0" encoding="utf-8"?>
+<p:sld xmlns:a="http://schemas.openxmlformats.org/drawingml/2006/main" xmlns:r="http://schemas.openxmlformats.org/officeDocument/2006/relationships" xmlns:p="http://schemas.openxmlformats.org/presentationml/2006/main">
+  <p:cSld>
+    <p:spTree>
+      <p:nvGrpSpPr>
+        <p:cNvPr id="1" name=""/>
+        <p:cNvGrpSpPr/>
+        <p:nvPr/>
+      </p:nvGrpSpPr>
+      <p:grpSpPr>
+        <a:xfrm>
+          <a:off x="0" y="0"/>
+          <a:ext cx="0" cy="0"/>
+          <a:chOff x="0" y="0"/>
+          <a:chExt cx="0" cy="0"/>
+        </a:xfrm>
+      </p:grpSpPr>
+      <p:sp>
+        <p:nvSpPr>
+          <p:cNvPr id="2" name="Title 1"/>
+          <p:cNvSpPr>
+            <a:spLocks noGrp="1"/>
+          </p:cNvSpPr>
+          <p:nvPr>
+            <p:ph type="title"/>
+          </p:nvPr>
+        </p:nvSpPr>
+        <p:spPr/>
+        <p:txBody>
+          <a:bodyPr/>
+          <a:lstStyle/>
+          <a:p>
+            <a:r>
+              <a:rPr lang="en-US" dirty="0" err="1" smtClean="0"/>
+              <a:t>Instalação</a:t>
+            </a:r>
+            <a:r>
+              <a:rPr lang="en-US" dirty="0" smtClean="0"/>
+              <a:t> no Windows</a:t>
+            </a:r>
+            <a:endParaRPr lang="en-US" dirty="0"/>
+          </a:p>
+        </p:txBody>
+      </p:sp>
+      <p:sp>
+        <p:nvSpPr>
+          <p:cNvPr id="3" name="Content Placeholder 2"/>
+          <p:cNvSpPr>
+            <a:spLocks noGrp="1"/>
+          </p:cNvSpPr>
+          <p:nvPr>
+            <p:ph sz="quarter" idx="10"/>
+          </p:nvPr>
+        </p:nvSpPr>
+        <p:spPr/>
+        <p:txBody>
+          <a:bodyPr/>
+          <a:lstStyle/>
+          <a:p>
+            <a:pPr marL="285750" indent="-285750">
+              <a:buFont typeface="Arial" panose="020B0604020202020204" pitchFamily="34" charset="0"/>
+              <a:buChar char="•"/>
+              <a:defRPr/>
+            </a:pPr>
+            <a:r>
+              <a:rPr lang="en-US" dirty="0" err="1" smtClean="0">
+                <a:latin typeface="Arial" pitchFamily="34" charset="0"/>
+                <a:cs typeface="Arial" pitchFamily="34" charset="0"/>
+              </a:rPr>
+              <a:t>Binários</a:t>
+            </a:r>
+            <a:r>
+              <a:rPr lang="en-US" dirty="0" smtClean="0">
+                <a:latin typeface="Arial" pitchFamily="34" charset="0"/>
+                <a:cs typeface="Arial" pitchFamily="34" charset="0"/>
+              </a:rPr>
+              <a:t> (.</a:t>
+            </a:r>
+            <a:r>
+              <a:rPr lang="en-US" dirty="0" err="1" smtClean="0">
+                <a:latin typeface="Arial" pitchFamily="34" charset="0"/>
+                <a:cs typeface="Arial" pitchFamily="34" charset="0"/>
+              </a:rPr>
+              <a:t>msi</a:t>
+            </a:r>
+            <a:r>
+              <a:rPr lang="en-US" dirty="0" smtClean="0">
+                <a:latin typeface="Arial" pitchFamily="34" charset="0"/>
+                <a:cs typeface="Arial" pitchFamily="34" charset="0"/>
+              </a:rPr>
+              <a:t>) </a:t>
+            </a:r>
+            <a:r>
+              <a:rPr lang="en-US" dirty="0" err="1" smtClean="0">
+                <a:latin typeface="Arial" pitchFamily="34" charset="0"/>
+                <a:cs typeface="Arial" pitchFamily="34" charset="0"/>
+              </a:rPr>
+              <a:t>disponíveis</a:t>
+            </a:r>
+            <a:r>
+              <a:rPr lang="en-US" dirty="0">
+                <a:latin typeface="Arial" pitchFamily="34" charset="0"/>
+                <a:cs typeface="Arial" pitchFamily="34" charset="0"/>
+              </a:rPr>
+              <a:t> </a:t>
+            </a:r>
+            <a:r>
+              <a:rPr lang="en-US" dirty="0" err="1">
+                <a:latin typeface="Arial" pitchFamily="34" charset="0"/>
+                <a:cs typeface="Arial" pitchFamily="34" charset="0"/>
+              </a:rPr>
+              <a:t>em</a:t>
+            </a:r>
+            <a:r>
+              <a:rPr lang="en-US" dirty="0">
+                <a:latin typeface="Arial" pitchFamily="34" charset="0"/>
+                <a:cs typeface="Arial" pitchFamily="34" charset="0"/>
+              </a:rPr>
+              <a:t> </a:t>
+            </a:r>
+            <a:r>
+              <a:rPr lang="en-US" dirty="0">
+                <a:latin typeface="Arial" pitchFamily="34" charset="0"/>
+                <a:cs typeface="Arial" pitchFamily="34" charset="0"/>
+                <a:hlinkClick r:id="rId2"/>
+              </a:rPr>
+              <a:t>https://</a:t>
+            </a:r>
+            <a:r>
+              <a:rPr lang="en-US" dirty="0" smtClean="0">
+                <a:latin typeface="Arial" pitchFamily="34" charset="0"/>
+                <a:cs typeface="Arial" pitchFamily="34" charset="0"/>
+                <a:hlinkClick r:id="rId2"/>
+              </a:rPr>
+              <a:t>github.com/MSOpenTech/redis/releases</a:t>
+            </a:r>
+            <a:endParaRPr lang="en-US" dirty="0" smtClean="0">
+              <a:latin typeface="Arial" pitchFamily="34" charset="0"/>
+              <a:cs typeface="Arial" pitchFamily="34" charset="0"/>
+            </a:endParaRPr>
+          </a:p>
+          <a:p>
+            <a:pPr marL="285750" indent="-285750">
+              <a:buFont typeface="Arial" panose="020B0604020202020204" pitchFamily="34" charset="0"/>
+              <a:buChar char="•"/>
+              <a:defRPr/>
+            </a:pPr>
+            <a:r>
+              <a:rPr lang="en-US" dirty="0" err="1" smtClean="0">
+                <a:latin typeface="Arial" pitchFamily="34" charset="0"/>
+                <a:cs typeface="Arial" pitchFamily="34" charset="0"/>
+              </a:rPr>
+              <a:t>Última</a:t>
+            </a:r>
+            <a:r>
+              <a:rPr lang="en-US" dirty="0" smtClean="0">
+                <a:latin typeface="Arial" pitchFamily="34" charset="0"/>
+                <a:cs typeface="Arial" pitchFamily="34" charset="0"/>
+              </a:rPr>
+              <a:t> </a:t>
+            </a:r>
+            <a:r>
+              <a:rPr lang="en-US" dirty="0" err="1" smtClean="0">
+                <a:latin typeface="Arial" pitchFamily="34" charset="0"/>
+                <a:cs typeface="Arial" pitchFamily="34" charset="0"/>
+              </a:rPr>
+              <a:t>versão</a:t>
+            </a:r>
+            <a:r>
+              <a:rPr lang="en-US" dirty="0" smtClean="0">
+                <a:latin typeface="Arial" pitchFamily="34" charset="0"/>
+                <a:cs typeface="Arial" pitchFamily="34" charset="0"/>
+              </a:rPr>
+              <a:t> </a:t>
+            </a:r>
+            <a:r>
+              <a:rPr lang="en-US" dirty="0" err="1" smtClean="0">
+                <a:latin typeface="Arial" pitchFamily="34" charset="0"/>
+                <a:cs typeface="Arial" pitchFamily="34" charset="0"/>
+              </a:rPr>
+              <a:t>estável</a:t>
+            </a:r>
+            <a:r>
+              <a:rPr lang="en-US" dirty="0" smtClean="0">
+                <a:latin typeface="Arial" pitchFamily="34" charset="0"/>
+                <a:cs typeface="Arial" pitchFamily="34" charset="0"/>
+              </a:rPr>
+              <a:t> </a:t>
+            </a:r>
+            <a:r>
+              <a:rPr lang="en-US" dirty="0" err="1" smtClean="0">
+                <a:latin typeface="Arial" pitchFamily="34" charset="0"/>
+                <a:cs typeface="Arial" pitchFamily="34" charset="0"/>
+              </a:rPr>
+              <a:t>disponível</a:t>
+            </a:r>
+            <a:r>
+              <a:rPr lang="en-US" dirty="0" smtClean="0">
+                <a:latin typeface="Arial" pitchFamily="34" charset="0"/>
+                <a:cs typeface="Arial" pitchFamily="34" charset="0"/>
+              </a:rPr>
+              <a:t> é a 3.0.504</a:t>
+            </a:r>
+          </a:p>
+          <a:p>
+            <a:pPr marL="285750" indent="-285750">
+              <a:buFont typeface="Arial" panose="020B0604020202020204" pitchFamily="34" charset="0"/>
+              <a:buChar char="•"/>
+            </a:pPr>
+            <a:r>
+              <a:rPr lang="en-US" dirty="0" err="1" smtClean="0">
+                <a:latin typeface="Arial" pitchFamily="34" charset="0"/>
+                <a:cs typeface="Arial" pitchFamily="34" charset="0"/>
+              </a:rPr>
+              <a:t>Também</a:t>
+            </a:r>
+            <a:r>
+              <a:rPr lang="en-US" dirty="0" smtClean="0">
+                <a:latin typeface="Arial" pitchFamily="34" charset="0"/>
+                <a:cs typeface="Arial" pitchFamily="34" charset="0"/>
+              </a:rPr>
+              <a:t> </a:t>
+            </a:r>
+            <a:r>
+              <a:rPr lang="en-US" dirty="0" err="1" smtClean="0">
+                <a:latin typeface="Arial" pitchFamily="34" charset="0"/>
+                <a:cs typeface="Arial" pitchFamily="34" charset="0"/>
+              </a:rPr>
+              <a:t>disponível</a:t>
+            </a:r>
+            <a:r>
+              <a:rPr lang="en-US" dirty="0" smtClean="0">
+                <a:latin typeface="Arial" pitchFamily="34" charset="0"/>
+                <a:cs typeface="Arial" pitchFamily="34" charset="0"/>
+              </a:rPr>
+              <a:t> </a:t>
+            </a:r>
+            <a:r>
+              <a:rPr lang="en-US" dirty="0" err="1" smtClean="0">
+                <a:latin typeface="Arial" pitchFamily="34" charset="0"/>
+                <a:cs typeface="Arial" pitchFamily="34" charset="0"/>
+              </a:rPr>
+              <a:t>em</a:t>
+            </a:r>
+            <a:r>
+              <a:rPr lang="en-US" dirty="0" smtClean="0">
+                <a:latin typeface="Arial" pitchFamily="34" charset="0"/>
+                <a:cs typeface="Arial" pitchFamily="34" charset="0"/>
+              </a:rPr>
+              <a:t> .zip</a:t>
+            </a:r>
+          </a:p>
+          <a:p>
+            <a:pPr marL="285750" indent="-285750">
+              <a:buFont typeface="Arial" panose="020B0604020202020204" pitchFamily="34" charset="0"/>
+              <a:buChar char="•"/>
+            </a:pPr>
+            <a:r>
+              <a:rPr lang="en-US" dirty="0" err="1" smtClean="0">
+                <a:latin typeface="Arial" pitchFamily="34" charset="0"/>
+                <a:cs typeface="Arial" pitchFamily="34" charset="0"/>
+              </a:rPr>
+              <a:t>Executar</a:t>
+            </a:r>
+            <a:r>
+              <a:rPr lang="en-US" dirty="0" smtClean="0">
+                <a:latin typeface="Arial" pitchFamily="34" charset="0"/>
+                <a:cs typeface="Arial" pitchFamily="34" charset="0"/>
+              </a:rPr>
+              <a:t> redis-server.exe para </a:t>
+            </a:r>
+            <a:r>
+              <a:rPr lang="en-US" dirty="0" err="1" smtClean="0">
+                <a:latin typeface="Arial" pitchFamily="34" charset="0"/>
+                <a:cs typeface="Arial" pitchFamily="34" charset="0"/>
+              </a:rPr>
+              <a:t>iniciar</a:t>
+            </a:r>
+            <a:r>
+              <a:rPr lang="en-US" dirty="0" smtClean="0">
+                <a:latin typeface="Arial" pitchFamily="34" charset="0"/>
+                <a:cs typeface="Arial" pitchFamily="34" charset="0"/>
+              </a:rPr>
+              <a:t> o </a:t>
+            </a:r>
+            <a:r>
+              <a:rPr lang="en-US" dirty="0" err="1" smtClean="0">
+                <a:latin typeface="Arial" pitchFamily="34" charset="0"/>
+                <a:cs typeface="Arial" pitchFamily="34" charset="0"/>
+              </a:rPr>
+              <a:t>servidor</a:t>
+            </a:r>
+            <a:endParaRPr lang="en-US" dirty="0"/>
+          </a:p>
+        </p:txBody>
+      </p:sp>
+    </p:spTree>
+    <p:extLst>
+      <p:ext uri="{BB962C8B-B14F-4D97-AF65-F5344CB8AC3E}">
+        <p14:creationId xmlns:p14="http://schemas.microsoft.com/office/powerpoint/2010/main" val="1822592885"/>
+      </p:ext>
+    </p:extLst>
+  </p:cSld>
+  <p:clrMapOvr>
+    <a:masterClrMapping/>
+  </p:clrMapOvr>
+  <p:transition spd="med">
+    <p:wipe dir="r"/>
+  </p:transition>
+</p:sld>
+</file>
+
+<file path=ppt/slides/slide67.xml><?xml version="1.0" encoding="utf-8"?>
+<p:sld xmlns:a="http://schemas.openxmlformats.org/drawingml/2006/main" xmlns:r="http://schemas.openxmlformats.org/officeDocument/2006/relationships" xmlns:p="http://schemas.openxmlformats.org/presentationml/2006/main">
+  <p:cSld>
+    <p:spTree>
+      <p:nvGrpSpPr>
+        <p:cNvPr id="1" name=""/>
+        <p:cNvGrpSpPr/>
+        <p:nvPr/>
+      </p:nvGrpSpPr>
+      <p:grpSpPr>
+        <a:xfrm>
+          <a:off x="0" y="0"/>
+          <a:ext cx="0" cy="0"/>
+          <a:chOff x="0" y="0"/>
+          <a:chExt cx="0" cy="0"/>
+        </a:xfrm>
+      </p:grpSpPr>
+      <p:sp>
+        <p:nvSpPr>
+          <p:cNvPr id="2" name="Title 1"/>
+          <p:cNvSpPr>
+            <a:spLocks noGrp="1"/>
+          </p:cNvSpPr>
+          <p:nvPr>
+            <p:ph type="title"/>
+          </p:nvPr>
+        </p:nvSpPr>
+        <p:spPr/>
+        <p:txBody>
+          <a:bodyPr/>
+          <a:lstStyle/>
+          <a:p>
+            <a:r>
+              <a:rPr lang="en-US" dirty="0" smtClean="0"/>
+              <a:t>A </a:t>
+            </a:r>
+            <a:r>
+              <a:rPr lang="en-US" dirty="0" err="1" smtClean="0"/>
+              <a:t>linha</a:t>
+            </a:r>
+            <a:r>
+              <a:rPr lang="en-US" dirty="0" smtClean="0"/>
+              <a:t> de </a:t>
+            </a:r>
+            <a:r>
+              <a:rPr lang="en-US" dirty="0" err="1" smtClean="0"/>
+              <a:t>comando</a:t>
+            </a:r>
+            <a:r>
+              <a:rPr lang="en-US" dirty="0" smtClean="0"/>
+              <a:t> do </a:t>
+            </a:r>
+            <a:r>
+              <a:rPr lang="en-US" dirty="0" err="1" smtClean="0"/>
+              <a:t>Redis</a:t>
+            </a:r>
+            <a:endParaRPr lang="en-US" dirty="0"/>
+          </a:p>
+        </p:txBody>
+      </p:sp>
+      <p:sp>
+        <p:nvSpPr>
+          <p:cNvPr id="3" name="Content Placeholder 2"/>
+          <p:cNvSpPr>
+            <a:spLocks noGrp="1"/>
+          </p:cNvSpPr>
+          <p:nvPr>
+            <p:ph sz="quarter" idx="10"/>
+          </p:nvPr>
+        </p:nvSpPr>
+        <p:spPr/>
+        <p:txBody>
+          <a:bodyPr/>
+          <a:lstStyle/>
+          <a:p>
+            <a:pPr marL="285750" indent="-285750">
+              <a:buFont typeface="Arial" panose="020B0604020202020204" pitchFamily="34" charset="0"/>
+              <a:buChar char="•"/>
+            </a:pPr>
+            <a:r>
+              <a:rPr lang="en-US" dirty="0" err="1" smtClean="0">
+                <a:latin typeface="Courier New" panose="02070309020205020404" pitchFamily="49" charset="0"/>
+                <a:cs typeface="Courier New" panose="02070309020205020404" pitchFamily="49" charset="0"/>
+              </a:rPr>
+              <a:t>redis</a:t>
+            </a:r>
+            <a:r>
+              <a:rPr lang="en-US" dirty="0" smtClean="0">
+                <a:latin typeface="Courier New" panose="02070309020205020404" pitchFamily="49" charset="0"/>
+                <a:cs typeface="Courier New" panose="02070309020205020404" pitchFamily="49" charset="0"/>
+              </a:rPr>
+              <a:t>-cli </a:t>
+            </a:r>
+            <a:r>
+              <a:rPr lang="en-US" dirty="0" smtClean="0">
+                <a:latin typeface="+mj-lt"/>
+                <a:cs typeface="Courier New" panose="02070309020205020404" pitchFamily="49" charset="0"/>
+              </a:rPr>
+              <a:t>é o </a:t>
+            </a:r>
+            <a:r>
+              <a:rPr lang="en-US" dirty="0" err="1" smtClean="0">
+                <a:latin typeface="+mj-lt"/>
+                <a:cs typeface="Courier New" panose="02070309020205020404" pitchFamily="49" charset="0"/>
+              </a:rPr>
+              <a:t>utilitário</a:t>
+            </a:r>
+            <a:r>
+              <a:rPr lang="en-US" dirty="0" smtClean="0">
+                <a:latin typeface="+mj-lt"/>
+                <a:cs typeface="Courier New" panose="02070309020205020404" pitchFamily="49" charset="0"/>
+              </a:rPr>
+              <a:t> de </a:t>
+            </a:r>
+            <a:r>
+              <a:rPr lang="en-US" dirty="0" err="1" smtClean="0">
+                <a:latin typeface="+mj-lt"/>
+                <a:cs typeface="Courier New" panose="02070309020205020404" pitchFamily="49" charset="0"/>
+              </a:rPr>
+              <a:t>linha</a:t>
+            </a:r>
+            <a:r>
+              <a:rPr lang="en-US" dirty="0" smtClean="0">
+                <a:latin typeface="+mj-lt"/>
+                <a:cs typeface="Courier New" panose="02070309020205020404" pitchFamily="49" charset="0"/>
+              </a:rPr>
+              <a:t> de </a:t>
+            </a:r>
+            <a:r>
+              <a:rPr lang="en-US" dirty="0" err="1" smtClean="0">
+                <a:latin typeface="+mj-lt"/>
+                <a:cs typeface="Courier New" panose="02070309020205020404" pitchFamily="49" charset="0"/>
+              </a:rPr>
+              <a:t>comando</a:t>
+            </a:r>
+            <a:r>
+              <a:rPr lang="en-US" dirty="0" smtClean="0">
+                <a:latin typeface="+mj-lt"/>
+                <a:cs typeface="Courier New" panose="02070309020205020404" pitchFamily="49" charset="0"/>
+              </a:rPr>
+              <a:t> </a:t>
+            </a:r>
+            <a:r>
+              <a:rPr lang="en-US" dirty="0" err="1" smtClean="0">
+                <a:latin typeface="+mj-lt"/>
+                <a:cs typeface="Courier New" panose="02070309020205020404" pitchFamily="49" charset="0"/>
+              </a:rPr>
+              <a:t>que</a:t>
+            </a:r>
+            <a:r>
+              <a:rPr lang="en-US" dirty="0" smtClean="0">
+                <a:latin typeface="+mj-lt"/>
+                <a:cs typeface="Courier New" panose="02070309020205020404" pitchFamily="49" charset="0"/>
+              </a:rPr>
+              <a:t> </a:t>
+            </a:r>
+            <a:r>
+              <a:rPr lang="en-US" dirty="0" err="1" smtClean="0">
+                <a:latin typeface="+mj-lt"/>
+                <a:cs typeface="Courier New" panose="02070309020205020404" pitchFamily="49" charset="0"/>
+              </a:rPr>
+              <a:t>vem</a:t>
+            </a:r>
+            <a:r>
+              <a:rPr lang="en-US" dirty="0" smtClean="0">
+                <a:latin typeface="+mj-lt"/>
+                <a:cs typeface="Courier New" panose="02070309020205020404" pitchFamily="49" charset="0"/>
+              </a:rPr>
+              <a:t> com o </a:t>
+            </a:r>
+            <a:r>
+              <a:rPr lang="en-US" dirty="0" err="1" smtClean="0">
+                <a:latin typeface="+mj-lt"/>
+                <a:cs typeface="Courier New" panose="02070309020205020404" pitchFamily="49" charset="0"/>
+              </a:rPr>
+              <a:t>produto</a:t>
+            </a:r>
+            <a:endParaRPr lang="en-US" dirty="0" smtClean="0">
+              <a:latin typeface="+mj-lt"/>
+              <a:cs typeface="Courier New" panose="02070309020205020404" pitchFamily="49" charset="0"/>
+            </a:endParaRPr>
+          </a:p>
+          <a:p>
+            <a:pPr marL="285750" indent="-285750">
+              <a:buFont typeface="Arial" panose="020B0604020202020204" pitchFamily="34" charset="0"/>
+              <a:buChar char="•"/>
+            </a:pPr>
+            <a:r>
+              <a:rPr lang="en-US" dirty="0" err="1" smtClean="0">
+                <a:latin typeface="+mj-lt"/>
+                <a:cs typeface="Courier New" panose="02070309020205020404" pitchFamily="49" charset="0"/>
+              </a:rPr>
+              <a:t>Pode</a:t>
+            </a:r>
+            <a:r>
+              <a:rPr lang="en-US" dirty="0" smtClean="0">
+                <a:latin typeface="+mj-lt"/>
+                <a:cs typeface="Courier New" panose="02070309020205020404" pitchFamily="49" charset="0"/>
+              </a:rPr>
+              <a:t> </a:t>
+            </a:r>
+            <a:r>
+              <a:rPr lang="en-US" dirty="0" err="1" smtClean="0">
+                <a:latin typeface="+mj-lt"/>
+                <a:cs typeface="Courier New" panose="02070309020205020404" pitchFamily="49" charset="0"/>
+              </a:rPr>
+              <a:t>ser</a:t>
+            </a:r>
+            <a:r>
+              <a:rPr lang="en-US" dirty="0" smtClean="0">
+                <a:latin typeface="+mj-lt"/>
+                <a:cs typeface="Courier New" panose="02070309020205020404" pitchFamily="49" charset="0"/>
+              </a:rPr>
+              <a:t> </a:t>
+            </a:r>
+            <a:r>
+              <a:rPr lang="en-US" dirty="0" err="1" smtClean="0">
+                <a:latin typeface="+mj-lt"/>
+                <a:cs typeface="Courier New" panose="02070309020205020404" pitchFamily="49" charset="0"/>
+              </a:rPr>
+              <a:t>utilizado</a:t>
+            </a:r>
+            <a:r>
+              <a:rPr lang="en-US" dirty="0" smtClean="0">
+                <a:latin typeface="+mj-lt"/>
+                <a:cs typeface="Courier New" panose="02070309020205020404" pitchFamily="49" charset="0"/>
+              </a:rPr>
+              <a:t> para </a:t>
+            </a:r>
+            <a:r>
+              <a:rPr lang="en-US" dirty="0" err="1" smtClean="0">
+                <a:latin typeface="+mj-lt"/>
+                <a:cs typeface="Courier New" panose="02070309020205020404" pitchFamily="49" charset="0"/>
+              </a:rPr>
+              <a:t>configurar</a:t>
+            </a:r>
+            <a:r>
+              <a:rPr lang="en-US" dirty="0" smtClean="0">
+                <a:latin typeface="+mj-lt"/>
+                <a:cs typeface="Courier New" panose="02070309020205020404" pitchFamily="49" charset="0"/>
+              </a:rPr>
+              <a:t> e </a:t>
+            </a:r>
+            <a:r>
+              <a:rPr lang="en-US" dirty="0" err="1" smtClean="0">
+                <a:latin typeface="+mj-lt"/>
+                <a:cs typeface="Courier New" panose="02070309020205020404" pitchFamily="49" charset="0"/>
+              </a:rPr>
+              <a:t>gerenciar</a:t>
+            </a:r>
+            <a:r>
+              <a:rPr lang="en-US" dirty="0" smtClean="0">
+                <a:latin typeface="+mj-lt"/>
+                <a:cs typeface="Courier New" panose="02070309020205020404" pitchFamily="49" charset="0"/>
+              </a:rPr>
+              <a:t> o </a:t>
+            </a:r>
+            <a:r>
+              <a:rPr lang="en-US" dirty="0" err="1" smtClean="0">
+                <a:latin typeface="+mj-lt"/>
+                <a:cs typeface="Courier New" panose="02070309020205020404" pitchFamily="49" charset="0"/>
+              </a:rPr>
+              <a:t>servidor</a:t>
+            </a:r>
+            <a:endParaRPr lang="en-US" dirty="0" smtClean="0">
+              <a:latin typeface="+mj-lt"/>
+              <a:cs typeface="Courier New" panose="02070309020205020404" pitchFamily="49" charset="0"/>
+            </a:endParaRPr>
+          </a:p>
+          <a:p>
+            <a:pPr marL="285750" indent="-285750">
+              <a:buFont typeface="Arial" panose="020B0604020202020204" pitchFamily="34" charset="0"/>
+              <a:buChar char="•"/>
+            </a:pPr>
+            <a:endParaRPr lang="en-US" dirty="0">
+              <a:latin typeface="Courier New" panose="02070309020205020404" pitchFamily="49" charset="0"/>
+              <a:cs typeface="Courier New" panose="02070309020205020404" pitchFamily="49" charset="0"/>
+            </a:endParaRPr>
+          </a:p>
+        </p:txBody>
+      </p:sp>
+      <p:sp>
+        <p:nvSpPr>
+          <p:cNvPr id="4" name="TextBox 3"/>
+          <p:cNvSpPr txBox="1"/>
+          <p:nvPr/>
+        </p:nvSpPr>
+        <p:spPr>
+          <a:xfrm>
+            <a:off x="558483" y="2020570"/>
+            <a:ext cx="7419975" cy="1816100"/>
+          </a:xfrm>
+          <a:prstGeom prst="rect">
+            <a:avLst/>
+          </a:prstGeom>
+          <a:solidFill>
+            <a:schemeClr val="bg2"/>
+          </a:solidFill>
+          <a:effectLst>
+            <a:outerShdw blurRad="50800" dist="38100" dir="2700000" algn="tl" rotWithShape="0">
+              <a:prstClr val="black">
+                <a:alpha val="40000"/>
+              </a:prstClr>
+            </a:outerShdw>
+          </a:effectLst>
+        </p:spPr>
+        <p:txBody>
+          <a:bodyPr>
+            <a:spAutoFit/>
+          </a:bodyPr>
+          <a:lstStyle>
+            <a:defPPr>
+              <a:defRPr lang="en-US"/>
+            </a:defPPr>
+            <a:lvl1pPr>
+              <a:defRPr sz="1600" b="1">
+                <a:solidFill>
+                  <a:schemeClr val="bg2"/>
+                </a:solidFill>
+                <a:latin typeface="Courier New" pitchFamily="49" charset="0"/>
+                <a:cs typeface="Courier New" pitchFamily="49" charset="0"/>
+              </a:defRPr>
+            </a:lvl1pPr>
+          </a:lstStyle>
+          <a:p>
+            <a:pPr>
+              <a:defRPr/>
+            </a:pPr>
+            <a:r>
+              <a:rPr lang="en-US" b="0" dirty="0">
+                <a:solidFill>
+                  <a:schemeClr val="tx2"/>
+                </a:solidFill>
+              </a:rPr>
+              <a:t>$ </a:t>
+            </a:r>
+            <a:r>
+              <a:rPr lang="en-US" b="0" dirty="0" err="1">
+                <a:solidFill>
+                  <a:schemeClr val="tx2"/>
+                </a:solidFill>
+              </a:rPr>
+              <a:t>src</a:t>
+            </a:r>
+            <a:r>
+              <a:rPr lang="en-US" b="0" dirty="0">
+                <a:solidFill>
+                  <a:schemeClr val="tx2"/>
+                </a:solidFill>
+              </a:rPr>
+              <a:t>/</a:t>
+            </a:r>
+            <a:r>
+              <a:rPr lang="en-US" b="0" dirty="0" err="1">
+                <a:solidFill>
+                  <a:schemeClr val="tx2"/>
+                </a:solidFill>
+              </a:rPr>
+              <a:t>redis</a:t>
+            </a:r>
+            <a:r>
+              <a:rPr lang="en-US" b="0" dirty="0">
+                <a:solidFill>
+                  <a:schemeClr val="tx2"/>
+                </a:solidFill>
+              </a:rPr>
+              <a:t>-cli --help</a:t>
+            </a:r>
+          </a:p>
+          <a:p>
+            <a:pPr>
+              <a:defRPr/>
+            </a:pPr>
+            <a:r>
+              <a:rPr lang="en-US" b="0" dirty="0" err="1">
+                <a:solidFill>
+                  <a:schemeClr val="tx2"/>
+                </a:solidFill>
+              </a:rPr>
+              <a:t>redis</a:t>
+            </a:r>
+            <a:r>
+              <a:rPr lang="en-US" b="0" dirty="0">
+                <a:solidFill>
+                  <a:schemeClr val="tx2"/>
+                </a:solidFill>
+              </a:rPr>
+              <a:t>-cli </a:t>
+            </a:r>
+            <a:r>
+              <a:rPr lang="en-US" b="0" dirty="0" smtClean="0">
+                <a:solidFill>
+                  <a:schemeClr val="tx2"/>
+                </a:solidFill>
+              </a:rPr>
+              <a:t>3.2.9</a:t>
+            </a:r>
+            <a:endParaRPr lang="en-US" b="0" dirty="0">
+              <a:solidFill>
+                <a:schemeClr val="tx2"/>
+              </a:solidFill>
+            </a:endParaRPr>
+          </a:p>
+          <a:p>
+            <a:pPr>
+              <a:defRPr/>
+            </a:pPr>
+            <a:endParaRPr lang="en-US" b="0" dirty="0">
+              <a:solidFill>
+                <a:schemeClr val="tx2"/>
+              </a:solidFill>
+            </a:endParaRPr>
+          </a:p>
+          <a:p>
+            <a:pPr>
+              <a:defRPr/>
+            </a:pPr>
+            <a:r>
+              <a:rPr lang="en-US" b="0" dirty="0">
+                <a:solidFill>
+                  <a:schemeClr val="tx2"/>
+                </a:solidFill>
+              </a:rPr>
+              <a:t>Usage: </a:t>
+            </a:r>
+            <a:r>
+              <a:rPr lang="en-US" b="0" dirty="0" err="1">
+                <a:solidFill>
+                  <a:schemeClr val="tx2"/>
+                </a:solidFill>
+              </a:rPr>
+              <a:t>redis</a:t>
+            </a:r>
+            <a:r>
+              <a:rPr lang="en-US" b="0" dirty="0">
+                <a:solidFill>
+                  <a:schemeClr val="tx2"/>
+                </a:solidFill>
+              </a:rPr>
+              <a:t>-cli [OPTIONS] [</a:t>
+            </a:r>
+            <a:r>
+              <a:rPr lang="en-US" b="0" dirty="0" err="1">
+                <a:solidFill>
+                  <a:schemeClr val="tx2"/>
+                </a:solidFill>
+              </a:rPr>
+              <a:t>cmd</a:t>
+            </a:r>
+            <a:r>
+              <a:rPr lang="en-US" b="0" dirty="0">
+                <a:solidFill>
+                  <a:schemeClr val="tx2"/>
+                </a:solidFill>
+              </a:rPr>
+              <a:t> [</a:t>
+            </a:r>
+            <a:r>
+              <a:rPr lang="en-US" b="0" dirty="0" err="1">
+                <a:solidFill>
+                  <a:schemeClr val="tx2"/>
+                </a:solidFill>
+              </a:rPr>
+              <a:t>arg</a:t>
+            </a:r>
+            <a:r>
+              <a:rPr lang="en-US" b="0" dirty="0">
+                <a:solidFill>
+                  <a:schemeClr val="tx2"/>
+                </a:solidFill>
+              </a:rPr>
+              <a:t> [</a:t>
+            </a:r>
+            <a:r>
+              <a:rPr lang="en-US" b="0" dirty="0" err="1">
+                <a:solidFill>
+                  <a:schemeClr val="tx2"/>
+                </a:solidFill>
+              </a:rPr>
+              <a:t>arg</a:t>
+            </a:r>
+            <a:r>
+              <a:rPr lang="en-US" b="0" dirty="0">
+                <a:solidFill>
+                  <a:schemeClr val="tx2"/>
+                </a:solidFill>
+              </a:rPr>
+              <a:t> ...]]]</a:t>
+            </a:r>
+          </a:p>
+          <a:p>
+            <a:pPr>
+              <a:defRPr/>
+            </a:pPr>
+            <a:r>
+              <a:rPr lang="en-US" b="0" dirty="0">
+                <a:solidFill>
+                  <a:schemeClr val="tx2"/>
+                </a:solidFill>
+              </a:rPr>
+              <a:t>  -h &lt;hostname&gt;      Server hostname (default: 127.0.0.1).</a:t>
+            </a:r>
+          </a:p>
+          <a:p>
+            <a:pPr>
+              <a:defRPr/>
+            </a:pPr>
+            <a:r>
+              <a:rPr lang="en-US" b="0" dirty="0">
+                <a:solidFill>
+                  <a:schemeClr val="tx2"/>
+                </a:solidFill>
+              </a:rPr>
+              <a:t>  -p &lt;port&gt;          Server port (default: </a:t>
+            </a:r>
+            <a:r>
+              <a:rPr lang="en-US" b="0" dirty="0" smtClean="0">
+                <a:solidFill>
+                  <a:schemeClr val="tx2"/>
+                </a:solidFill>
+              </a:rPr>
+              <a:t>6379).</a:t>
+            </a:r>
+            <a:endParaRPr lang="en-US" b="0" dirty="0">
+              <a:solidFill>
+                <a:schemeClr val="tx2"/>
+              </a:solidFill>
+            </a:endParaRPr>
+          </a:p>
+          <a:p>
+            <a:pPr>
+              <a:defRPr/>
+            </a:pPr>
+            <a:r>
+              <a:rPr lang="en-US" b="0" dirty="0" smtClean="0">
+                <a:solidFill>
+                  <a:schemeClr val="tx2"/>
+                </a:solidFill>
+              </a:rPr>
+              <a:t>…</a:t>
+            </a:r>
+          </a:p>
+        </p:txBody>
+      </p:sp>
+    </p:spTree>
+    <p:extLst>
+      <p:ext uri="{BB962C8B-B14F-4D97-AF65-F5344CB8AC3E}">
+        <p14:creationId xmlns:p14="http://schemas.microsoft.com/office/powerpoint/2010/main" val="1055745227"/>
+      </p:ext>
+    </p:extLst>
+  </p:cSld>
+  <p:clrMapOvr>
+    <a:masterClrMapping/>
+  </p:clrMapOvr>
+  <p:transition spd="med">
+    <p:wipe dir="r"/>
+  </p:transition>
+</p:sld>
+</file>
+
+<file path=ppt/slides/slide68.xml><?xml version="1.0" encoding="utf-8"?>
+<p:sld xmlns:a="http://schemas.openxmlformats.org/drawingml/2006/main" xmlns:r="http://schemas.openxmlformats.org/officeDocument/2006/relationships" xmlns:p="http://schemas.openxmlformats.org/presentationml/2006/main">
+  <p:cSld>
+    <p:spTree>
+      <p:nvGrpSpPr>
+        <p:cNvPr id="1" name=""/>
+        <p:cNvGrpSpPr/>
+        <p:nvPr/>
+      </p:nvGrpSpPr>
+      <p:grpSpPr>
+        <a:xfrm>
+          <a:off x="0" y="0"/>
+          <a:ext cx="0" cy="0"/>
+          <a:chOff x="0" y="0"/>
+          <a:chExt cx="0" cy="0"/>
+        </a:xfrm>
+      </p:grpSpPr>
+      <p:sp>
+        <p:nvSpPr>
+          <p:cNvPr id="2" name="Title 1"/>
+          <p:cNvSpPr>
+            <a:spLocks noGrp="1"/>
+          </p:cNvSpPr>
+          <p:nvPr>
+            <p:ph type="title"/>
+          </p:nvPr>
+        </p:nvSpPr>
+        <p:spPr/>
+        <p:txBody>
+          <a:bodyPr/>
+          <a:lstStyle/>
+          <a:p>
+            <a:r>
+              <a:rPr lang="en-US" dirty="0" err="1" smtClean="0"/>
+              <a:t>Sumário</a:t>
+            </a:r>
+            <a:endParaRPr lang="en-US" dirty="0"/>
+          </a:p>
+        </p:txBody>
+      </p:sp>
+      <p:sp>
+        <p:nvSpPr>
+          <p:cNvPr id="3" name="Content Placeholder 2"/>
+          <p:cNvSpPr>
+            <a:spLocks noGrp="1"/>
+          </p:cNvSpPr>
+          <p:nvPr>
+            <p:ph sz="quarter" idx="10"/>
+          </p:nvPr>
+        </p:nvSpPr>
+        <p:spPr/>
+        <p:txBody>
+          <a:bodyPr/>
+          <a:lstStyle/>
+          <a:p>
+            <a:pPr marL="285750" indent="-285750">
+              <a:buFont typeface="Arial" panose="020B0604020202020204" pitchFamily="34" charset="0"/>
+              <a:buChar char="•"/>
+            </a:pPr>
+            <a:r>
+              <a:rPr lang="en-US" dirty="0" err="1"/>
+              <a:t>Conhecemos</a:t>
+            </a:r>
+            <a:r>
+              <a:rPr lang="en-US" dirty="0"/>
+              <a:t> as </a:t>
+            </a:r>
+            <a:r>
+              <a:rPr lang="en-US" dirty="0" err="1"/>
+              <a:t>plataformas</a:t>
+            </a:r>
+            <a:r>
+              <a:rPr lang="en-US" dirty="0"/>
+              <a:t> </a:t>
+            </a:r>
+            <a:r>
+              <a:rPr lang="en-US" dirty="0" err="1"/>
+              <a:t>suportadas</a:t>
+            </a:r>
+            <a:endParaRPr lang="en-US"/>
+          </a:p>
+          <a:p>
+            <a:endParaRPr lang="en-US" smtClean="0"/>
+          </a:p>
+          <a:p>
+            <a:pPr marL="285750" indent="-285750">
+              <a:buFont typeface="Arial" panose="020B0604020202020204" pitchFamily="34" charset="0"/>
+              <a:buChar char="•"/>
+            </a:pPr>
+            <a:r>
+              <a:rPr lang="en-US" dirty="0" err="1" smtClean="0"/>
+              <a:t>Identificamos</a:t>
+            </a:r>
+            <a:r>
+              <a:rPr lang="en-US" dirty="0" smtClean="0"/>
+              <a:t> as </a:t>
+            </a:r>
+            <a:r>
+              <a:rPr lang="en-US" dirty="0" err="1" smtClean="0"/>
+              <a:t>diferentes</a:t>
+            </a:r>
+            <a:r>
+              <a:rPr lang="en-US" dirty="0" smtClean="0"/>
+              <a:t> </a:t>
+            </a:r>
+            <a:r>
+              <a:rPr lang="en-US" dirty="0" err="1" smtClean="0"/>
+              <a:t>formas</a:t>
+            </a:r>
+            <a:r>
+              <a:rPr lang="en-US" dirty="0" smtClean="0"/>
+              <a:t> de </a:t>
+            </a:r>
+            <a:r>
+              <a:rPr lang="en-US" dirty="0" err="1" smtClean="0"/>
+              <a:t>instalação</a:t>
+            </a:r>
+            <a:r>
+              <a:rPr lang="en-US" dirty="0" smtClean="0"/>
+              <a:t> do </a:t>
+            </a:r>
+            <a:r>
+              <a:rPr lang="en-US" dirty="0" err="1" smtClean="0"/>
+              <a:t>Redis</a:t>
+            </a:r>
+            <a:endParaRPr lang="en-US" dirty="0" smtClean="0"/>
+          </a:p>
+        </p:txBody>
+      </p:sp>
+    </p:spTree>
+    <p:extLst>
+      <p:ext uri="{BB962C8B-B14F-4D97-AF65-F5344CB8AC3E}">
+        <p14:creationId xmlns:p14="http://schemas.microsoft.com/office/powerpoint/2010/main" val="4146396638"/>
+      </p:ext>
+    </p:extLst>
+  </p:cSld>
+  <p:clrMapOvr>
+    <a:masterClrMapping/>
+  </p:clrMapOvr>
+  <p:transition spd="med">
+    <p:wipe dir="r"/>
+  </p:transition>
+</p:sld>
+</file>
+
+<file path=ppt/slides/slide69.xml><?xml version="1.0" encoding="utf-8"?>
+<p:sld xmlns:a="http://schemas.openxmlformats.org/drawingml/2006/main" xmlns:r="http://schemas.openxmlformats.org/officeDocument/2006/relationships" xmlns:p="http://schemas.openxmlformats.org/presentationml/2006/main">
+  <p:cSld>
+    <p:spTree>
+      <p:nvGrpSpPr>
+        <p:cNvPr id="1" name=""/>
+        <p:cNvGrpSpPr/>
+        <p:nvPr/>
+      </p:nvGrpSpPr>
+      <p:grpSpPr>
+        <a:xfrm>
+          <a:off x="0" y="0"/>
+          <a:ext cx="0" cy="0"/>
+          <a:chOff x="0" y="0"/>
+          <a:chExt cx="0" cy="0"/>
+        </a:xfrm>
+      </p:grpSpPr>
+      <p:sp>
+        <p:nvSpPr>
+          <p:cNvPr id="4" name="Title 3"/>
+          <p:cNvSpPr>
+            <a:spLocks noGrp="1"/>
+          </p:cNvSpPr>
+          <p:nvPr>
+            <p:ph type="title"/>
+          </p:nvPr>
+        </p:nvSpPr>
+        <p:spPr/>
+        <p:txBody>
+          <a:bodyPr>
+            <a:normAutofit/>
+          </a:bodyPr>
+          <a:lstStyle/>
+          <a:p>
+            <a:r>
+              <a:rPr lang="pt-BR" dirty="0" smtClean="0"/>
+              <a:t>Laboratório</a:t>
+            </a:r>
+            <a:endParaRPr lang="en-US" dirty="0"/>
+          </a:p>
+        </p:txBody>
+      </p:sp>
+    </p:spTree>
+    <p:extLst>
+      <p:ext uri="{BB962C8B-B14F-4D97-AF65-F5344CB8AC3E}">
+        <p14:creationId xmlns:p14="http://schemas.microsoft.com/office/powerpoint/2010/main" val="80406834"/>
       </p:ext>
     </p:extLst>
   </p:cSld>
@@ -42623,6 +48700,302 @@
     <p:extLst>
       <p:ext uri="{BB962C8B-B14F-4D97-AF65-F5344CB8AC3E}">
         <p14:creationId xmlns:p14="http://schemas.microsoft.com/office/powerpoint/2010/main" val="2924931928"/>
+      </p:ext>
+    </p:extLst>
+  </p:cSld>
+  <p:clrMapOvr>
+    <a:masterClrMapping/>
+  </p:clrMapOvr>
+  <p:transition spd="med">
+    <p:wipe dir="r"/>
+  </p:transition>
+  <p:timing>
+    <p:tnLst>
+      <p:par>
+        <p:cTn id="1" dur="indefinite" restart="never" nodeType="tmRoot"/>
+      </p:par>
+    </p:tnLst>
+  </p:timing>
+</p:sld>
+</file>
+
+<file path=ppt/slides/slide70.xml><?xml version="1.0" encoding="utf-8"?>
+<p:sld xmlns:a="http://schemas.openxmlformats.org/drawingml/2006/main" xmlns:r="http://schemas.openxmlformats.org/officeDocument/2006/relationships" xmlns:p="http://schemas.openxmlformats.org/presentationml/2006/main">
+  <p:cSld>
+    <p:spTree>
+      <p:nvGrpSpPr>
+        <p:cNvPr id="1" name=""/>
+        <p:cNvGrpSpPr/>
+        <p:nvPr/>
+      </p:nvGrpSpPr>
+      <p:grpSpPr>
+        <a:xfrm>
+          <a:off x="0" y="0"/>
+          <a:ext cx="0" cy="0"/>
+          <a:chOff x="0" y="0"/>
+          <a:chExt cx="0" cy="0"/>
+        </a:xfrm>
+      </p:grpSpPr>
+      <p:sp>
+        <p:nvSpPr>
+          <p:cNvPr id="2" name="Title 1"/>
+          <p:cNvSpPr>
+            <a:spLocks noGrp="1"/>
+          </p:cNvSpPr>
+          <p:nvPr>
+            <p:ph type="title"/>
+          </p:nvPr>
+        </p:nvSpPr>
+        <p:spPr/>
+        <p:txBody>
+          <a:bodyPr/>
+          <a:lstStyle/>
+          <a:p>
+            <a:r>
+              <a:rPr lang="en-US" dirty="0" err="1" smtClean="0"/>
+              <a:t>Laboratório</a:t>
+            </a:r>
+            <a:endParaRPr lang="en-US" dirty="0"/>
+          </a:p>
+        </p:txBody>
+      </p:sp>
+      <p:sp>
+        <p:nvSpPr>
+          <p:cNvPr id="3" name="Content Placeholder 2"/>
+          <p:cNvSpPr>
+            <a:spLocks noGrp="1"/>
+          </p:cNvSpPr>
+          <p:nvPr>
+            <p:ph sz="quarter" idx="10"/>
+          </p:nvPr>
+        </p:nvSpPr>
+        <p:spPr/>
+        <p:txBody>
+          <a:bodyPr/>
+          <a:lstStyle/>
+          <a:p>
+            <a:pPr marL="285750" indent="-285750">
+              <a:buFont typeface="Arial" panose="020B0604020202020204" pitchFamily="34" charset="0"/>
+              <a:buChar char="•"/>
+            </a:pPr>
+            <a:r>
+              <a:rPr lang="en-US" dirty="0" err="1" smtClean="0"/>
+              <a:t>Instalar</a:t>
+            </a:r>
+            <a:r>
+              <a:rPr lang="en-US" dirty="0" smtClean="0"/>
+              <a:t> o </a:t>
+            </a:r>
+            <a:r>
+              <a:rPr lang="en-US" dirty="0" err="1" smtClean="0"/>
+              <a:t>Redis</a:t>
+            </a:r>
+            <a:endParaRPr lang="en-US" dirty="0" smtClean="0"/>
+          </a:p>
+          <a:p>
+            <a:pPr marL="285750" indent="-285750">
+              <a:buFont typeface="Arial" panose="020B0604020202020204" pitchFamily="34" charset="0"/>
+              <a:buChar char="•"/>
+            </a:pPr>
+            <a:endParaRPr lang="en-US" dirty="0" smtClean="0"/>
+          </a:p>
+          <a:p>
+            <a:pPr marL="285750" indent="-285750">
+              <a:buFont typeface="Arial" panose="020B0604020202020204" pitchFamily="34" charset="0"/>
+              <a:buChar char="•"/>
+            </a:pPr>
+            <a:r>
+              <a:rPr lang="en-US" dirty="0" err="1" smtClean="0"/>
+              <a:t>Explorar</a:t>
+            </a:r>
+            <a:r>
+              <a:rPr lang="en-US" dirty="0" smtClean="0"/>
+              <a:t> </a:t>
+            </a:r>
+            <a:r>
+              <a:rPr lang="en-US" dirty="0"/>
+              <a:t>o </a:t>
+            </a:r>
+            <a:r>
+              <a:rPr lang="en-US" dirty="0" err="1"/>
+              <a:t>diretório</a:t>
+            </a:r>
+            <a:r>
+              <a:rPr lang="en-US" dirty="0"/>
+              <a:t> de </a:t>
+            </a:r>
+            <a:r>
+              <a:rPr lang="en-US" dirty="0" err="1"/>
+              <a:t>instalação</a:t>
+            </a:r>
+            <a:r>
+              <a:rPr lang="en-US" dirty="0"/>
+              <a:t> e </a:t>
+            </a:r>
+            <a:r>
+              <a:rPr lang="en-US" dirty="0" err="1"/>
+              <a:t>especialmente</a:t>
+            </a:r>
+            <a:r>
+              <a:rPr lang="en-US" dirty="0"/>
+              <a:t> o </a:t>
+            </a:r>
+            <a:r>
+              <a:rPr lang="en-US" dirty="0" err="1"/>
+              <a:t>arquivo</a:t>
+            </a:r>
+            <a:r>
+              <a:rPr lang="en-US" dirty="0"/>
+              <a:t> </a:t>
+            </a:r>
+            <a:r>
+              <a:rPr lang="en-US" dirty="0" err="1">
+                <a:latin typeface="Courier New" panose="02070309020205020404" pitchFamily="49" charset="0"/>
+                <a:cs typeface="Courier New" panose="02070309020205020404" pitchFamily="49" charset="0"/>
+              </a:rPr>
+              <a:t>redis.conf</a:t>
+            </a:r>
+            <a:r>
+              <a:rPr lang="en-US" smtClean="0"/>
+              <a:t>.</a:t>
+            </a:r>
+          </a:p>
+          <a:p>
+            <a:pPr marL="285750" indent="-285750">
+              <a:buFont typeface="Arial" panose="020B0604020202020204" pitchFamily="34" charset="0"/>
+              <a:buChar char="•"/>
+            </a:pPr>
+            <a:endParaRPr lang="en-US" dirty="0" smtClean="0"/>
+          </a:p>
+          <a:p>
+            <a:pPr marL="285750" indent="-285750">
+              <a:buFont typeface="Arial" panose="020B0604020202020204" pitchFamily="34" charset="0"/>
+              <a:buChar char="•"/>
+            </a:pPr>
+            <a:r>
+              <a:rPr lang="en-US" dirty="0" err="1" smtClean="0"/>
+              <a:t>Experimentar</a:t>
+            </a:r>
+            <a:r>
+              <a:rPr lang="en-US" dirty="0" smtClean="0"/>
+              <a:t> a </a:t>
+            </a:r>
+            <a:r>
+              <a:rPr lang="en-US" dirty="0" err="1" smtClean="0"/>
+              <a:t>linha</a:t>
+            </a:r>
+            <a:r>
+              <a:rPr lang="en-US" dirty="0" smtClean="0"/>
+              <a:t> de </a:t>
+            </a:r>
+            <a:r>
+              <a:rPr lang="en-US" dirty="0" err="1" smtClean="0"/>
+              <a:t>comando</a:t>
+            </a:r>
+            <a:r>
+              <a:rPr lang="en-US" dirty="0" smtClean="0"/>
+              <a:t> do </a:t>
+            </a:r>
+            <a:r>
+              <a:rPr lang="en-US" dirty="0" err="1" smtClean="0">
+                <a:latin typeface="Courier New" panose="02070309020205020404" pitchFamily="49" charset="0"/>
+                <a:cs typeface="Courier New" panose="02070309020205020404" pitchFamily="49" charset="0"/>
+              </a:rPr>
+              <a:t>redis</a:t>
+            </a:r>
+            <a:r>
+              <a:rPr lang="en-US" dirty="0" smtClean="0">
+                <a:latin typeface="Courier New" panose="02070309020205020404" pitchFamily="49" charset="0"/>
+                <a:cs typeface="Courier New" panose="02070309020205020404" pitchFamily="49" charset="0"/>
+              </a:rPr>
+              <a:t>-cli</a:t>
+            </a:r>
+            <a:r>
+              <a:rPr lang="en-US" dirty="0" smtClean="0"/>
+              <a:t>, </a:t>
+            </a:r>
+            <a:r>
+              <a:rPr lang="en-US" dirty="0" err="1" smtClean="0"/>
+              <a:t>em</a:t>
+            </a:r>
+            <a:r>
+              <a:rPr lang="en-US" dirty="0" smtClean="0"/>
+              <a:t> especial o </a:t>
+            </a:r>
+            <a:r>
+              <a:rPr lang="en-US" dirty="0" err="1" smtClean="0"/>
+              <a:t>comando</a:t>
+            </a:r>
+            <a:r>
+              <a:rPr lang="en-US" dirty="0"/>
+              <a:t> INFO (</a:t>
+            </a:r>
+            <a:r>
+              <a:rPr lang="en-US" dirty="0">
+                <a:hlinkClick r:id="rId2"/>
+              </a:rPr>
+              <a:t>https://</a:t>
+            </a:r>
+            <a:r>
+              <a:rPr lang="en-US" dirty="0" smtClean="0">
+                <a:hlinkClick r:id="rId2"/>
+              </a:rPr>
+              <a:t>redis.io/commands/INFO</a:t>
+            </a:r>
+            <a:r>
+              <a:rPr lang="en-US" dirty="0" smtClean="0"/>
+              <a:t>)</a:t>
+            </a:r>
+          </a:p>
+          <a:p>
+            <a:pPr marL="285750" indent="-285750">
+              <a:buFont typeface="Arial" panose="020B0604020202020204" pitchFamily="34" charset="0"/>
+              <a:buChar char="•"/>
+            </a:pPr>
+            <a:endParaRPr lang="en-US" dirty="0">
+              <a:latin typeface="Courier New" panose="02070309020205020404" pitchFamily="49" charset="0"/>
+              <a:cs typeface="Courier New" panose="02070309020205020404" pitchFamily="49" charset="0"/>
+            </a:endParaRPr>
+          </a:p>
+        </p:txBody>
+      </p:sp>
+    </p:spTree>
+    <p:extLst>
+      <p:ext uri="{BB962C8B-B14F-4D97-AF65-F5344CB8AC3E}">
+        <p14:creationId xmlns:p14="http://schemas.microsoft.com/office/powerpoint/2010/main" val="703382874"/>
+      </p:ext>
+    </p:extLst>
+  </p:cSld>
+  <p:clrMapOvr>
+    <a:masterClrMapping/>
+  </p:clrMapOvr>
+  <p:transition spd="med">
+    <p:wipe dir="r"/>
+  </p:transition>
+</p:sld>
+</file>
+
+<file path=ppt/slides/slide71.xml><?xml version="1.0" encoding="utf-8"?>
+<p:sld xmlns:a="http://schemas.openxmlformats.org/drawingml/2006/main" xmlns:r="http://schemas.openxmlformats.org/officeDocument/2006/relationships" xmlns:p="http://schemas.openxmlformats.org/presentationml/2006/main">
+  <p:cSld>
+    <p:spTree>
+      <p:nvGrpSpPr>
+        <p:cNvPr id="1" name=""/>
+        <p:cNvGrpSpPr/>
+        <p:nvPr/>
+      </p:nvGrpSpPr>
+      <p:grpSpPr>
+        <a:xfrm>
+          <a:off x="0" y="0"/>
+          <a:ext cx="0" cy="0"/>
+          <a:chOff x="0" y="0"/>
+          <a:chExt cx="0" cy="0"/>
+        </a:xfrm>
+      </p:grpSpPr>
+    </p:spTree>
+    <p:extLst>
+      <p:ext uri="{BB962C8B-B14F-4D97-AF65-F5344CB8AC3E}">
+        <p14:creationId xmlns:p14="http://schemas.microsoft.com/office/powerpoint/2010/main" val="1257464912"/>
       </p:ext>
     </p:extLst>
   </p:cSld>
@@ -43375,7 +49748,7 @@
   </a:extraClrSchemeLst>
   <a:extLst>
     <a:ext uri="{05A4C25C-085E-4340-85A3-A5531E510DB2}">
-      <thm15:themeFamily xmlns:thm15="http://schemas.microsoft.com/office/thememl/2012/main" xmlns="" name="DellEMC_PPT_Template_16x9" id="{B8B5C6D0-E3FF-4310-9DCF-1B14F86F2E69}" vid="{627FB30F-31F4-4FBE-8A3A-F7BC81DAC0BD}"/>
+      <thm15:themeFamily xmlns:thm15="http://schemas.microsoft.com/office/thememl/2012/main" name="DellEMC_PPT_Template_16x9" id="{B8B5C6D0-E3FF-4310-9DCF-1B14F86F2E69}" vid="{627FB30F-31F4-4FBE-8A3A-F7BC81DAC0BD}"/>
     </a:ext>
   </a:extLst>
 </a:theme>
@@ -43948,21 +50321,6 @@
 </file>
 
 <file path=customXml/item1.xml><?xml version="1.0" encoding="utf-8"?>
-<?mso-contentType ?>
-<FormTemplates xmlns="http://schemas.microsoft.com/sharepoint/v3/contenttype/forms">
-  <Display>DocumentLibraryForm</Display>
-  <Edit>DocumentLibraryForm</Edit>
-  <New>DocumentLibraryForm</New>
-</FormTemplates>
-</file>
-
-<file path=customXml/item2.xml><?xml version="1.0" encoding="utf-8"?>
-<p:properties xmlns:p="http://schemas.microsoft.com/office/2006/metadata/properties" xmlns:xsi="http://www.w3.org/2001/XMLSchema-instance">
-  <documentManagement/>
-</p:properties>
-</file>
-
-<file path=customXml/item3.xml><?xml version="1.0" encoding="utf-8"?>
 <ct:contentTypeSchema xmlns:ct="http://schemas.microsoft.com/office/2006/metadata/contentType" xmlns:ma="http://schemas.microsoft.com/office/2006/metadata/properties/metaAttributes" ct:_="" ma:_="" ma:contentTypeName="Document" ma:contentTypeID="0x010100EAEEBEE83C66E54EA9BED83B0A9A60DB" ma:contentTypeVersion="1" ma:contentTypeDescription="Create a new document." ma:contentTypeScope="" ma:versionID="51a43b2161297f783d65b37e357c79e9">
   <xsd:schema xmlns:xsd="http://www.w3.org/2001/XMLSchema" xmlns:p="http://schemas.microsoft.com/office/2006/metadata/properties" targetNamespace="http://schemas.microsoft.com/office/2006/metadata/properties" ma:root="true" ma:fieldsID="b9cfef283e0bc2d986a66f9ec0cdc424">
     <xsd:element name="properties">
@@ -44011,10 +50369,32 @@
 </ct:contentTypeSchema>
 </file>
 
+<file path=customXml/item2.xml><?xml version="1.0" encoding="utf-8"?>
+<p:properties xmlns:p="http://schemas.microsoft.com/office/2006/metadata/properties" xmlns:xsi="http://www.w3.org/2001/XMLSchema-instance">
+  <documentManagement/>
+</p:properties>
+</file>
+
+<file path=customXml/item3.xml><?xml version="1.0" encoding="utf-8"?>
+<?mso-contentType ?>
+<FormTemplates xmlns="http://schemas.microsoft.com/sharepoint/v3/contenttype/forms">
+  <Display>DocumentLibraryForm</Display>
+  <Edit>DocumentLibraryForm</Edit>
+  <New>DocumentLibraryForm</New>
+</FormTemplates>
+</file>
+
 <file path=customXml/itemProps1.xml><?xml version="1.0" encoding="utf-8"?>
-<ds:datastoreItem xmlns:ds="http://schemas.openxmlformats.org/officeDocument/2006/customXml" ds:itemID="{86FC490B-1F77-48C5-AC70-1DD939DBDF04}">
+<ds:datastoreItem xmlns:ds="http://schemas.openxmlformats.org/officeDocument/2006/customXml" ds:itemID="{A3332CB6-AB82-4DD3-8C89-C660A1C3944B}">
   <ds:schemaRefs>
-    <ds:schemaRef ds:uri="http://schemas.microsoft.com/sharepoint/v3/contenttype/forms"/>
+    <ds:schemaRef ds:uri="http://schemas.microsoft.com/office/2006/metadata/contentType"/>
+    <ds:schemaRef ds:uri="http://schemas.microsoft.com/office/2006/metadata/properties/metaAttributes"/>
+    <ds:schemaRef ds:uri="http://www.w3.org/2001/XMLSchema"/>
+    <ds:schemaRef ds:uri="http://schemas.microsoft.com/office/2006/metadata/properties"/>
+    <ds:schemaRef ds:uri="http://schemas.openxmlformats.org/package/2006/metadata/core-properties"/>
+    <ds:schemaRef ds:uri="http://purl.org/dc/elements/1.1/"/>
+    <ds:schemaRef ds:uri="http://purl.org/dc/terms/"/>
+    <ds:schemaRef ds:uri="http://schemas.microsoft.com/office/internal/2005/internalDocumentation"/>
   </ds:schemaRefs>
 </ds:datastoreItem>
 </file>
@@ -44034,16 +50414,9 @@
 </file>
 
 <file path=customXml/itemProps3.xml><?xml version="1.0" encoding="utf-8"?>
-<ds:datastoreItem xmlns:ds="http://schemas.openxmlformats.org/officeDocument/2006/customXml" ds:itemID="{A3332CB6-AB82-4DD3-8C89-C660A1C3944B}">
+<ds:datastoreItem xmlns:ds="http://schemas.openxmlformats.org/officeDocument/2006/customXml" ds:itemID="{86FC490B-1F77-48C5-AC70-1DD939DBDF04}">
   <ds:schemaRefs>
-    <ds:schemaRef ds:uri="http://schemas.microsoft.com/office/2006/metadata/contentType"/>
-    <ds:schemaRef ds:uri="http://schemas.microsoft.com/office/2006/metadata/properties/metaAttributes"/>
-    <ds:schemaRef ds:uri="http://www.w3.org/2001/XMLSchema"/>
-    <ds:schemaRef ds:uri="http://schemas.microsoft.com/office/2006/metadata/properties"/>
-    <ds:schemaRef ds:uri="http://schemas.openxmlformats.org/package/2006/metadata/core-properties"/>
-    <ds:schemaRef ds:uri="http://purl.org/dc/elements/1.1/"/>
-    <ds:schemaRef ds:uri="http://purl.org/dc/terms/"/>
-    <ds:schemaRef ds:uri="http://schemas.microsoft.com/office/internal/2005/internalDocumentation"/>
+    <ds:schemaRef ds:uri="http://schemas.microsoft.com/sharepoint/v3/contenttype/forms"/>
   </ds:schemaRefs>
 </ds:datastoreItem>
 </file>
--- a/slides/00_Introducao a NoSQL e Redis.pptx
+++ b/slides/00_Introducao a NoSQL e Redis.pptx
@@ -5490,7 +5490,7 @@
                   <a:schemeClr val="bg1"/>
                 </a:buClr>
               </a:pPr>
-              <a:t>5/30/2017</a:t>
+              <a:t>5/31/2017</a:t>
             </a:fld>
             <a:endParaRPr lang="en-US" sz="900" dirty="0" smtClean="0">
               <a:solidFill>
@@ -5564,7 +5564,7 @@
                   <a:schemeClr val="bg1"/>
                 </a:buClr>
               </a:pPr>
-              <a:t>5/30/2017</a:t>
+              <a:t>5/31/2017</a:t>
             </a:fld>
             <a:endParaRPr lang="en-US" sz="900" dirty="0" smtClean="0">
               <a:solidFill>
@@ -6324,11 +6324,7 @@
           <a:p>
             <a:r>
               <a:rPr lang="pt-BR" dirty="0" smtClean="0"/>
-              <a:t>Hands On de Redis </a:t>
-            </a:r>
-            <a:r>
-              <a:rPr lang="pt-BR" dirty="0" smtClean="0"/>
-              <a:t>B3</a:t>
+              <a:t>Hands On de Redis B3</a:t>
             </a:r>
             <a:endParaRPr lang="en-US" dirty="0"/>
           </a:p>
@@ -25784,11 +25780,7 @@
             </a:r>
             <a:r>
               <a:rPr lang="en-US" dirty="0" smtClean="0"/>
-              <a:t> </a:t>
-            </a:r>
-            <a:r>
-              <a:rPr lang="en-US" dirty="0" smtClean="0"/>
-              <a:t>da </a:t>
+              <a:t> da </a:t>
             </a:r>
             <a:r>
               <a:rPr lang="en-US" dirty="0" err="1" smtClean="0"/>
@@ -25828,8 +25820,17 @@
             </a:r>
             <a:r>
               <a:rPr lang="pt-BR" dirty="0"/>
-              <a:t>a exposição ao Redis. Após as sessões, você terá recebido informações sobre:</a:t>
-            </a:r>
+              <a:t>a exposição ao Redis. Após as sessões, você terá recebido </a:t>
+            </a:r>
+            <a:r>
+              <a:rPr lang="pt-BR"/>
+              <a:t>informações </a:t>
+            </a:r>
+            <a:r>
+              <a:rPr lang="pt-BR" smtClean="0"/>
+              <a:t>sobre:</a:t>
+            </a:r>
+            <a:endParaRPr lang="pt-BR" dirty="0"/>
           </a:p>
           <a:p>
             <a:pPr marL="285750" indent="-285750"/>
@@ -29362,11 +29363,7 @@
             </a:r>
             <a:r>
               <a:rPr lang="en-US" dirty="0" smtClean="0"/>
-              <a:t> </a:t>
-            </a:r>
-            <a:r>
-              <a:rPr lang="en-US" dirty="0" smtClean="0"/>
-              <a:t>da </a:t>
+              <a:t> da </a:t>
             </a:r>
             <a:r>
               <a:rPr lang="en-US" dirty="0" err="1" smtClean="0"/>
@@ -50321,6 +50318,21 @@
 </file>
 
 <file path=customXml/item1.xml><?xml version="1.0" encoding="utf-8"?>
+<p:properties xmlns:p="http://schemas.microsoft.com/office/2006/metadata/properties" xmlns:xsi="http://www.w3.org/2001/XMLSchema-instance">
+  <documentManagement/>
+</p:properties>
+</file>
+
+<file path=customXml/item2.xml><?xml version="1.0" encoding="utf-8"?>
+<?mso-contentType ?>
+<FormTemplates xmlns="http://schemas.microsoft.com/sharepoint/v3/contenttype/forms">
+  <Display>DocumentLibraryForm</Display>
+  <Edit>DocumentLibraryForm</Edit>
+  <New>DocumentLibraryForm</New>
+</FormTemplates>
+</file>
+
+<file path=customXml/item3.xml><?xml version="1.0" encoding="utf-8"?>
 <ct:contentTypeSchema xmlns:ct="http://schemas.microsoft.com/office/2006/metadata/contentType" xmlns:ma="http://schemas.microsoft.com/office/2006/metadata/properties/metaAttributes" ct:_="" ma:_="" ma:contentTypeName="Document" ma:contentTypeID="0x010100EAEEBEE83C66E54EA9BED83B0A9A60DB" ma:contentTypeVersion="1" ma:contentTypeDescription="Create a new document." ma:contentTypeScope="" ma:versionID="51a43b2161297f783d65b37e357c79e9">
   <xsd:schema xmlns:xsd="http://www.w3.org/2001/XMLSchema" xmlns:p="http://schemas.microsoft.com/office/2006/metadata/properties" targetNamespace="http://schemas.microsoft.com/office/2006/metadata/properties" ma:root="true" ma:fieldsID="b9cfef283e0bc2d986a66f9ec0cdc424">
     <xsd:element name="properties">
@@ -50369,37 +50381,7 @@
 </ct:contentTypeSchema>
 </file>
 
-<file path=customXml/item2.xml><?xml version="1.0" encoding="utf-8"?>
-<p:properties xmlns:p="http://schemas.microsoft.com/office/2006/metadata/properties" xmlns:xsi="http://www.w3.org/2001/XMLSchema-instance">
-  <documentManagement/>
-</p:properties>
-</file>
-
-<file path=customXml/item3.xml><?xml version="1.0" encoding="utf-8"?>
-<?mso-contentType ?>
-<FormTemplates xmlns="http://schemas.microsoft.com/sharepoint/v3/contenttype/forms">
-  <Display>DocumentLibraryForm</Display>
-  <Edit>DocumentLibraryForm</Edit>
-  <New>DocumentLibraryForm</New>
-</FormTemplates>
-</file>
-
 <file path=customXml/itemProps1.xml><?xml version="1.0" encoding="utf-8"?>
-<ds:datastoreItem xmlns:ds="http://schemas.openxmlformats.org/officeDocument/2006/customXml" ds:itemID="{A3332CB6-AB82-4DD3-8C89-C660A1C3944B}">
-  <ds:schemaRefs>
-    <ds:schemaRef ds:uri="http://schemas.microsoft.com/office/2006/metadata/contentType"/>
-    <ds:schemaRef ds:uri="http://schemas.microsoft.com/office/2006/metadata/properties/metaAttributes"/>
-    <ds:schemaRef ds:uri="http://www.w3.org/2001/XMLSchema"/>
-    <ds:schemaRef ds:uri="http://schemas.microsoft.com/office/2006/metadata/properties"/>
-    <ds:schemaRef ds:uri="http://schemas.openxmlformats.org/package/2006/metadata/core-properties"/>
-    <ds:schemaRef ds:uri="http://purl.org/dc/elements/1.1/"/>
-    <ds:schemaRef ds:uri="http://purl.org/dc/terms/"/>
-    <ds:schemaRef ds:uri="http://schemas.microsoft.com/office/internal/2005/internalDocumentation"/>
-  </ds:schemaRefs>
-</ds:datastoreItem>
-</file>
-
-<file path=customXml/itemProps2.xml><?xml version="1.0" encoding="utf-8"?>
 <ds:datastoreItem xmlns:ds="http://schemas.openxmlformats.org/officeDocument/2006/customXml" ds:itemID="{0873BDD3-AA35-4F19-A12A-C6462BECFBD1}">
   <ds:schemaRefs>
     <ds:schemaRef ds:uri="http://purl.org/dc/dcmitype/"/>
@@ -50413,10 +50395,25 @@
 </ds:datastoreItem>
 </file>
 
-<file path=customXml/itemProps3.xml><?xml version="1.0" encoding="utf-8"?>
+<file path=customXml/itemProps2.xml><?xml version="1.0" encoding="utf-8"?>
 <ds:datastoreItem xmlns:ds="http://schemas.openxmlformats.org/officeDocument/2006/customXml" ds:itemID="{86FC490B-1F77-48C5-AC70-1DD939DBDF04}">
   <ds:schemaRefs>
     <ds:schemaRef ds:uri="http://schemas.microsoft.com/sharepoint/v3/contenttype/forms"/>
   </ds:schemaRefs>
 </ds:datastoreItem>
+</file>
+
+<file path=customXml/itemProps3.xml><?xml version="1.0" encoding="utf-8"?>
+<ds:datastoreItem xmlns:ds="http://schemas.openxmlformats.org/officeDocument/2006/customXml" ds:itemID="{A3332CB6-AB82-4DD3-8C89-C660A1C3944B}">
+  <ds:schemaRefs>
+    <ds:schemaRef ds:uri="http://schemas.microsoft.com/office/2006/metadata/contentType"/>
+    <ds:schemaRef ds:uri="http://schemas.microsoft.com/office/2006/metadata/properties/metaAttributes"/>
+    <ds:schemaRef ds:uri="http://www.w3.org/2001/XMLSchema"/>
+    <ds:schemaRef ds:uri="http://schemas.microsoft.com/office/2006/metadata/properties"/>
+    <ds:schemaRef ds:uri="http://schemas.openxmlformats.org/package/2006/metadata/core-properties"/>
+    <ds:schemaRef ds:uri="http://purl.org/dc/elements/1.1/"/>
+    <ds:schemaRef ds:uri="http://purl.org/dc/terms/"/>
+    <ds:schemaRef ds:uri="http://schemas.microsoft.com/office/internal/2005/internalDocumentation"/>
+  </ds:schemaRefs>
+</ds:datastoreItem>
 </file>
--- a/slides/00_Introducao a NoSQL e Redis.pptx
+++ b/slides/00_Introducao a NoSQL e Redis.pptx
@@ -5490,7 +5490,7 @@
                   <a:schemeClr val="bg1"/>
                 </a:buClr>
               </a:pPr>
-              <a:t>5/31/2017</a:t>
+              <a:t>7/2/2017</a:t>
             </a:fld>
             <a:endParaRPr lang="en-US" sz="900" dirty="0" smtClean="0">
               <a:solidFill>
@@ -5564,7 +5564,7 @@
                   <a:schemeClr val="bg1"/>
                 </a:buClr>
               </a:pPr>
-              <a:t>5/31/2017</a:t>
+              <a:t>7/2/2017</a:t>
             </a:fld>
             <a:endParaRPr lang="en-US" sz="900" dirty="0" smtClean="0">
               <a:solidFill>
@@ -6423,8 +6423,28 @@
             <a:pPr lvl="1"/>
             <a:r>
               <a:rPr lang="pt-BR" dirty="0"/>
-              <a:t>Estruturas em grafos são exemplos de abstrações em que o modelo relacional gera realizações físicas pouco eficientes.</a:t>
-            </a:r>
+              <a:t>Estruturas em grafos são exemplos de abstrações em que o modelo relacional gera realizações físicas pouco eficientes</a:t>
+            </a:r>
+            <a:r>
+              <a:rPr lang="pt-BR" dirty="0" smtClean="0"/>
+              <a:t>.</a:t>
+            </a:r>
+          </a:p>
+          <a:p>
+            <a:pPr lvl="1"/>
+            <a:r>
+              <a:rPr lang="pt-BR" dirty="0">
+                <a:hlinkClick r:id="rId2"/>
+              </a:rPr>
+              <a:t>https://neo4j.com/developer/graph-db-vs-rdbms</a:t>
+            </a:r>
+            <a:r>
+              <a:rPr lang="pt-BR" dirty="0" smtClean="0">
+                <a:hlinkClick r:id="rId2"/>
+              </a:rPr>
+              <a:t>/</a:t>
+            </a:r>
+            <a:endParaRPr lang="pt-BR" dirty="0"/>
           </a:p>
           <a:p>
             <a:endParaRPr lang="pt-BR" dirty="0"/>
@@ -6443,7 +6463,7 @@
           <p:nvPr/>
         </p:nvPicPr>
         <p:blipFill>
-          <a:blip r:embed="rId2">
+          <a:blip r:embed="rId3">
             <a:extLst>
               <a:ext uri="{28A0092B-C50C-407E-A947-70E740481C1C}">
                 <a14:useLocalDpi xmlns:a14="http://schemas.microsoft.com/office/drawing/2010/main" val="0"/>
@@ -30977,14 +30997,14 @@
           <p:nvPr>
             <p:extLst>
               <p:ext uri="{D42A27DB-BD31-4B8C-83A1-F6EECF244321}">
-                <p14:modId xmlns:p14="http://schemas.microsoft.com/office/powerpoint/2010/main" val="1996730783"/>
+                <p14:modId xmlns:p14="http://schemas.microsoft.com/office/powerpoint/2010/main" val="368081880"/>
               </p:ext>
             </p:extLst>
           </p:nvPr>
         </p:nvGraphicFramePr>
         <p:xfrm>
-          <a:off x="6276975" y="1362075"/>
-          <a:ext cx="1924050" cy="2946400"/>
+          <a:off x="5904007" y="1337176"/>
+          <a:ext cx="2803335" cy="2946400"/>
         </p:xfrm>
         <a:graphic>
           <a:graphicData uri="http://schemas.openxmlformats.org/drawingml/2006/table">
@@ -30993,7 +31013,7 @@
                 <a:tableStyleId>{5C22544A-7EE6-4342-B048-85BDC9FD1C3A}</a:tableStyleId>
               </a:tblPr>
               <a:tblGrid>
-                <a:gridCol w="1924050"/>
+                <a:gridCol w="2803335"/>
               </a:tblGrid>
               <a:tr h="289560">
                 <a:tc>
@@ -31229,7 +31249,7 @@
                             <a:srgbClr val="0093E7"/>
                           </a:solidFill>
                         </a:rPr>
-                        <a:t>endreço</a:t>
+                        <a:t>endereço</a:t>
                       </a:r>
                       <a:endParaRPr lang="en-US" dirty="0">
                         <a:solidFill>
@@ -41574,6 +41594,13 @@
   <p:transition spd="med">
     <p:wipe dir="r"/>
   </p:transition>
+  <p:timing>
+    <p:tnLst>
+      <p:par>
+        <p:cTn id="1" dur="indefinite" restart="never" nodeType="tmRoot"/>
+      </p:par>
+    </p:tnLst>
+  </p:timing>
 </p:sld>
 </file>
 
@@ -43184,6 +43211,13 @@
   <p:transition spd="med">
     <p:wipe dir="r"/>
   </p:transition>
+  <p:timing>
+    <p:tnLst>
+      <p:par>
+        <p:cTn id="1" dur="indefinite" restart="never" nodeType="tmRoot"/>
+      </p:par>
+    </p:tnLst>
+  </p:timing>
 </p:sld>
 </file>
 
@@ -43280,15 +43314,7 @@
             </a:r>
             <a:r>
               <a:rPr lang="en-US" dirty="0" smtClean="0"/>
-              <a:t> </a:t>
-            </a:r>
-            <a:r>
-              <a:rPr lang="en-US" dirty="0" err="1" smtClean="0"/>
-              <a:t>que</a:t>
-            </a:r>
-            <a:r>
-              <a:rPr lang="en-US" dirty="0" smtClean="0"/>
-              <a:t> o </a:t>
+              <a:t> que o </a:t>
             </a:r>
             <a:r>
               <a:rPr lang="en-US" dirty="0" err="1" smtClean="0"/>
@@ -43312,23 +43338,23 @@
             </a:r>
             <a:r>
               <a:rPr lang="en-US" dirty="0" smtClean="0"/>
-              <a:t> de dados </a:t>
+              <a:t> de dados que </a:t>
             </a:r>
             <a:r>
               <a:rPr lang="en-US" dirty="0" err="1" smtClean="0"/>
-              <a:t>que</a:t>
+              <a:t>melhor</a:t>
             </a:r>
             <a:r>
               <a:rPr lang="en-US" dirty="0" smtClean="0"/>
               <a:t> </a:t>
             </a:r>
             <a:r>
-              <a:rPr lang="en-US" dirty="0" err="1" smtClean="0"/>
-              <a:t>melhor</a:t>
-            </a:r>
-            <a:r>
               <a:rPr lang="en-US" dirty="0" smtClean="0"/>
-              <a:t> server a </a:t>
+              <a:t>serve </a:t>
+            </a:r>
+            <a:r>
+              <a:rPr lang="en-US" dirty="0" smtClean="0"/>
+              <a:t>a </a:t>
             </a:r>
             <a:r>
               <a:rPr lang="en-US" dirty="0" err="1" smtClean="0"/>
@@ -43387,7 +43413,7 @@
             </a:r>
             <a:r>
               <a:rPr lang="en-US" dirty="0" smtClean="0"/>
-              <a:t> com </a:t>
+              <a:t> </a:t>
             </a:r>
             <a:r>
               <a:rPr lang="en-US" dirty="0" err="1" smtClean="0"/>
@@ -43578,6 +43604,13 @@
   <p:transition spd="med">
     <p:wipe dir="r"/>
   </p:transition>
+  <p:timing>
+    <p:tnLst>
+      <p:par>
+        <p:cTn id="1" dur="indefinite" restart="never" nodeType="tmRoot"/>
+      </p:par>
+    </p:tnLst>
+  </p:timing>
 </p:sld>
 </file>
 
@@ -44095,6 +44128,13 @@
   <p:transition spd="med">
     <p:wipe dir="r"/>
   </p:transition>
+  <p:timing>
+    <p:tnLst>
+      <p:par>
+        <p:cTn id="1" dur="indefinite" restart="never" nodeType="tmRoot"/>
+      </p:par>
+    </p:tnLst>
+  </p:timing>
 </p:sld>
 </file>
 
@@ -50318,12 +50358,6 @@
 </file>
 
 <file path=customXml/item1.xml><?xml version="1.0" encoding="utf-8"?>
-<p:properties xmlns:p="http://schemas.microsoft.com/office/2006/metadata/properties" xmlns:xsi="http://www.w3.org/2001/XMLSchema-instance">
-  <documentManagement/>
-</p:properties>
-</file>
-
-<file path=customXml/item2.xml><?xml version="1.0" encoding="utf-8"?>
 <?mso-contentType ?>
 <FormTemplates xmlns="http://schemas.microsoft.com/sharepoint/v3/contenttype/forms">
   <Display>DocumentLibraryForm</Display>
@@ -50332,7 +50366,7 @@
 </FormTemplates>
 </file>
 
-<file path=customXml/item3.xml><?xml version="1.0" encoding="utf-8"?>
+<file path=customXml/item2.xml><?xml version="1.0" encoding="utf-8"?>
 <ct:contentTypeSchema xmlns:ct="http://schemas.microsoft.com/office/2006/metadata/contentType" xmlns:ma="http://schemas.microsoft.com/office/2006/metadata/properties/metaAttributes" ct:_="" ma:_="" ma:contentTypeName="Document" ma:contentTypeID="0x010100EAEEBEE83C66E54EA9BED83B0A9A60DB" ma:contentTypeVersion="1" ma:contentTypeDescription="Create a new document." ma:contentTypeScope="" ma:versionID="51a43b2161297f783d65b37e357c79e9">
   <xsd:schema xmlns:xsd="http://www.w3.org/2001/XMLSchema" xmlns:p="http://schemas.microsoft.com/office/2006/metadata/properties" targetNamespace="http://schemas.microsoft.com/office/2006/metadata/properties" ma:root="true" ma:fieldsID="b9cfef283e0bc2d986a66f9ec0cdc424">
     <xsd:element name="properties">
@@ -50381,21 +50415,13 @@
 </ct:contentTypeSchema>
 </file>
 
-<file path=customXml/itemProps1.xml><?xml version="1.0" encoding="utf-8"?>
-<ds:datastoreItem xmlns:ds="http://schemas.openxmlformats.org/officeDocument/2006/customXml" ds:itemID="{0873BDD3-AA35-4F19-A12A-C6462BECFBD1}">
-  <ds:schemaRefs>
-    <ds:schemaRef ds:uri="http://purl.org/dc/dcmitype/"/>
-    <ds:schemaRef ds:uri="http://purl.org/dc/elements/1.1/"/>
-    <ds:schemaRef ds:uri="http://schemas.microsoft.com/office/2006/documentManagement/types"/>
-    <ds:schemaRef ds:uri="http://purl.org/dc/terms/"/>
-    <ds:schemaRef ds:uri="http://www.w3.org/XML/1998/namespace"/>
-    <ds:schemaRef ds:uri="http://schemas.microsoft.com/office/2006/metadata/properties"/>
-    <ds:schemaRef ds:uri="http://schemas.openxmlformats.org/package/2006/metadata/core-properties"/>
-  </ds:schemaRefs>
-</ds:datastoreItem>
+<file path=customXml/item3.xml><?xml version="1.0" encoding="utf-8"?>
+<p:properties xmlns:p="http://schemas.microsoft.com/office/2006/metadata/properties" xmlns:xsi="http://www.w3.org/2001/XMLSchema-instance">
+  <documentManagement/>
+</p:properties>
 </file>
 
-<file path=customXml/itemProps2.xml><?xml version="1.0" encoding="utf-8"?>
+<file path=customXml/itemProps1.xml><?xml version="1.0" encoding="utf-8"?>
 <ds:datastoreItem xmlns:ds="http://schemas.openxmlformats.org/officeDocument/2006/customXml" ds:itemID="{86FC490B-1F77-48C5-AC70-1DD939DBDF04}">
   <ds:schemaRefs>
     <ds:schemaRef ds:uri="http://schemas.microsoft.com/sharepoint/v3/contenttype/forms"/>
@@ -50403,7 +50429,7 @@
 </ds:datastoreItem>
 </file>
 
-<file path=customXml/itemProps3.xml><?xml version="1.0" encoding="utf-8"?>
+<file path=customXml/itemProps2.xml><?xml version="1.0" encoding="utf-8"?>
 <ds:datastoreItem xmlns:ds="http://schemas.openxmlformats.org/officeDocument/2006/customXml" ds:itemID="{A3332CB6-AB82-4DD3-8C89-C660A1C3944B}">
   <ds:schemaRefs>
     <ds:schemaRef ds:uri="http://schemas.microsoft.com/office/2006/metadata/contentType"/>
@@ -50416,4 +50442,18 @@
     <ds:schemaRef ds:uri="http://schemas.microsoft.com/office/internal/2005/internalDocumentation"/>
   </ds:schemaRefs>
 </ds:datastoreItem>
+</file>
+
+<file path=customXml/itemProps3.xml><?xml version="1.0" encoding="utf-8"?>
+<ds:datastoreItem xmlns:ds="http://schemas.openxmlformats.org/officeDocument/2006/customXml" ds:itemID="{0873BDD3-AA35-4F19-A12A-C6462BECFBD1}">
+  <ds:schemaRefs>
+    <ds:schemaRef ds:uri="http://purl.org/dc/dcmitype/"/>
+    <ds:schemaRef ds:uri="http://purl.org/dc/elements/1.1/"/>
+    <ds:schemaRef ds:uri="http://schemas.microsoft.com/office/2006/documentManagement/types"/>
+    <ds:schemaRef ds:uri="http://purl.org/dc/terms/"/>
+    <ds:schemaRef ds:uri="http://www.w3.org/XML/1998/namespace"/>
+    <ds:schemaRef ds:uri="http://schemas.microsoft.com/office/2006/metadata/properties"/>
+    <ds:schemaRef ds:uri="http://schemas.openxmlformats.org/package/2006/metadata/core-properties"/>
+  </ds:schemaRefs>
+</ds:datastoreItem>
 </file>